--- a/Documents/Final Document/Hotel-Spa-Reservation-System.pptx
+++ b/Documents/Final Document/Hotel-Spa-Reservation-System.pptx
@@ -10,41 +10,43 @@
     <p:sldId id="258" r:id="rId4"/>
     <p:sldId id="260" r:id="rId5"/>
     <p:sldId id="261" r:id="rId6"/>
-    <p:sldId id="267" r:id="rId7"/>
-    <p:sldId id="315" r:id="rId8"/>
-    <p:sldId id="316" r:id="rId9"/>
-    <p:sldId id="317" r:id="rId10"/>
-    <p:sldId id="271" r:id="rId11"/>
-    <p:sldId id="282" r:id="rId12"/>
-    <p:sldId id="283" r:id="rId13"/>
-    <p:sldId id="319" r:id="rId14"/>
-    <p:sldId id="289" r:id="rId15"/>
-    <p:sldId id="290" r:id="rId16"/>
-    <p:sldId id="291" r:id="rId17"/>
-    <p:sldId id="292" r:id="rId18"/>
-    <p:sldId id="272" r:id="rId19"/>
-    <p:sldId id="324" r:id="rId20"/>
-    <p:sldId id="325" r:id="rId21"/>
-    <p:sldId id="296" r:id="rId22"/>
-    <p:sldId id="297" r:id="rId23"/>
-    <p:sldId id="320" r:id="rId24"/>
-    <p:sldId id="276" r:id="rId25"/>
-    <p:sldId id="321" r:id="rId26"/>
-    <p:sldId id="327" r:id="rId27"/>
-    <p:sldId id="326" r:id="rId28"/>
-    <p:sldId id="298" r:id="rId29"/>
-    <p:sldId id="322" r:id="rId30"/>
-    <p:sldId id="328" r:id="rId31"/>
-    <p:sldId id="305" r:id="rId32"/>
-    <p:sldId id="329" r:id="rId33"/>
-    <p:sldId id="330" r:id="rId34"/>
-    <p:sldId id="331" r:id="rId35"/>
-    <p:sldId id="332" r:id="rId36"/>
-    <p:sldId id="334" r:id="rId37"/>
-    <p:sldId id="333" r:id="rId38"/>
-    <p:sldId id="335" r:id="rId39"/>
-    <p:sldId id="336" r:id="rId40"/>
-    <p:sldId id="323" r:id="rId41"/>
+    <p:sldId id="338" r:id="rId7"/>
+    <p:sldId id="337" r:id="rId8"/>
+    <p:sldId id="267" r:id="rId9"/>
+    <p:sldId id="315" r:id="rId10"/>
+    <p:sldId id="316" r:id="rId11"/>
+    <p:sldId id="317" r:id="rId12"/>
+    <p:sldId id="271" r:id="rId13"/>
+    <p:sldId id="282" r:id="rId14"/>
+    <p:sldId id="283" r:id="rId15"/>
+    <p:sldId id="319" r:id="rId16"/>
+    <p:sldId id="289" r:id="rId17"/>
+    <p:sldId id="290" r:id="rId18"/>
+    <p:sldId id="291" r:id="rId19"/>
+    <p:sldId id="292" r:id="rId20"/>
+    <p:sldId id="272" r:id="rId21"/>
+    <p:sldId id="324" r:id="rId22"/>
+    <p:sldId id="325" r:id="rId23"/>
+    <p:sldId id="296" r:id="rId24"/>
+    <p:sldId id="297" r:id="rId25"/>
+    <p:sldId id="320" r:id="rId26"/>
+    <p:sldId id="276" r:id="rId27"/>
+    <p:sldId id="321" r:id="rId28"/>
+    <p:sldId id="327" r:id="rId29"/>
+    <p:sldId id="326" r:id="rId30"/>
+    <p:sldId id="298" r:id="rId31"/>
+    <p:sldId id="322" r:id="rId32"/>
+    <p:sldId id="328" r:id="rId33"/>
+    <p:sldId id="305" r:id="rId34"/>
+    <p:sldId id="329" r:id="rId35"/>
+    <p:sldId id="330" r:id="rId36"/>
+    <p:sldId id="331" r:id="rId37"/>
+    <p:sldId id="332" r:id="rId38"/>
+    <p:sldId id="334" r:id="rId39"/>
+    <p:sldId id="333" r:id="rId40"/>
+    <p:sldId id="335" r:id="rId41"/>
+    <p:sldId id="336" r:id="rId42"/>
+    <p:sldId id="323" r:id="rId43"/>
   </p:sldIdLst>
   <p:sldSz cx="9144000" cy="6858000" type="screen4x3"/>
   <p:notesSz cx="6858000" cy="9144000"/>
@@ -529,7 +531,7 @@
           <a:p>
             <a:fld id="{CD42E3B0-7626-468E-BDCF-BF49D23C21D2}" type="datetimeFigureOut">
               <a:rPr lang="en-US" smtClean="0"/>
-              <a:t>11/1/2017</a:t>
+              <a:t>12/17/2017</a:t>
             </a:fld>
             <a:endParaRPr lang="en-US"/>
           </a:p>
@@ -813,7 +815,7 @@
           <a:p>
             <a:fld id="{CD42E3B0-7626-468E-BDCF-BF49D23C21D2}" type="datetimeFigureOut">
               <a:rPr lang="en-US" smtClean="0"/>
-              <a:t>11/1/2017</a:t>
+              <a:t>12/17/2017</a:t>
             </a:fld>
             <a:endParaRPr lang="en-US"/>
           </a:p>
@@ -1202,7 +1204,7 @@
           <a:p>
             <a:fld id="{CD42E3B0-7626-468E-BDCF-BF49D23C21D2}" type="datetimeFigureOut">
               <a:rPr lang="en-US" smtClean="0"/>
-              <a:t>11/1/2017</a:t>
+              <a:t>12/17/2017</a:t>
             </a:fld>
             <a:endParaRPr lang="en-US"/>
           </a:p>
@@ -1474,7 +1476,7 @@
           <a:p>
             <a:fld id="{CD42E3B0-7626-468E-BDCF-BF49D23C21D2}" type="datetimeFigureOut">
               <a:rPr lang="en-US" smtClean="0"/>
-              <a:t>11/1/2017</a:t>
+              <a:t>12/17/2017</a:t>
             </a:fld>
             <a:endParaRPr lang="en-US"/>
           </a:p>
@@ -1965,7 +1967,7 @@
           <a:p>
             <a:fld id="{CD42E3B0-7626-468E-BDCF-BF49D23C21D2}" type="datetimeFigureOut">
               <a:rPr lang="en-US" smtClean="0"/>
-              <a:t>11/1/2017</a:t>
+              <a:t>12/17/2017</a:t>
             </a:fld>
             <a:endParaRPr lang="en-US"/>
           </a:p>
@@ -2318,7 +2320,7 @@
           <a:p>
             <a:fld id="{CD42E3B0-7626-468E-BDCF-BF49D23C21D2}" type="datetimeFigureOut">
               <a:rPr lang="en-US" smtClean="0"/>
-              <a:t>11/1/2017</a:t>
+              <a:t>12/17/2017</a:t>
             </a:fld>
             <a:endParaRPr lang="en-US"/>
           </a:p>
@@ -2709,7 +2711,7 @@
           <a:p>
             <a:fld id="{CD42E3B0-7626-468E-BDCF-BF49D23C21D2}" type="datetimeFigureOut">
               <a:rPr lang="en-US" smtClean="0"/>
-              <a:t>11/1/2017</a:t>
+              <a:t>12/17/2017</a:t>
             </a:fld>
             <a:endParaRPr lang="en-US"/>
           </a:p>
@@ -2827,7 +2829,7 @@
           <a:p>
             <a:fld id="{CD42E3B0-7626-468E-BDCF-BF49D23C21D2}" type="datetimeFigureOut">
               <a:rPr lang="en-US" smtClean="0"/>
-              <a:t>11/1/2017</a:t>
+              <a:t>12/17/2017</a:t>
             </a:fld>
             <a:endParaRPr lang="en-US"/>
           </a:p>
@@ -2922,7 +2924,7 @@
           <a:p>
             <a:fld id="{CD42E3B0-7626-468E-BDCF-BF49D23C21D2}" type="datetimeFigureOut">
               <a:rPr lang="en-US" smtClean="0"/>
-              <a:t>11/1/2017</a:t>
+              <a:t>12/17/2017</a:t>
             </a:fld>
             <a:endParaRPr lang="en-US"/>
           </a:p>
@@ -3227,7 +3229,7 @@
           <a:p>
             <a:fld id="{CD42E3B0-7626-468E-BDCF-BF49D23C21D2}" type="datetimeFigureOut">
               <a:rPr lang="en-US" smtClean="0"/>
-              <a:t>11/1/2017</a:t>
+              <a:t>12/17/2017</a:t>
             </a:fld>
             <a:endParaRPr lang="en-US"/>
           </a:p>
@@ -3497,7 +3499,7 @@
           <a:p>
             <a:fld id="{CD42E3B0-7626-468E-BDCF-BF49D23C21D2}" type="datetimeFigureOut">
               <a:rPr lang="en-US" smtClean="0"/>
-              <a:t>11/1/2017</a:t>
+              <a:t>12/17/2017</a:t>
             </a:fld>
             <a:endParaRPr lang="en-US"/>
           </a:p>
@@ -3915,7 +3917,7 @@
           <a:p>
             <a:fld id="{CD42E3B0-7626-468E-BDCF-BF49D23C21D2}" type="datetimeFigureOut">
               <a:rPr lang="en-US" smtClean="0"/>
-              <a:t>11/1/2017</a:t>
+              <a:t>12/17/2017</a:t>
             </a:fld>
             <a:endParaRPr lang="en-US"/>
           </a:p>
@@ -4677,7 +4679,69 @@
       </p:grpSpPr>
       <p:sp>
         <p:nvSpPr>
-          <p:cNvPr id="7" name="Title 2"/>
+          <p:cNvPr id="3" name="Content Placeholder 2"/>
+          <p:cNvSpPr>
+            <a:spLocks noGrp="1"/>
+          </p:cNvSpPr>
+          <p:nvPr>
+            <p:ph idx="1"/>
+          </p:nvPr>
+        </p:nvSpPr>
+        <p:spPr>
+          <a:xfrm>
+            <a:off x="3810000" y="1447800"/>
+            <a:ext cx="4914899" cy="4038600"/>
+          </a:xfrm>
+        </p:spPr>
+        <p:txBody>
+          <a:bodyPr>
+            <a:noAutofit/>
+          </a:bodyPr>
+          <a:lstStyle/>
+          <a:p>
+            <a:r>
+              <a:rPr lang="en-US" dirty="0"/>
+              <a:t>The program is built purely in the platform </a:t>
+            </a:r>
+            <a:r>
+              <a:rPr lang="en-US" dirty="0" smtClean="0"/>
+              <a:t>WordPress</a:t>
+            </a:r>
+            <a:r>
+              <a:rPr lang="en-US" dirty="0"/>
+              <a:t>, a free and open-source content management system (CMS), based on PHP and MySQL. </a:t>
+            </a:r>
+            <a:r>
+              <a:rPr lang="en-US" dirty="0" smtClean="0"/>
+              <a:t/>
+            </a:r>
+            <a:br>
+              <a:rPr lang="en-US" dirty="0" smtClean="0"/>
+            </a:br>
+            <a:endParaRPr lang="en-US" dirty="0"/>
+          </a:p>
+          <a:p>
+            <a:pPr lvl="2"/>
+            <a:r>
+              <a:rPr lang="en-US" sz="2000" b="1" dirty="0"/>
+              <a:t>PHP - </a:t>
+            </a:r>
+            <a:r>
+              <a:rPr lang="en-US" sz="2000" dirty="0"/>
+              <a:t>is a server-side scripting language designed primarily for web development but also used as a general-purpose programming language.</a:t>
+            </a:r>
+          </a:p>
+          <a:p>
+            <a:pPr marL="0" indent="0">
+              <a:buNone/>
+            </a:pPr>
+            <a:endParaRPr lang="en-US" dirty="0"/>
+          </a:p>
+        </p:txBody>
+      </p:sp>
+      <p:sp>
+        <p:nvSpPr>
+          <p:cNvPr id="5" name="Title 4"/>
           <p:cNvSpPr>
             <a:spLocks noGrp="1"/>
           </p:cNvSpPr>
@@ -4687,8 +4751,8 @@
         </p:nvSpPr>
         <p:spPr>
           <a:xfrm>
-            <a:off x="381000" y="2209800"/>
-            <a:ext cx="8458200" cy="3581400"/>
+            <a:off x="152400" y="762254"/>
+            <a:ext cx="3429000" cy="4952492"/>
           </a:xfrm>
         </p:spPr>
         <p:txBody>
@@ -4700,14 +4764,7 @@
             <a:pPr algn="ctr"/>
             <a:r>
               <a:rPr lang="en-US" sz="2400" i="0" dirty="0" smtClean="0"/>
-              <a:t/>
-            </a:r>
-            <a:br>
-              <a:rPr lang="en-US" sz="2400" i="0" dirty="0" smtClean="0"/>
-            </a:br>
-            <a:r>
-              <a:rPr lang="en-US" sz="2400" i="0" dirty="0" smtClean="0"/>
-              <a:t/>
+              <a:t>TECHNICAL BACKGROUND</a:t>
             </a:r>
             <a:br>
               <a:rPr lang="en-US" sz="2400" i="0" dirty="0" smtClean="0"/>
@@ -4727,123 +4784,31 @@
               <a:rPr lang="en-US" sz="2400" i="0" dirty="0" smtClean="0"/>
             </a:br>
             <a:r>
-              <a:rPr lang="en-US" dirty="0"/>
-              <a:t/>
-            </a:r>
-            <a:br>
-              <a:rPr lang="en-US" dirty="0"/>
-            </a:br>
-            <a:endParaRPr lang="en-US" dirty="0"/>
-          </a:p>
-        </p:txBody>
-      </p:sp>
-      <p:sp>
-        <p:nvSpPr>
-          <p:cNvPr id="3" name="TextBox 2"/>
-          <p:cNvSpPr txBox="1"/>
-          <p:nvPr/>
-        </p:nvSpPr>
-        <p:spPr>
-          <a:xfrm>
-            <a:off x="2137913" y="226140"/>
-            <a:ext cx="5410200" cy="369332"/>
-          </a:xfrm>
-          <a:prstGeom prst="rect">
-            <a:avLst/>
-          </a:prstGeom>
-          <a:noFill/>
-        </p:spPr>
-        <p:txBody>
-          <a:bodyPr wrap="square" rtlCol="0">
-            <a:spAutoFit/>
-          </a:bodyPr>
-          <a:lstStyle/>
-          <a:p>
-            <a:pPr algn="ctr"/>
-            <a:r>
-              <a:rPr lang="en-US" dirty="0" smtClean="0">
-                <a:latin typeface="+mj-lt"/>
-              </a:rPr>
-              <a:t>Data Flow Diagram for the Existing System</a:t>
-            </a:r>
-            <a:endParaRPr lang="en-US" dirty="0">
-              <a:latin typeface="+mj-lt"/>
-            </a:endParaRPr>
-          </a:p>
-        </p:txBody>
-      </p:sp>
-      <p:sp>
-        <p:nvSpPr>
-          <p:cNvPr id="9" name="TextBox 8"/>
-          <p:cNvSpPr txBox="1"/>
-          <p:nvPr/>
-        </p:nvSpPr>
-        <p:spPr>
-          <a:xfrm>
-            <a:off x="2140788" y="6248400"/>
-            <a:ext cx="5410200" cy="369332"/>
-          </a:xfrm>
-          <a:prstGeom prst="rect">
-            <a:avLst/>
-          </a:prstGeom>
-          <a:noFill/>
-        </p:spPr>
-        <p:txBody>
-          <a:bodyPr wrap="square" rtlCol="0">
-            <a:spAutoFit/>
-          </a:bodyPr>
-          <a:lstStyle/>
-          <a:p>
-            <a:pPr algn="ctr"/>
-            <a:r>
-              <a:rPr lang="en-US" dirty="0" smtClean="0">
-                <a:latin typeface="+mj-lt"/>
-              </a:rPr>
-              <a:t>Context Diagram</a:t>
-            </a:r>
-            <a:endParaRPr lang="en-US" dirty="0">
-              <a:latin typeface="+mj-lt"/>
-            </a:endParaRPr>
-          </a:p>
-        </p:txBody>
-      </p:sp>
-      <p:pic>
-        <p:nvPicPr>
-          <p:cNvPr id="6" name="Picture 5" descr="C:\Users\student\Pictures\sysadd\exist_con.jpg"/>
-          <p:cNvPicPr/>
-          <p:nvPr/>
-        </p:nvPicPr>
-        <p:blipFill>
-          <a:blip r:embed="rId2">
-            <a:extLst>
-              <a:ext uri="{28A0092B-C50C-407E-A947-70E740481C1C}">
-                <a14:useLocalDpi xmlns:a14="http://schemas.microsoft.com/office/drawing/2010/main" val="0"/>
-              </a:ext>
-            </a:extLst>
-          </a:blip>
-          <a:srcRect/>
-          <a:stretch>
-            <a:fillRect/>
-          </a:stretch>
-        </p:blipFill>
-        <p:spPr bwMode="auto">
-          <a:xfrm>
-            <a:off x="1219200" y="838200"/>
-            <a:ext cx="7162800" cy="4836876"/>
-          </a:xfrm>
-          <a:prstGeom prst="rect">
-            <a:avLst/>
-          </a:prstGeom>
-          <a:noFill/>
-          <a:ln>
-            <a:noFill/>
-          </a:ln>
-        </p:spPr>
-      </p:pic>
+              <a:rPr lang="en-US" sz="2400" i="0" dirty="0" smtClean="0"/>
+              <a:t/>
+            </a:r>
+            <a:br>
+              <a:rPr lang="en-US" sz="2400" i="0" dirty="0" smtClean="0"/>
+            </a:br>
+            <a:r>
+              <a:rPr lang="en-US" sz="2400" i="0" dirty="0" smtClean="0"/>
+              <a:t/>
+            </a:r>
+            <a:br>
+              <a:rPr lang="en-US" sz="2400" i="0" dirty="0" smtClean="0"/>
+            </a:br>
+            <a:r>
+              <a:rPr lang="en-US" sz="3400" dirty="0" smtClean="0"/>
+              <a:t>Programming Language</a:t>
+            </a:r>
+            <a:endParaRPr lang="en-US" sz="3400" i="0" dirty="0"/>
+          </a:p>
+        </p:txBody>
+      </p:sp>
     </p:spTree>
     <p:extLst>
       <p:ext uri="{BB962C8B-B14F-4D97-AF65-F5344CB8AC3E}">
-        <p14:creationId xmlns:p14="http://schemas.microsoft.com/office/powerpoint/2010/main" val="2442127437"/>
+        <p14:creationId xmlns:p14="http://schemas.microsoft.com/office/powerpoint/2010/main" val="2268545530"/>
       </p:ext>
     </p:extLst>
   </p:cSld>
@@ -4879,7 +4844,170 @@
       </p:grpSpPr>
       <p:sp>
         <p:nvSpPr>
-          <p:cNvPr id="7" name="Title 2"/>
+          <p:cNvPr id="3" name="Content Placeholder 2"/>
+          <p:cNvSpPr>
+            <a:spLocks noGrp="1"/>
+          </p:cNvSpPr>
+          <p:nvPr>
+            <p:ph idx="1"/>
+          </p:nvPr>
+        </p:nvSpPr>
+        <p:spPr>
+          <a:xfrm>
+            <a:off x="3657600" y="381000"/>
+            <a:ext cx="5219699" cy="6096000"/>
+          </a:xfrm>
+        </p:spPr>
+        <p:txBody>
+          <a:bodyPr>
+            <a:noAutofit/>
+          </a:bodyPr>
+          <a:lstStyle/>
+          <a:p>
+            <a:r>
+              <a:rPr lang="fil-PH" sz="1800" b="1" dirty="0" smtClean="0"/>
+              <a:t>Hardware Requirements</a:t>
+            </a:r>
+            <a:endParaRPr lang="en-US" sz="1800" dirty="0"/>
+          </a:p>
+          <a:p>
+            <a:pPr lvl="2"/>
+            <a:r>
+              <a:rPr lang="en-US" b="1" dirty="0"/>
+              <a:t>CPU – </a:t>
+            </a:r>
+            <a:r>
+              <a:rPr lang="en-US" dirty="0"/>
+              <a:t>Intel Pentium Core 2 Duo</a:t>
+            </a:r>
+          </a:p>
+          <a:p>
+            <a:pPr lvl="2"/>
+            <a:r>
+              <a:rPr lang="en-US" b="1" dirty="0"/>
+              <a:t>Disk Space </a:t>
+            </a:r>
+            <a:r>
+              <a:rPr lang="en-US" dirty="0"/>
+              <a:t>– 1 GB</a:t>
+            </a:r>
+          </a:p>
+          <a:p>
+            <a:pPr lvl="2"/>
+            <a:r>
+              <a:rPr lang="en-US" b="1" dirty="0"/>
+              <a:t>RAM – </a:t>
+            </a:r>
+            <a:r>
+              <a:rPr lang="en-US" dirty="0"/>
+              <a:t>1 </a:t>
+            </a:r>
+            <a:r>
+              <a:rPr lang="en-US" dirty="0" smtClean="0"/>
+              <a:t>GB</a:t>
+            </a:r>
+          </a:p>
+          <a:p>
+            <a:pPr marL="859536" lvl="2" indent="0">
+              <a:buNone/>
+            </a:pPr>
+            <a:r>
+              <a:rPr lang="fil-PH" b="1" dirty="0"/>
+              <a:t> </a:t>
+            </a:r>
+            <a:endParaRPr lang="en-US" dirty="0"/>
+          </a:p>
+          <a:p>
+            <a:r>
+              <a:rPr lang="fil-PH" sz="1800" b="1" dirty="0"/>
+              <a:t>Software Requirements</a:t>
+            </a:r>
+            <a:endParaRPr lang="en-US" sz="1800" dirty="0"/>
+          </a:p>
+          <a:p>
+            <a:pPr lvl="2"/>
+            <a:r>
+              <a:rPr lang="en-US" b="1" dirty="0"/>
+              <a:t>Web Service</a:t>
+            </a:r>
+            <a:r>
+              <a:rPr lang="en-US" dirty="0"/>
+              <a:t> – Nginx Server or Apache Server</a:t>
+            </a:r>
+          </a:p>
+          <a:p>
+            <a:pPr lvl="2"/>
+            <a:r>
+              <a:rPr lang="en-US" b="1" dirty="0"/>
+              <a:t>Database Server -  </a:t>
+            </a:r>
+            <a:r>
+              <a:rPr lang="en-US" dirty="0"/>
+              <a:t>MySQL</a:t>
+            </a:r>
+          </a:p>
+          <a:p>
+            <a:pPr lvl="2"/>
+            <a:r>
+              <a:rPr lang="en-US" b="1" dirty="0"/>
+              <a:t>Browser – </a:t>
+            </a:r>
+            <a:r>
+              <a:rPr lang="en-US" dirty="0"/>
+              <a:t>Internet Explorer, Microsoft Edge, Mozilla Firefox, Google Chrome or Safari</a:t>
+            </a:r>
+          </a:p>
+          <a:p>
+            <a:pPr lvl="2"/>
+            <a:r>
+              <a:rPr lang="en-US" b="1" dirty="0"/>
+              <a:t>Operating System –</a:t>
+            </a:r>
+            <a:r>
+              <a:rPr lang="en-US" dirty="0"/>
+              <a:t> Windows, Linux or MAC </a:t>
+            </a:r>
+            <a:r>
+              <a:rPr lang="en-US" dirty="0" smtClean="0"/>
+              <a:t>OSX</a:t>
+            </a:r>
+          </a:p>
+          <a:p>
+            <a:pPr lvl="2"/>
+            <a:endParaRPr lang="en-US" dirty="0"/>
+          </a:p>
+          <a:p>
+            <a:r>
+              <a:rPr lang="fil-PH" sz="1800" b="1" dirty="0" smtClean="0"/>
+              <a:t>Human </a:t>
+            </a:r>
+            <a:r>
+              <a:rPr lang="fil-PH" sz="1800" b="1" dirty="0"/>
+              <a:t>Resource Requirements</a:t>
+            </a:r>
+            <a:endParaRPr lang="en-US" sz="1800" dirty="0"/>
+          </a:p>
+          <a:p>
+            <a:pPr lvl="2"/>
+            <a:r>
+              <a:rPr lang="en-US" b="1" dirty="0"/>
+              <a:t>Receptionist</a:t>
+            </a:r>
+            <a:r>
+              <a:rPr lang="en-US" dirty="0"/>
+              <a:t> - will be the one to use the system in the front desk</a:t>
+            </a:r>
+            <a:r>
+              <a:rPr lang="en-US" dirty="0" smtClean="0"/>
+              <a:t>.</a:t>
+            </a:r>
+            <a:endParaRPr lang="en-US" sz="1400" dirty="0"/>
+          </a:p>
+        </p:txBody>
+      </p:sp>
+      <p:sp>
+        <p:nvSpPr>
+          <p:cNvPr id="5" name="Title 4"/>
           <p:cNvSpPr>
             <a:spLocks noGrp="1"/>
           </p:cNvSpPr>
@@ -4889,8 +5017,8 @@
         </p:nvSpPr>
         <p:spPr>
           <a:xfrm>
-            <a:off x="381000" y="2209800"/>
-            <a:ext cx="8458200" cy="3581400"/>
+            <a:off x="0" y="533400"/>
+            <a:ext cx="3429000" cy="4952492"/>
           </a:xfrm>
         </p:spPr>
         <p:txBody>
@@ -4902,14 +5030,7 @@
             <a:pPr algn="ctr"/>
             <a:r>
               <a:rPr lang="en-US" sz="2400" i="0" dirty="0" smtClean="0"/>
-              <a:t/>
-            </a:r>
-            <a:br>
-              <a:rPr lang="en-US" sz="2400" i="0" dirty="0" smtClean="0"/>
-            </a:br>
-            <a:r>
-              <a:rPr lang="en-US" sz="2400" i="0" dirty="0" smtClean="0"/>
-              <a:t/>
+              <a:t>TECHNICAL BACKGROUND</a:t>
             </a:r>
             <a:br>
               <a:rPr lang="en-US" sz="2400" i="0" dirty="0" smtClean="0"/>
@@ -4929,88 +5050,31 @@
               <a:rPr lang="en-US" sz="2400" i="0" dirty="0" smtClean="0"/>
             </a:br>
             <a:r>
-              <a:rPr lang="en-US" dirty="0"/>
-              <a:t/>
-            </a:r>
-            <a:br>
-              <a:rPr lang="en-US" dirty="0"/>
-            </a:br>
-            <a:endParaRPr lang="en-US" dirty="0"/>
-          </a:p>
-        </p:txBody>
-      </p:sp>
-      <p:sp>
-        <p:nvSpPr>
-          <p:cNvPr id="9" name="TextBox 8"/>
-          <p:cNvSpPr txBox="1"/>
-          <p:nvPr/>
-        </p:nvSpPr>
-        <p:spPr>
-          <a:xfrm>
-            <a:off x="2133600" y="6248400"/>
-            <a:ext cx="5410200" cy="369332"/>
-          </a:xfrm>
-          <a:prstGeom prst="rect">
-            <a:avLst/>
-          </a:prstGeom>
-          <a:noFill/>
-        </p:spPr>
-        <p:txBody>
-          <a:bodyPr wrap="square" rtlCol="0">
-            <a:spAutoFit/>
-          </a:bodyPr>
-          <a:lstStyle/>
-          <a:p>
-            <a:pPr algn="ctr"/>
-            <a:r>
-              <a:rPr lang="en-US" dirty="0" smtClean="0">
-                <a:latin typeface="+mj-lt"/>
-              </a:rPr>
-              <a:t>Level 0</a:t>
-            </a:r>
-            <a:endParaRPr lang="en-US" dirty="0">
-              <a:latin typeface="+mj-lt"/>
-            </a:endParaRPr>
-          </a:p>
-        </p:txBody>
-      </p:sp>
-      <p:pic>
-        <p:nvPicPr>
-          <p:cNvPr id="8" name="Picture 7" descr="C:\Users\student\Pictures\sysadd\exist_lvl0.jpg"/>
-          <p:cNvPicPr/>
-          <p:nvPr/>
-        </p:nvPicPr>
-        <p:blipFill>
-          <a:blip r:embed="rId2">
-            <a:extLst>
-              <a:ext uri="{28A0092B-C50C-407E-A947-70E740481C1C}">
-                <a14:useLocalDpi xmlns:a14="http://schemas.microsoft.com/office/drawing/2010/main" val="0"/>
-              </a:ext>
-            </a:extLst>
-          </a:blip>
-          <a:srcRect/>
-          <a:stretch>
-            <a:fillRect/>
-          </a:stretch>
-        </p:blipFill>
-        <p:spPr bwMode="auto">
-          <a:xfrm>
-            <a:off x="1219200" y="206675"/>
-            <a:ext cx="7086600" cy="5581650"/>
-          </a:xfrm>
-          <a:prstGeom prst="rect">
-            <a:avLst/>
-          </a:prstGeom>
-          <a:noFill/>
-          <a:ln>
-            <a:noFill/>
-          </a:ln>
-        </p:spPr>
-      </p:pic>
+              <a:rPr lang="en-US" sz="2400" i="0" dirty="0" smtClean="0"/>
+              <a:t/>
+            </a:r>
+            <a:br>
+              <a:rPr lang="en-US" sz="2400" i="0" dirty="0" smtClean="0"/>
+            </a:br>
+            <a:r>
+              <a:rPr lang="en-US" sz="2400" i="0" dirty="0" smtClean="0"/>
+              <a:t/>
+            </a:r>
+            <a:br>
+              <a:rPr lang="en-US" sz="2400" i="0" dirty="0" smtClean="0"/>
+            </a:br>
+            <a:r>
+              <a:rPr lang="en-US" sz="3400" dirty="0" smtClean="0"/>
+              <a:t>Resource Requirements</a:t>
+            </a:r>
+            <a:endParaRPr lang="en-US" sz="3400" i="0" dirty="0"/>
+          </a:p>
+        </p:txBody>
+      </p:sp>
     </p:spTree>
     <p:extLst>
       <p:ext uri="{BB962C8B-B14F-4D97-AF65-F5344CB8AC3E}">
-        <p14:creationId xmlns:p14="http://schemas.microsoft.com/office/powerpoint/2010/main" val="3209689672"/>
+        <p14:creationId xmlns:p14="http://schemas.microsoft.com/office/powerpoint/2010/main" val="3918560631"/>
       </p:ext>
     </p:extLst>
   </p:cSld>
@@ -5108,13 +5172,13 @@
       </p:sp>
       <p:sp>
         <p:nvSpPr>
-          <p:cNvPr id="9" name="TextBox 8"/>
+          <p:cNvPr id="3" name="TextBox 2"/>
           <p:cNvSpPr txBox="1"/>
           <p:nvPr/>
         </p:nvSpPr>
         <p:spPr>
           <a:xfrm>
-            <a:off x="2133600" y="6248400"/>
+            <a:off x="2137913" y="226140"/>
             <a:ext cx="5410200" cy="369332"/>
           </a:xfrm>
           <a:prstGeom prst="rect">
@@ -5133,7 +5197,7 @@
               <a:rPr lang="en-US" dirty="0" smtClean="0">
                 <a:latin typeface="+mj-lt"/>
               </a:rPr>
-              <a:t>Level 1 DFD for Process #3</a:t>
+              <a:t>Data Flow Diagram for the Existing System</a:t>
             </a:r>
             <a:endParaRPr lang="en-US" dirty="0">
               <a:latin typeface="+mj-lt"/>
@@ -5141,9 +5205,44 @@
           </a:p>
         </p:txBody>
       </p:sp>
+      <p:sp>
+        <p:nvSpPr>
+          <p:cNvPr id="9" name="TextBox 8"/>
+          <p:cNvSpPr txBox="1"/>
+          <p:nvPr/>
+        </p:nvSpPr>
+        <p:spPr>
+          <a:xfrm>
+            <a:off x="2140788" y="6248400"/>
+            <a:ext cx="5410200" cy="369332"/>
+          </a:xfrm>
+          <a:prstGeom prst="rect">
+            <a:avLst/>
+          </a:prstGeom>
+          <a:noFill/>
+        </p:spPr>
+        <p:txBody>
+          <a:bodyPr wrap="square" rtlCol="0">
+            <a:spAutoFit/>
+          </a:bodyPr>
+          <a:lstStyle/>
+          <a:p>
+            <a:pPr algn="ctr"/>
+            <a:r>
+              <a:rPr lang="en-US" dirty="0" smtClean="0">
+                <a:latin typeface="+mj-lt"/>
+              </a:rPr>
+              <a:t>Context Diagram</a:t>
+            </a:r>
+            <a:endParaRPr lang="en-US" dirty="0">
+              <a:latin typeface="+mj-lt"/>
+            </a:endParaRPr>
+          </a:p>
+        </p:txBody>
+      </p:sp>
       <p:pic>
         <p:nvPicPr>
-          <p:cNvPr id="6" name="Picture 5" descr="C:\Users\student\Pictures\sysadd\exist_lvl1pro3.jpg"/>
+          <p:cNvPr id="6" name="Picture 5" descr="C:\Users\student\Pictures\sysadd\exist_con.jpg"/>
           <p:cNvPicPr/>
           <p:nvPr/>
         </p:nvPicPr>
@@ -5162,8 +5261,8 @@
         </p:blipFill>
         <p:spPr bwMode="auto">
           <a:xfrm>
-            <a:off x="723900" y="498805"/>
-            <a:ext cx="7772400" cy="5283769"/>
+            <a:off x="1219200" y="838200"/>
+            <a:ext cx="7162800" cy="4836876"/>
           </a:xfrm>
           <a:prstGeom prst="rect">
             <a:avLst/>
@@ -5177,7 +5276,7 @@
     </p:spTree>
     <p:extLst>
       <p:ext uri="{BB962C8B-B14F-4D97-AF65-F5344CB8AC3E}">
-        <p14:creationId xmlns:p14="http://schemas.microsoft.com/office/powerpoint/2010/main" val="3160667668"/>
+        <p14:creationId xmlns:p14="http://schemas.microsoft.com/office/powerpoint/2010/main" val="2442127437"/>
       </p:ext>
     </p:extLst>
   </p:cSld>
@@ -5213,47 +5312,7 @@
       </p:grpSpPr>
       <p:sp>
         <p:nvSpPr>
-          <p:cNvPr id="3" name="Content Placeholder 2"/>
-          <p:cNvSpPr>
-            <a:spLocks noGrp="1"/>
-          </p:cNvSpPr>
-          <p:nvPr>
-            <p:ph idx="1"/>
-          </p:nvPr>
-        </p:nvSpPr>
-        <p:spPr>
-          <a:xfrm>
-            <a:off x="3456317" y="1980946"/>
-            <a:ext cx="5219699" cy="2057400"/>
-          </a:xfrm>
-        </p:spPr>
-        <p:txBody>
-          <a:bodyPr>
-            <a:noAutofit/>
-          </a:bodyPr>
-          <a:lstStyle/>
-          <a:p>
-            <a:pPr marL="0" indent="0">
-              <a:buNone/>
-            </a:pPr>
-            <a:r>
-              <a:rPr lang="fil-PH" sz="1800" dirty="0" smtClean="0"/>
-              <a:t>	The </a:t>
-            </a:r>
-            <a:r>
-              <a:rPr lang="fil-PH" sz="1800" dirty="0"/>
-              <a:t>problem of the existing system includes manual work and overlapping of appointments. Manual work may take more time to process the services that the customer wants. Booking appointments of the existing system may overlap and cause errors.</a:t>
-            </a:r>
-            <a:endParaRPr lang="en-US" sz="1800" dirty="0"/>
-          </a:p>
-          <a:p>
-            <a:endParaRPr lang="en-US" sz="1800" dirty="0"/>
-          </a:p>
-        </p:txBody>
-      </p:sp>
-      <p:sp>
-        <p:nvSpPr>
-          <p:cNvPr id="6" name="Title 4"/>
+          <p:cNvPr id="7" name="Title 2"/>
           <p:cNvSpPr>
             <a:spLocks noGrp="1"/>
           </p:cNvSpPr>
@@ -5263,8 +5322,8 @@
         </p:nvSpPr>
         <p:spPr>
           <a:xfrm>
-            <a:off x="0" y="533400"/>
-            <a:ext cx="3429000" cy="4952492"/>
+            <a:off x="381000" y="2209800"/>
+            <a:ext cx="8458200" cy="3581400"/>
           </a:xfrm>
         </p:spPr>
         <p:txBody>
@@ -5276,7 +5335,14 @@
             <a:pPr algn="ctr"/>
             <a:r>
               <a:rPr lang="en-US" sz="2400" i="0" dirty="0" smtClean="0"/>
-              <a:t>THE EXISTING SYSTEM</a:t>
+              <a:t/>
+            </a:r>
+            <a:br>
+              <a:rPr lang="en-US" sz="2400" i="0" dirty="0" smtClean="0"/>
+            </a:br>
+            <a:r>
+              <a:rPr lang="en-US" sz="2400" i="0" dirty="0" smtClean="0"/>
+              <a:t/>
             </a:r>
             <a:br>
               <a:rPr lang="en-US" sz="2400" i="0" dirty="0" smtClean="0"/>
@@ -5296,38 +5362,88 @@
               <a:rPr lang="en-US" sz="2400" i="0" dirty="0" smtClean="0"/>
             </a:br>
             <a:r>
-              <a:rPr lang="en-US" sz="2400" i="0" dirty="0" smtClean="0"/>
-              <a:t/>
-            </a:r>
-            <a:br>
-              <a:rPr lang="en-US" sz="2400" i="0" dirty="0" smtClean="0"/>
-            </a:br>
-            <a:r>
-              <a:rPr lang="en-US" sz="2400" i="0" dirty="0" smtClean="0"/>
-              <a:t/>
-            </a:r>
-            <a:br>
-              <a:rPr lang="en-US" sz="2400" i="0" dirty="0" smtClean="0"/>
-            </a:br>
-            <a:r>
-              <a:rPr lang="en-US" sz="3600" dirty="0" smtClean="0"/>
-              <a:t>Problem </a:t>
-            </a:r>
-            <a:br>
-              <a:rPr lang="en-US" sz="3600" dirty="0" smtClean="0"/>
-            </a:br>
-            <a:r>
-              <a:rPr lang="en-US" sz="3600" dirty="0" smtClean="0"/>
-              <a:t>Areas</a:t>
-            </a:r>
-            <a:endParaRPr lang="en-US" sz="3400" i="0" dirty="0"/>
-          </a:p>
-        </p:txBody>
-      </p:sp>
+              <a:rPr lang="en-US" dirty="0"/>
+              <a:t/>
+            </a:r>
+            <a:br>
+              <a:rPr lang="en-US" dirty="0"/>
+            </a:br>
+            <a:endParaRPr lang="en-US" dirty="0"/>
+          </a:p>
+        </p:txBody>
+      </p:sp>
+      <p:sp>
+        <p:nvSpPr>
+          <p:cNvPr id="9" name="TextBox 8"/>
+          <p:cNvSpPr txBox="1"/>
+          <p:nvPr/>
+        </p:nvSpPr>
+        <p:spPr>
+          <a:xfrm>
+            <a:off x="2133600" y="6248400"/>
+            <a:ext cx="5410200" cy="369332"/>
+          </a:xfrm>
+          <a:prstGeom prst="rect">
+            <a:avLst/>
+          </a:prstGeom>
+          <a:noFill/>
+        </p:spPr>
+        <p:txBody>
+          <a:bodyPr wrap="square" rtlCol="0">
+            <a:spAutoFit/>
+          </a:bodyPr>
+          <a:lstStyle/>
+          <a:p>
+            <a:pPr algn="ctr"/>
+            <a:r>
+              <a:rPr lang="en-US" dirty="0" smtClean="0">
+                <a:latin typeface="+mj-lt"/>
+              </a:rPr>
+              <a:t>Level 0</a:t>
+            </a:r>
+            <a:endParaRPr lang="en-US" dirty="0">
+              <a:latin typeface="+mj-lt"/>
+            </a:endParaRPr>
+          </a:p>
+        </p:txBody>
+      </p:sp>
+      <p:pic>
+        <p:nvPicPr>
+          <p:cNvPr id="8" name="Picture 7" descr="C:\Users\student\Pictures\sysadd\exist_lvl0.jpg"/>
+          <p:cNvPicPr/>
+          <p:nvPr/>
+        </p:nvPicPr>
+        <p:blipFill>
+          <a:blip r:embed="rId2">
+            <a:extLst>
+              <a:ext uri="{28A0092B-C50C-407E-A947-70E740481C1C}">
+                <a14:useLocalDpi xmlns:a14="http://schemas.microsoft.com/office/drawing/2010/main" val="0"/>
+              </a:ext>
+            </a:extLst>
+          </a:blip>
+          <a:srcRect/>
+          <a:stretch>
+            <a:fillRect/>
+          </a:stretch>
+        </p:blipFill>
+        <p:spPr bwMode="auto">
+          <a:xfrm>
+            <a:off x="1219200" y="206675"/>
+            <a:ext cx="7086600" cy="5581650"/>
+          </a:xfrm>
+          <a:prstGeom prst="rect">
+            <a:avLst/>
+          </a:prstGeom>
+          <a:noFill/>
+          <a:ln>
+            <a:noFill/>
+          </a:ln>
+        </p:spPr>
+      </p:pic>
     </p:spTree>
     <p:extLst>
       <p:ext uri="{BB962C8B-B14F-4D97-AF65-F5344CB8AC3E}">
-        <p14:creationId xmlns:p14="http://schemas.microsoft.com/office/powerpoint/2010/main" val="1260286031"/>
+        <p14:creationId xmlns:p14="http://schemas.microsoft.com/office/powerpoint/2010/main" val="3209689672"/>
       </p:ext>
     </p:extLst>
   </p:cSld>
@@ -5425,14 +5541,14 @@
       </p:sp>
       <p:sp>
         <p:nvSpPr>
-          <p:cNvPr id="3" name="TextBox 2"/>
+          <p:cNvPr id="9" name="TextBox 8"/>
           <p:cNvSpPr txBox="1"/>
           <p:nvPr/>
         </p:nvSpPr>
         <p:spPr>
           <a:xfrm>
-            <a:off x="2019300" y="268110"/>
-            <a:ext cx="5638800" cy="369332"/>
+            <a:off x="2133600" y="6248400"/>
+            <a:ext cx="5410200" cy="369332"/>
           </a:xfrm>
           <a:prstGeom prst="rect">
             <a:avLst/>
@@ -5450,7 +5566,7 @@
               <a:rPr lang="en-US" dirty="0" smtClean="0">
                 <a:latin typeface="+mj-lt"/>
               </a:rPr>
-              <a:t>Data Flow Diagram for the Proposed System</a:t>
+              <a:t>Level 1 DFD for Process #3</a:t>
             </a:r>
             <a:endParaRPr lang="en-US" dirty="0">
               <a:latin typeface="+mj-lt"/>
@@ -5458,44 +5574,9 @@
           </a:p>
         </p:txBody>
       </p:sp>
-      <p:sp>
-        <p:nvSpPr>
-          <p:cNvPr id="9" name="TextBox 8"/>
-          <p:cNvSpPr txBox="1"/>
-          <p:nvPr/>
-        </p:nvSpPr>
-        <p:spPr>
-          <a:xfrm>
-            <a:off x="2133600" y="6412468"/>
-            <a:ext cx="5410200" cy="369332"/>
-          </a:xfrm>
-          <a:prstGeom prst="rect">
-            <a:avLst/>
-          </a:prstGeom>
-          <a:noFill/>
-        </p:spPr>
-        <p:txBody>
-          <a:bodyPr wrap="square" rtlCol="0">
-            <a:spAutoFit/>
-          </a:bodyPr>
-          <a:lstStyle/>
-          <a:p>
-            <a:pPr algn="ctr"/>
-            <a:r>
-              <a:rPr lang="en-US" dirty="0" smtClean="0">
-                <a:latin typeface="+mj-lt"/>
-              </a:rPr>
-              <a:t>Context Diagram</a:t>
-            </a:r>
-            <a:endParaRPr lang="en-US" dirty="0">
-              <a:latin typeface="+mj-lt"/>
-            </a:endParaRPr>
-          </a:p>
-        </p:txBody>
-      </p:sp>
       <p:pic>
         <p:nvPicPr>
-          <p:cNvPr id="6" name="Picture 5" descr="C:\Users\Caryl Johanan\Desktop\School\3RD YEAR\2nd Term\CSPROJ_MT_DIAG\CONTEXT.jpg"/>
+          <p:cNvPr id="6" name="Picture 5" descr="C:\Users\student\Pictures\sysadd\exist_lvl1pro3.jpg"/>
           <p:cNvPicPr/>
           <p:nvPr/>
         </p:nvPicPr>
@@ -5514,8 +5595,8 @@
         </p:blipFill>
         <p:spPr bwMode="auto">
           <a:xfrm>
-            <a:off x="228600" y="1219200"/>
-            <a:ext cx="8610600" cy="3933825"/>
+            <a:off x="723900" y="498805"/>
+            <a:ext cx="7772400" cy="5283769"/>
           </a:xfrm>
           <a:prstGeom prst="rect">
             <a:avLst/>
@@ -5529,7 +5610,7 @@
     </p:spTree>
     <p:extLst>
       <p:ext uri="{BB962C8B-B14F-4D97-AF65-F5344CB8AC3E}">
-        <p14:creationId xmlns:p14="http://schemas.microsoft.com/office/powerpoint/2010/main" val="137878399"/>
+        <p14:creationId xmlns:p14="http://schemas.microsoft.com/office/powerpoint/2010/main" val="3160667668"/>
       </p:ext>
     </p:extLst>
   </p:cSld>
@@ -5565,7 +5646,47 @@
       </p:grpSpPr>
       <p:sp>
         <p:nvSpPr>
-          <p:cNvPr id="7" name="Title 2"/>
+          <p:cNvPr id="3" name="Content Placeholder 2"/>
+          <p:cNvSpPr>
+            <a:spLocks noGrp="1"/>
+          </p:cNvSpPr>
+          <p:nvPr>
+            <p:ph idx="1"/>
+          </p:nvPr>
+        </p:nvSpPr>
+        <p:spPr>
+          <a:xfrm>
+            <a:off x="3456317" y="1980946"/>
+            <a:ext cx="5219699" cy="2057400"/>
+          </a:xfrm>
+        </p:spPr>
+        <p:txBody>
+          <a:bodyPr>
+            <a:noAutofit/>
+          </a:bodyPr>
+          <a:lstStyle/>
+          <a:p>
+            <a:pPr marL="0" indent="0">
+              <a:buNone/>
+            </a:pPr>
+            <a:r>
+              <a:rPr lang="fil-PH" sz="1800" dirty="0" smtClean="0"/>
+              <a:t>	The </a:t>
+            </a:r>
+            <a:r>
+              <a:rPr lang="fil-PH" sz="1800" dirty="0"/>
+              <a:t>problem of the existing system includes manual work and overlapping of appointments. Manual work may take more time to process the services that the customer wants. Booking appointments of the existing system may overlap and cause errors.</a:t>
+            </a:r>
+            <a:endParaRPr lang="en-US" sz="1800" dirty="0"/>
+          </a:p>
+          <a:p>
+            <a:endParaRPr lang="en-US" sz="1800" dirty="0"/>
+          </a:p>
+        </p:txBody>
+      </p:sp>
+      <p:sp>
+        <p:nvSpPr>
+          <p:cNvPr id="6" name="Title 4"/>
           <p:cNvSpPr>
             <a:spLocks noGrp="1"/>
           </p:cNvSpPr>
@@ -5575,8 +5696,8 @@
         </p:nvSpPr>
         <p:spPr>
           <a:xfrm>
-            <a:off x="381000" y="2209800"/>
-            <a:ext cx="8458200" cy="3581400"/>
+            <a:off x="0" y="533400"/>
+            <a:ext cx="3429000" cy="4952492"/>
           </a:xfrm>
         </p:spPr>
         <p:txBody>
@@ -5588,14 +5709,7 @@
             <a:pPr algn="ctr"/>
             <a:r>
               <a:rPr lang="en-US" sz="2400" i="0" dirty="0" smtClean="0"/>
-              <a:t/>
-            </a:r>
-            <a:br>
-              <a:rPr lang="en-US" sz="2400" i="0" dirty="0" smtClean="0"/>
-            </a:br>
-            <a:r>
-              <a:rPr lang="en-US" sz="2400" i="0" dirty="0" smtClean="0"/>
-              <a:t/>
+              <a:t>THE EXISTING SYSTEM</a:t>
             </a:r>
             <a:br>
               <a:rPr lang="en-US" sz="2400" i="0" dirty="0" smtClean="0"/>
@@ -5615,88 +5729,38 @@
               <a:rPr lang="en-US" sz="2400" i="0" dirty="0" smtClean="0"/>
             </a:br>
             <a:r>
-              <a:rPr lang="en-US" dirty="0"/>
-              <a:t/>
-            </a:r>
-            <a:br>
-              <a:rPr lang="en-US" dirty="0"/>
-            </a:br>
-            <a:endParaRPr lang="en-US" dirty="0"/>
-          </a:p>
-        </p:txBody>
-      </p:sp>
-      <p:sp>
-        <p:nvSpPr>
-          <p:cNvPr id="9" name="TextBox 8"/>
-          <p:cNvSpPr txBox="1"/>
-          <p:nvPr/>
-        </p:nvSpPr>
-        <p:spPr>
-          <a:xfrm>
-            <a:off x="2133600" y="6336268"/>
-            <a:ext cx="5410200" cy="369332"/>
-          </a:xfrm>
-          <a:prstGeom prst="rect">
-            <a:avLst/>
-          </a:prstGeom>
-          <a:noFill/>
-        </p:spPr>
-        <p:txBody>
-          <a:bodyPr wrap="square" rtlCol="0">
-            <a:spAutoFit/>
-          </a:bodyPr>
-          <a:lstStyle/>
-          <a:p>
-            <a:pPr algn="ctr"/>
-            <a:r>
-              <a:rPr lang="en-US" dirty="0" smtClean="0">
-                <a:latin typeface="+mj-lt"/>
-              </a:rPr>
-              <a:t>Level 0 DFD</a:t>
-            </a:r>
-            <a:endParaRPr lang="en-US" dirty="0">
-              <a:latin typeface="+mj-lt"/>
-            </a:endParaRPr>
-          </a:p>
-        </p:txBody>
-      </p:sp>
-      <p:pic>
-        <p:nvPicPr>
-          <p:cNvPr id="5" name="Picture 4" descr="C:\Users\Caryl Johanan\Desktop\School\3RD YEAR\2nd Term\CSPROJ_MT_DIAG\LEVEL 0.jpg"/>
-          <p:cNvPicPr/>
-          <p:nvPr/>
-        </p:nvPicPr>
-        <p:blipFill>
-          <a:blip r:embed="rId2">
-            <a:extLst>
-              <a:ext uri="{28A0092B-C50C-407E-A947-70E740481C1C}">
-                <a14:useLocalDpi xmlns:a14="http://schemas.microsoft.com/office/drawing/2010/main" val="0"/>
-              </a:ext>
-            </a:extLst>
-          </a:blip>
-          <a:srcRect/>
-          <a:stretch>
-            <a:fillRect/>
-          </a:stretch>
-        </p:blipFill>
-        <p:spPr bwMode="auto">
-          <a:xfrm>
-            <a:off x="609600" y="228600"/>
-            <a:ext cx="8001000" cy="5791200"/>
-          </a:xfrm>
-          <a:prstGeom prst="rect">
-            <a:avLst/>
-          </a:prstGeom>
-          <a:noFill/>
-          <a:ln>
-            <a:noFill/>
-          </a:ln>
-        </p:spPr>
-      </p:pic>
+              <a:rPr lang="en-US" sz="2400" i="0" dirty="0" smtClean="0"/>
+              <a:t/>
+            </a:r>
+            <a:br>
+              <a:rPr lang="en-US" sz="2400" i="0" dirty="0" smtClean="0"/>
+            </a:br>
+            <a:r>
+              <a:rPr lang="en-US" sz="2400" i="0" dirty="0" smtClean="0"/>
+              <a:t/>
+            </a:r>
+            <a:br>
+              <a:rPr lang="en-US" sz="2400" i="0" dirty="0" smtClean="0"/>
+            </a:br>
+            <a:r>
+              <a:rPr lang="en-US" sz="3600" dirty="0" smtClean="0"/>
+              <a:t>Problem </a:t>
+            </a:r>
+            <a:br>
+              <a:rPr lang="en-US" sz="3600" dirty="0" smtClean="0"/>
+            </a:br>
+            <a:r>
+              <a:rPr lang="en-US" sz="3600" dirty="0" smtClean="0"/>
+              <a:t>Areas</a:t>
+            </a:r>
+            <a:endParaRPr lang="en-US" sz="3400" i="0" dirty="0"/>
+          </a:p>
+        </p:txBody>
+      </p:sp>
     </p:spTree>
     <p:extLst>
       <p:ext uri="{BB962C8B-B14F-4D97-AF65-F5344CB8AC3E}">
-        <p14:creationId xmlns:p14="http://schemas.microsoft.com/office/powerpoint/2010/main" val="4079630757"/>
+        <p14:creationId xmlns:p14="http://schemas.microsoft.com/office/powerpoint/2010/main" val="1260286031"/>
       </p:ext>
     </p:extLst>
   </p:cSld>
@@ -5794,14 +5858,14 @@
       </p:sp>
       <p:sp>
         <p:nvSpPr>
-          <p:cNvPr id="9" name="TextBox 8"/>
+          <p:cNvPr id="3" name="TextBox 2"/>
           <p:cNvSpPr txBox="1"/>
           <p:nvPr/>
         </p:nvSpPr>
         <p:spPr>
           <a:xfrm>
-            <a:off x="2133600" y="6324600"/>
-            <a:ext cx="5410200" cy="369332"/>
+            <a:off x="2019300" y="268110"/>
+            <a:ext cx="5638800" cy="369332"/>
           </a:xfrm>
           <a:prstGeom prst="rect">
             <a:avLst/>
@@ -5819,7 +5883,7 @@
               <a:rPr lang="en-US" dirty="0" smtClean="0">
                 <a:latin typeface="+mj-lt"/>
               </a:rPr>
-              <a:t>Level 1 DFD for Process 1</a:t>
+              <a:t>Data Flow Diagram for the Proposed System</a:t>
             </a:r>
             <a:endParaRPr lang="en-US" dirty="0">
               <a:latin typeface="+mj-lt"/>
@@ -5827,9 +5891,44 @@
           </a:p>
         </p:txBody>
       </p:sp>
+      <p:sp>
+        <p:nvSpPr>
+          <p:cNvPr id="9" name="TextBox 8"/>
+          <p:cNvSpPr txBox="1"/>
+          <p:nvPr/>
+        </p:nvSpPr>
+        <p:spPr>
+          <a:xfrm>
+            <a:off x="2133600" y="6412468"/>
+            <a:ext cx="5410200" cy="369332"/>
+          </a:xfrm>
+          <a:prstGeom prst="rect">
+            <a:avLst/>
+          </a:prstGeom>
+          <a:noFill/>
+        </p:spPr>
+        <p:txBody>
+          <a:bodyPr wrap="square" rtlCol="0">
+            <a:spAutoFit/>
+          </a:bodyPr>
+          <a:lstStyle/>
+          <a:p>
+            <a:pPr algn="ctr"/>
+            <a:r>
+              <a:rPr lang="en-US" dirty="0" smtClean="0">
+                <a:latin typeface="+mj-lt"/>
+              </a:rPr>
+              <a:t>Context Diagram</a:t>
+            </a:r>
+            <a:endParaRPr lang="en-US" dirty="0">
+              <a:latin typeface="+mj-lt"/>
+            </a:endParaRPr>
+          </a:p>
+        </p:txBody>
+      </p:sp>
       <p:pic>
         <p:nvPicPr>
-          <p:cNvPr id="6" name="Picture 5" descr="C:\Users\Caryl Johanan\Desktop\School\3RD YEAR\2nd Term\CSPROJ_MT_DIAG\LEVEL 1 DFD FOR PROCESS 1.jpg"/>
+          <p:cNvPr id="6" name="Picture 5" descr="C:\Users\Caryl Johanan\Desktop\School\3RD YEAR\2nd Term\CSPROJ_MT_DIAG\CONTEXT.jpg"/>
           <p:cNvPicPr/>
           <p:nvPr/>
         </p:nvPicPr>
@@ -5848,8 +5947,8 @@
         </p:blipFill>
         <p:spPr bwMode="auto">
           <a:xfrm>
-            <a:off x="533400" y="533400"/>
-            <a:ext cx="8153400" cy="4917123"/>
+            <a:off x="228600" y="1219200"/>
+            <a:ext cx="8610600" cy="3933825"/>
           </a:xfrm>
           <a:prstGeom prst="rect">
             <a:avLst/>
@@ -5863,7 +5962,7 @@
     </p:spTree>
     <p:extLst>
       <p:ext uri="{BB962C8B-B14F-4D97-AF65-F5344CB8AC3E}">
-        <p14:creationId xmlns:p14="http://schemas.microsoft.com/office/powerpoint/2010/main" val="990517131"/>
+        <p14:creationId xmlns:p14="http://schemas.microsoft.com/office/powerpoint/2010/main" val="137878399"/>
       </p:ext>
     </p:extLst>
   </p:cSld>
@@ -5967,7 +6066,7 @@
         </p:nvSpPr>
         <p:spPr>
           <a:xfrm>
-            <a:off x="2133600" y="6248400"/>
+            <a:off x="2133600" y="6336268"/>
             <a:ext cx="5410200" cy="369332"/>
           </a:xfrm>
           <a:prstGeom prst="rect">
@@ -5986,7 +6085,7 @@
               <a:rPr lang="en-US" dirty="0" smtClean="0">
                 <a:latin typeface="+mj-lt"/>
               </a:rPr>
-              <a:t>Level 1 DFD for Process 2</a:t>
+              <a:t>Level 0 DFD</a:t>
             </a:r>
             <a:endParaRPr lang="en-US" dirty="0">
               <a:latin typeface="+mj-lt"/>
@@ -5996,7 +6095,7 @@
       </p:sp>
       <p:pic>
         <p:nvPicPr>
-          <p:cNvPr id="5" name="Picture 4" descr="C:\Users\Caryl Johanan\Desktop\School\3RD YEAR\2nd Term\CSPROJ_MT_DIAG\LEVEL 1 DFD FOR PROCESS 2.jpg"/>
+          <p:cNvPr id="5" name="Picture 4" descr="C:\Users\Caryl Johanan\Desktop\School\3RD YEAR\2nd Term\CSPROJ_MT_DIAG\LEVEL 0.jpg"/>
           <p:cNvPicPr/>
           <p:nvPr/>
         </p:nvPicPr>
@@ -6015,8 +6114,8 @@
         </p:blipFill>
         <p:spPr bwMode="auto">
           <a:xfrm>
-            <a:off x="228600" y="625613"/>
-            <a:ext cx="8763000" cy="4860787"/>
+            <a:off x="609600" y="228600"/>
+            <a:ext cx="8001000" cy="5791200"/>
           </a:xfrm>
           <a:prstGeom prst="rect">
             <a:avLst/>
@@ -6030,7 +6129,7 @@
     </p:spTree>
     <p:extLst>
       <p:ext uri="{BB962C8B-B14F-4D97-AF65-F5344CB8AC3E}">
-        <p14:creationId xmlns:p14="http://schemas.microsoft.com/office/powerpoint/2010/main" val="4017245011"/>
+        <p14:creationId xmlns:p14="http://schemas.microsoft.com/office/powerpoint/2010/main" val="4079630757"/>
       </p:ext>
     </p:extLst>
   </p:cSld>
@@ -6128,14 +6227,14 @@
       </p:sp>
       <p:sp>
         <p:nvSpPr>
-          <p:cNvPr id="10" name="TextBox 9"/>
+          <p:cNvPr id="9" name="TextBox 8"/>
           <p:cNvSpPr txBox="1"/>
           <p:nvPr/>
         </p:nvSpPr>
         <p:spPr>
           <a:xfrm>
-            <a:off x="3200400" y="6324600"/>
-            <a:ext cx="4008060" cy="369332"/>
+            <a:off x="2133600" y="6324600"/>
+            <a:ext cx="5410200" cy="369332"/>
           </a:xfrm>
           <a:prstGeom prst="rect">
             <a:avLst/>
@@ -6153,19 +6252,7 @@
               <a:rPr lang="en-US" dirty="0" smtClean="0">
                 <a:latin typeface="+mj-lt"/>
               </a:rPr>
-              <a:t>Entity Relationship</a:t>
-            </a:r>
-            <a:r>
-              <a:rPr lang="en-US" dirty="0">
-                <a:latin typeface="+mj-lt"/>
-              </a:rPr>
-              <a:t> </a:t>
-            </a:r>
-            <a:r>
-              <a:rPr lang="en-US" dirty="0" smtClean="0">
-                <a:latin typeface="+mj-lt"/>
-              </a:rPr>
-              <a:t>Diagram</a:t>
+              <a:t>Level 1 DFD for Process 1</a:t>
             </a:r>
             <a:endParaRPr lang="en-US" dirty="0">
               <a:latin typeface="+mj-lt"/>
@@ -6175,7 +6262,7 @@
       </p:sp>
       <p:pic>
         <p:nvPicPr>
-          <p:cNvPr id="6" name="Picture 5" descr="C:\Users\Caryl Johanan\Downloads\ERD_Final.jpg"/>
+          <p:cNvPr id="6" name="Picture 5" descr="C:\Users\Caryl Johanan\Desktop\School\3RD YEAR\2nd Term\CSPROJ_MT_DIAG\LEVEL 1 DFD FOR PROCESS 1.jpg"/>
           <p:cNvPicPr/>
           <p:nvPr/>
         </p:nvPicPr>
@@ -6194,8 +6281,8 @@
         </p:blipFill>
         <p:spPr bwMode="auto">
           <a:xfrm>
-            <a:off x="228600" y="609600"/>
-            <a:ext cx="8758555" cy="4244658"/>
+            <a:off x="533400" y="533400"/>
+            <a:ext cx="8153400" cy="4917123"/>
           </a:xfrm>
           <a:prstGeom prst="rect">
             <a:avLst/>
@@ -6209,7 +6296,7 @@
     </p:spTree>
     <p:extLst>
       <p:ext uri="{BB962C8B-B14F-4D97-AF65-F5344CB8AC3E}">
-        <p14:creationId xmlns:p14="http://schemas.microsoft.com/office/powerpoint/2010/main" val="3087193632"/>
+        <p14:creationId xmlns:p14="http://schemas.microsoft.com/office/powerpoint/2010/main" val="990517131"/>
       </p:ext>
     </p:extLst>
   </p:cSld>
@@ -6307,14 +6394,14 @@
       </p:sp>
       <p:sp>
         <p:nvSpPr>
-          <p:cNvPr id="10" name="TextBox 9"/>
+          <p:cNvPr id="9" name="TextBox 8"/>
           <p:cNvSpPr txBox="1"/>
           <p:nvPr/>
         </p:nvSpPr>
         <p:spPr>
           <a:xfrm>
-            <a:off x="3200400" y="6324600"/>
-            <a:ext cx="4008060" cy="369332"/>
+            <a:off x="2133600" y="6248400"/>
+            <a:ext cx="5410200" cy="369332"/>
           </a:xfrm>
           <a:prstGeom prst="rect">
             <a:avLst/>
@@ -6332,7 +6419,7 @@
               <a:rPr lang="en-US" dirty="0" smtClean="0">
                 <a:latin typeface="+mj-lt"/>
               </a:rPr>
-              <a:t>Class Diagram</a:t>
+              <a:t>Level 1 DFD for Process 2</a:t>
             </a:r>
             <a:endParaRPr lang="en-US" dirty="0">
               <a:latin typeface="+mj-lt"/>
@@ -6342,7 +6429,7 @@
       </p:sp>
       <p:pic>
         <p:nvPicPr>
-          <p:cNvPr id="5" name="Picture 4" descr="C:\Users\Caryl Johanan\Downloads\CLASSDIAGRAM.png"/>
+          <p:cNvPr id="5" name="Picture 4" descr="C:\Users\Caryl Johanan\Desktop\School\3RD YEAR\2nd Term\CSPROJ_MT_DIAG\LEVEL 1 DFD FOR PROCESS 2.jpg"/>
           <p:cNvPicPr/>
           <p:nvPr/>
         </p:nvPicPr>
@@ -6361,8 +6448,8 @@
         </p:blipFill>
         <p:spPr bwMode="auto">
           <a:xfrm>
-            <a:off x="381000" y="1219200"/>
-            <a:ext cx="8305800" cy="3446780"/>
+            <a:off x="228600" y="625613"/>
+            <a:ext cx="8763000" cy="4860787"/>
           </a:xfrm>
           <a:prstGeom prst="rect">
             <a:avLst/>
@@ -6376,7 +6463,7 @@
     </p:spTree>
     <p:extLst>
       <p:ext uri="{BB962C8B-B14F-4D97-AF65-F5344CB8AC3E}">
-        <p14:creationId xmlns:p14="http://schemas.microsoft.com/office/powerpoint/2010/main" val="1739756566"/>
+        <p14:creationId xmlns:p14="http://schemas.microsoft.com/office/powerpoint/2010/main" val="4017245011"/>
       </p:ext>
     </p:extLst>
   </p:cSld>
@@ -6468,7 +6555,11 @@
             </a:br>
             <a:r>
               <a:rPr lang="en-US" dirty="0" smtClean="0"/>
-              <a:t>Project Context</a:t>
+              <a:t>Project </a:t>
+            </a:r>
+            <a:r>
+              <a:rPr lang="en-US" dirty="0" smtClean="0"/>
+              <a:t>Context</a:t>
             </a:r>
             <a:endParaRPr lang="en-US" dirty="0"/>
           </a:p>
@@ -6486,8 +6577,8 @@
         </p:nvSpPr>
         <p:spPr>
           <a:xfrm>
-            <a:off x="3886200" y="1524000"/>
-            <a:ext cx="4686299" cy="3607170"/>
+            <a:off x="3886200" y="1600200"/>
+            <a:ext cx="4686299" cy="3352800"/>
           </a:xfrm>
         </p:spPr>
         <p:txBody>
@@ -6509,7 +6600,15 @@
             </a:r>
             <a:r>
               <a:rPr lang="en-US" dirty="0"/>
-              <a:t>Asmara Spa's booking process, according to their client, is all manually performed. The researcher's task is to create a reservation system for the spa that will automate the process of booking a reservation and include an online reservation system for potential customers who are looking to avail the different services offered at the Asmara Spa via the internet.</a:t>
+              <a:t>Asmara Spa's booking </a:t>
+            </a:r>
+            <a:r>
+              <a:rPr lang="en-US" dirty="0" smtClean="0"/>
+              <a:t>process, is manually </a:t>
+            </a:r>
+            <a:r>
+              <a:rPr lang="en-US" dirty="0"/>
+              <a:t>performed. The researcher's task is to create a reservation system for the spa that will automate the process of booking a reservation and include an online reservation system for potential customers who are looking to avail the different services offered at the Asmara Spa via the internet.</a:t>
             </a:r>
           </a:p>
         </p:txBody>
@@ -6640,7 +6739,19 @@
               <a:rPr lang="en-US" dirty="0" smtClean="0">
                 <a:latin typeface="+mj-lt"/>
               </a:rPr>
-              <a:t>Object Diagram</a:t>
+              <a:t>Entity Relationship</a:t>
+            </a:r>
+            <a:r>
+              <a:rPr lang="en-US" dirty="0">
+                <a:latin typeface="+mj-lt"/>
+              </a:rPr>
+              <a:t> </a:t>
+            </a:r>
+            <a:r>
+              <a:rPr lang="en-US" dirty="0" smtClean="0">
+                <a:latin typeface="+mj-lt"/>
+              </a:rPr>
+              <a:t>Diagram</a:t>
             </a:r>
             <a:endParaRPr lang="en-US" dirty="0">
               <a:latin typeface="+mj-lt"/>
@@ -6650,10 +6761,8 @@
       </p:sp>
       <p:pic>
         <p:nvPicPr>
-          <p:cNvPr id="2" name="Picture 1"/>
-          <p:cNvPicPr>
-            <a:picLocks noChangeAspect="1"/>
-          </p:cNvPicPr>
+          <p:cNvPr id="6" name="Picture 5" descr="C:\Users\Caryl Johanan\Downloads\ERD_Final.jpg"/>
+          <p:cNvPicPr/>
           <p:nvPr/>
         </p:nvPicPr>
         <p:blipFill>
@@ -6664,24 +6773,29 @@
               </a:ext>
             </a:extLst>
           </a:blip>
+          <a:srcRect/>
           <a:stretch>
             <a:fillRect/>
           </a:stretch>
         </p:blipFill>
-        <p:spPr>
-          <a:xfrm>
-            <a:off x="0" y="1066800"/>
-            <a:ext cx="9144000" cy="3935933"/>
+        <p:spPr bwMode="auto">
+          <a:xfrm>
+            <a:off x="228600" y="609600"/>
+            <a:ext cx="8758555" cy="4244658"/>
           </a:xfrm>
           <a:prstGeom prst="rect">
             <a:avLst/>
           </a:prstGeom>
+          <a:noFill/>
+          <a:ln>
+            <a:noFill/>
+          </a:ln>
         </p:spPr>
       </p:pic>
     </p:spTree>
     <p:extLst>
       <p:ext uri="{BB962C8B-B14F-4D97-AF65-F5344CB8AC3E}">
-        <p14:creationId xmlns:p14="http://schemas.microsoft.com/office/powerpoint/2010/main" val="1061966984"/>
+        <p14:creationId xmlns:p14="http://schemas.microsoft.com/office/powerpoint/2010/main" val="3087193632"/>
       </p:ext>
     </p:extLst>
   </p:cSld>
@@ -6779,14 +6893,14 @@
       </p:sp>
       <p:sp>
         <p:nvSpPr>
-          <p:cNvPr id="3" name="TextBox 2"/>
+          <p:cNvPr id="10" name="TextBox 9"/>
           <p:cNvSpPr txBox="1"/>
           <p:nvPr/>
         </p:nvSpPr>
         <p:spPr>
           <a:xfrm>
-            <a:off x="1790700" y="6324600"/>
-            <a:ext cx="5638800" cy="369332"/>
+            <a:off x="3200400" y="6324600"/>
+            <a:ext cx="4008060" cy="369332"/>
           </a:xfrm>
           <a:prstGeom prst="rect">
             <a:avLst/>
@@ -6804,7 +6918,7 @@
               <a:rPr lang="en-US" dirty="0" smtClean="0">
                 <a:latin typeface="+mj-lt"/>
               </a:rPr>
-              <a:t>Data Dictionary</a:t>
+              <a:t>Class Diagram</a:t>
             </a:r>
             <a:endParaRPr lang="en-US" dirty="0">
               <a:latin typeface="+mj-lt"/>
@@ -6814,7 +6928,7 @@
       </p:sp>
       <p:pic>
         <p:nvPicPr>
-          <p:cNvPr id="6" name="Picture 5" descr="C:\Users\Caryl Johanan\Desktop\School\3RD YEAR\2nd Term\CSPROJ_MT_DIAG\DATA DICTIONARY.png"/>
+          <p:cNvPr id="5" name="Picture 4" descr="C:\Users\Caryl Johanan\Downloads\CLASSDIAGRAM.png"/>
           <p:cNvPicPr/>
           <p:nvPr/>
         </p:nvPicPr>
@@ -6833,8 +6947,8 @@
         </p:blipFill>
         <p:spPr bwMode="auto">
           <a:xfrm>
-            <a:off x="914400" y="152400"/>
-            <a:ext cx="7772400" cy="5867400"/>
+            <a:off x="381000" y="1219200"/>
+            <a:ext cx="8305800" cy="3446780"/>
           </a:xfrm>
           <a:prstGeom prst="rect">
             <a:avLst/>
@@ -6848,7 +6962,7 @@
     </p:spTree>
     <p:extLst>
       <p:ext uri="{BB962C8B-B14F-4D97-AF65-F5344CB8AC3E}">
-        <p14:creationId xmlns:p14="http://schemas.microsoft.com/office/powerpoint/2010/main" val="2277213295"/>
+        <p14:creationId xmlns:p14="http://schemas.microsoft.com/office/powerpoint/2010/main" val="1739756566"/>
       </p:ext>
     </p:extLst>
   </p:cSld>
@@ -6946,14 +7060,14 @@
       </p:sp>
       <p:sp>
         <p:nvSpPr>
-          <p:cNvPr id="3" name="TextBox 2"/>
+          <p:cNvPr id="10" name="TextBox 9"/>
           <p:cNvSpPr txBox="1"/>
           <p:nvPr/>
         </p:nvSpPr>
         <p:spPr>
           <a:xfrm>
-            <a:off x="2209800" y="6324600"/>
-            <a:ext cx="5638800" cy="369332"/>
+            <a:off x="3200400" y="6324600"/>
+            <a:ext cx="4008060" cy="369332"/>
           </a:xfrm>
           <a:prstGeom prst="rect">
             <a:avLst/>
@@ -6971,7 +7085,7 @@
               <a:rPr lang="en-US" dirty="0" smtClean="0">
                 <a:latin typeface="+mj-lt"/>
               </a:rPr>
-              <a:t>Tables/Files Layout</a:t>
+              <a:t>Object Diagram</a:t>
             </a:r>
             <a:endParaRPr lang="en-US" dirty="0">
               <a:latin typeface="+mj-lt"/>
@@ -6981,8 +7095,10 @@
       </p:sp>
       <p:pic>
         <p:nvPicPr>
-          <p:cNvPr id="4" name="Picture 3" descr="C:\Users\Caryl Johanan\Downloads\cusssss.PNG"/>
-          <p:cNvPicPr/>
+          <p:cNvPr id="2" name="Picture 1"/>
+          <p:cNvPicPr>
+            <a:picLocks noChangeAspect="1"/>
+          </p:cNvPicPr>
           <p:nvPr/>
         </p:nvPicPr>
         <p:blipFill>
@@ -6993,95 +7109,24 @@
               </a:ext>
             </a:extLst>
           </a:blip>
-          <a:srcRect/>
           <a:stretch>
             <a:fillRect/>
           </a:stretch>
         </p:blipFill>
-        <p:spPr bwMode="auto">
-          <a:xfrm>
-            <a:off x="76200" y="76200"/>
-            <a:ext cx="4800599" cy="2409825"/>
+        <p:spPr>
+          <a:xfrm>
+            <a:off x="0" y="1066800"/>
+            <a:ext cx="9144000" cy="3935933"/>
           </a:xfrm>
           <a:prstGeom prst="rect">
             <a:avLst/>
           </a:prstGeom>
-          <a:noFill/>
-          <a:ln>
-            <a:noFill/>
-          </a:ln>
-        </p:spPr>
-      </p:pic>
-      <p:pic>
-        <p:nvPicPr>
-          <p:cNvPr id="5" name="Picture 4" descr="C:\Users\Caryl Johanan\Downloads\services.PNG"/>
-          <p:cNvPicPr/>
-          <p:nvPr/>
-        </p:nvPicPr>
-        <p:blipFill>
-          <a:blip r:embed="rId3">
-            <a:extLst>
-              <a:ext uri="{28A0092B-C50C-407E-A947-70E740481C1C}">
-                <a14:useLocalDpi xmlns:a14="http://schemas.microsoft.com/office/drawing/2010/main" val="0"/>
-              </a:ext>
-            </a:extLst>
-          </a:blip>
-          <a:srcRect/>
-          <a:stretch>
-            <a:fillRect/>
-          </a:stretch>
-        </p:blipFill>
-        <p:spPr bwMode="auto">
-          <a:xfrm>
-            <a:off x="4191000" y="1447800"/>
-            <a:ext cx="4800600" cy="2414016"/>
-          </a:xfrm>
-          <a:prstGeom prst="rect">
-            <a:avLst/>
-          </a:prstGeom>
-          <a:noFill/>
-          <a:ln>
-            <a:noFill/>
-          </a:ln>
-        </p:spPr>
-      </p:pic>
-      <p:pic>
-        <p:nvPicPr>
-          <p:cNvPr id="6" name="Picture 5" descr="C:\Users\Caryl Johanan\Downloads\employtyee.PNG"/>
-          <p:cNvPicPr/>
-          <p:nvPr/>
-        </p:nvPicPr>
-        <p:blipFill>
-          <a:blip r:embed="rId4">
-            <a:extLst>
-              <a:ext uri="{28A0092B-C50C-407E-A947-70E740481C1C}">
-                <a14:useLocalDpi xmlns:a14="http://schemas.microsoft.com/office/drawing/2010/main" val="0"/>
-              </a:ext>
-            </a:extLst>
-          </a:blip>
-          <a:srcRect/>
-          <a:stretch>
-            <a:fillRect/>
-          </a:stretch>
-        </p:blipFill>
-        <p:spPr bwMode="auto">
-          <a:xfrm>
-            <a:off x="175402" y="3974621"/>
-            <a:ext cx="5378571" cy="2073974"/>
-          </a:xfrm>
-          <a:prstGeom prst="rect">
-            <a:avLst/>
-          </a:prstGeom>
-          <a:noFill/>
-          <a:ln>
-            <a:noFill/>
-          </a:ln>
         </p:spPr>
       </p:pic>
     </p:spTree>
     <p:extLst>
       <p:ext uri="{BB962C8B-B14F-4D97-AF65-F5344CB8AC3E}">
-        <p14:creationId xmlns:p14="http://schemas.microsoft.com/office/powerpoint/2010/main" val="1020997032"/>
+        <p14:creationId xmlns:p14="http://schemas.microsoft.com/office/powerpoint/2010/main" val="1061966984"/>
       </p:ext>
     </p:extLst>
   </p:cSld>
@@ -7117,13 +7162,75 @@
       </p:grpSpPr>
       <p:sp>
         <p:nvSpPr>
+          <p:cNvPr id="7" name="Title 2"/>
+          <p:cNvSpPr>
+            <a:spLocks noGrp="1"/>
+          </p:cNvSpPr>
+          <p:nvPr>
+            <p:ph type="title"/>
+          </p:nvPr>
+        </p:nvSpPr>
+        <p:spPr>
+          <a:xfrm>
+            <a:off x="381000" y="2209800"/>
+            <a:ext cx="8458200" cy="3581400"/>
+          </a:xfrm>
+        </p:spPr>
+        <p:txBody>
+          <a:bodyPr>
+            <a:normAutofit/>
+          </a:bodyPr>
+          <a:lstStyle/>
+          <a:p>
+            <a:pPr algn="ctr"/>
+            <a:r>
+              <a:rPr lang="en-US" sz="2400" i="0" dirty="0" smtClean="0"/>
+              <a:t/>
+            </a:r>
+            <a:br>
+              <a:rPr lang="en-US" sz="2400" i="0" dirty="0" smtClean="0"/>
+            </a:br>
+            <a:r>
+              <a:rPr lang="en-US" sz="2400" i="0" dirty="0" smtClean="0"/>
+              <a:t/>
+            </a:r>
+            <a:br>
+              <a:rPr lang="en-US" sz="2400" i="0" dirty="0" smtClean="0"/>
+            </a:br>
+            <a:r>
+              <a:rPr lang="en-US" sz="2400" i="0" dirty="0"/>
+              <a:t/>
+            </a:r>
+            <a:br>
+              <a:rPr lang="en-US" sz="2400" i="0" dirty="0"/>
+            </a:br>
+            <a:r>
+              <a:rPr lang="en-US" sz="2400" i="0" dirty="0" smtClean="0"/>
+              <a:t/>
+            </a:r>
+            <a:br>
+              <a:rPr lang="en-US" sz="2400" i="0" dirty="0" smtClean="0"/>
+            </a:br>
+            <a:r>
+              <a:rPr lang="en-US" dirty="0"/>
+              <a:t/>
+            </a:r>
+            <a:br>
+              <a:rPr lang="en-US" dirty="0"/>
+            </a:br>
+            <a:endParaRPr lang="en-US" dirty="0"/>
+          </a:p>
+        </p:txBody>
+      </p:sp>
+      <p:sp>
+        <p:nvSpPr>
           <p:cNvPr id="3" name="TextBox 2"/>
           <p:cNvSpPr txBox="1"/>
           <p:nvPr/>
         </p:nvSpPr>
         <p:spPr>
           <a:xfrm>
-            <a:off x="2209800" y="6324600"/>
+            <a:off x="1790700" y="6324600"/>
             <a:ext cx="5638800" cy="369332"/>
           </a:xfrm>
           <a:prstGeom prst="rect">
@@ -7142,7 +7249,7 @@
               <a:rPr lang="en-US" dirty="0" smtClean="0">
                 <a:latin typeface="+mj-lt"/>
               </a:rPr>
-              <a:t>Screen Layout/Specification</a:t>
+              <a:t>Data Dictionary</a:t>
             </a:r>
             <a:endParaRPr lang="en-US" dirty="0">
               <a:latin typeface="+mj-lt"/>
@@ -7152,25 +7259,27 @@
       </p:sp>
       <p:pic>
         <p:nvPicPr>
-          <p:cNvPr id="5" name="Picture 4" descr="C:\Users\student\Pictures\sysadd\SCREEN LAYPUT.jpg"/>
+          <p:cNvPr id="6" name="Picture 5" descr="C:\Users\Caryl Johanan\Desktop\School\3RD YEAR\2nd Term\CSPROJ_MT_DIAG\DATA DICTIONARY.png"/>
           <p:cNvPicPr/>
           <p:nvPr/>
         </p:nvPicPr>
-        <p:blipFill rotWithShape="1">
-          <a:blip r:embed="rId2" cstate="print">
+        <p:blipFill>
+          <a:blip r:embed="rId2">
             <a:extLst>
               <a:ext uri="{28A0092B-C50C-407E-A947-70E740481C1C}">
                 <a14:useLocalDpi xmlns:a14="http://schemas.microsoft.com/office/drawing/2010/main" val="0"/>
               </a:ext>
             </a:extLst>
           </a:blip>
-          <a:srcRect b="50633"/>
-          <a:stretch/>
+          <a:srcRect/>
+          <a:stretch>
+            <a:fillRect/>
+          </a:stretch>
         </p:blipFill>
         <p:spPr bwMode="auto">
           <a:xfrm>
-            <a:off x="228600" y="533400"/>
-            <a:ext cx="4191000" cy="5029200"/>
+            <a:off x="914400" y="152400"/>
+            <a:ext cx="7772400" cy="5867400"/>
           </a:xfrm>
           <a:prstGeom prst="rect">
             <a:avLst/>
@@ -7181,41 +7290,10 @@
           </a:ln>
         </p:spPr>
       </p:pic>
-      <p:pic>
-        <p:nvPicPr>
-          <p:cNvPr id="6" name="Picture 5" descr="C:\Users\student\Pictures\sysadd\SCREEN LAYPUT.jpg"/>
-          <p:cNvPicPr/>
-          <p:nvPr/>
-        </p:nvPicPr>
-        <p:blipFill rotWithShape="1">
-          <a:blip r:embed="rId2" cstate="print">
-            <a:extLst>
-              <a:ext uri="{28A0092B-C50C-407E-A947-70E740481C1C}">
-                <a14:useLocalDpi xmlns:a14="http://schemas.microsoft.com/office/drawing/2010/main" val="0"/>
-              </a:ext>
-            </a:extLst>
-          </a:blip>
-          <a:srcRect t="49568"/>
-          <a:stretch/>
-        </p:blipFill>
-        <p:spPr bwMode="auto">
-          <a:xfrm>
-            <a:off x="4800600" y="545206"/>
-            <a:ext cx="4114800" cy="5017394"/>
-          </a:xfrm>
-          <a:prstGeom prst="rect">
-            <a:avLst/>
-          </a:prstGeom>
-          <a:noFill/>
-          <a:ln>
-            <a:noFill/>
-          </a:ln>
-        </p:spPr>
-      </p:pic>
     </p:spTree>
     <p:extLst>
       <p:ext uri="{BB962C8B-B14F-4D97-AF65-F5344CB8AC3E}">
-        <p14:creationId xmlns:p14="http://schemas.microsoft.com/office/powerpoint/2010/main" val="2905094125"/>
+        <p14:creationId xmlns:p14="http://schemas.microsoft.com/office/powerpoint/2010/main" val="2277213295"/>
       </p:ext>
     </p:extLst>
   </p:cSld>
@@ -7313,6 +7391,373 @@
       </p:sp>
       <p:sp>
         <p:nvSpPr>
+          <p:cNvPr id="3" name="TextBox 2"/>
+          <p:cNvSpPr txBox="1"/>
+          <p:nvPr/>
+        </p:nvSpPr>
+        <p:spPr>
+          <a:xfrm>
+            <a:off x="2209800" y="6324600"/>
+            <a:ext cx="5638800" cy="369332"/>
+          </a:xfrm>
+          <a:prstGeom prst="rect">
+            <a:avLst/>
+          </a:prstGeom>
+          <a:noFill/>
+        </p:spPr>
+        <p:txBody>
+          <a:bodyPr wrap="square" rtlCol="0">
+            <a:spAutoFit/>
+          </a:bodyPr>
+          <a:lstStyle/>
+          <a:p>
+            <a:pPr algn="ctr"/>
+            <a:r>
+              <a:rPr lang="en-US" dirty="0" smtClean="0">
+                <a:latin typeface="+mj-lt"/>
+              </a:rPr>
+              <a:t>Tables/Files Layout</a:t>
+            </a:r>
+            <a:endParaRPr lang="en-US" dirty="0">
+              <a:latin typeface="+mj-lt"/>
+            </a:endParaRPr>
+          </a:p>
+        </p:txBody>
+      </p:sp>
+      <p:pic>
+        <p:nvPicPr>
+          <p:cNvPr id="4" name="Picture 3" descr="C:\Users\Caryl Johanan\Downloads\cusssss.PNG"/>
+          <p:cNvPicPr/>
+          <p:nvPr/>
+        </p:nvPicPr>
+        <p:blipFill>
+          <a:blip r:embed="rId2">
+            <a:extLst>
+              <a:ext uri="{28A0092B-C50C-407E-A947-70E740481C1C}">
+                <a14:useLocalDpi xmlns:a14="http://schemas.microsoft.com/office/drawing/2010/main" val="0"/>
+              </a:ext>
+            </a:extLst>
+          </a:blip>
+          <a:srcRect/>
+          <a:stretch>
+            <a:fillRect/>
+          </a:stretch>
+        </p:blipFill>
+        <p:spPr bwMode="auto">
+          <a:xfrm>
+            <a:off x="76200" y="76200"/>
+            <a:ext cx="4800599" cy="2409825"/>
+          </a:xfrm>
+          <a:prstGeom prst="rect">
+            <a:avLst/>
+          </a:prstGeom>
+          <a:noFill/>
+          <a:ln>
+            <a:noFill/>
+          </a:ln>
+        </p:spPr>
+      </p:pic>
+      <p:pic>
+        <p:nvPicPr>
+          <p:cNvPr id="5" name="Picture 4" descr="C:\Users\Caryl Johanan\Downloads\services.PNG"/>
+          <p:cNvPicPr/>
+          <p:nvPr/>
+        </p:nvPicPr>
+        <p:blipFill>
+          <a:blip r:embed="rId3">
+            <a:extLst>
+              <a:ext uri="{28A0092B-C50C-407E-A947-70E740481C1C}">
+                <a14:useLocalDpi xmlns:a14="http://schemas.microsoft.com/office/drawing/2010/main" val="0"/>
+              </a:ext>
+            </a:extLst>
+          </a:blip>
+          <a:srcRect/>
+          <a:stretch>
+            <a:fillRect/>
+          </a:stretch>
+        </p:blipFill>
+        <p:spPr bwMode="auto">
+          <a:xfrm>
+            <a:off x="4191000" y="1447800"/>
+            <a:ext cx="4800600" cy="2414016"/>
+          </a:xfrm>
+          <a:prstGeom prst="rect">
+            <a:avLst/>
+          </a:prstGeom>
+          <a:noFill/>
+          <a:ln>
+            <a:noFill/>
+          </a:ln>
+        </p:spPr>
+      </p:pic>
+      <p:pic>
+        <p:nvPicPr>
+          <p:cNvPr id="6" name="Picture 5" descr="C:\Users\Caryl Johanan\Downloads\employtyee.PNG"/>
+          <p:cNvPicPr/>
+          <p:nvPr/>
+        </p:nvPicPr>
+        <p:blipFill>
+          <a:blip r:embed="rId4">
+            <a:extLst>
+              <a:ext uri="{28A0092B-C50C-407E-A947-70E740481C1C}">
+                <a14:useLocalDpi xmlns:a14="http://schemas.microsoft.com/office/drawing/2010/main" val="0"/>
+              </a:ext>
+            </a:extLst>
+          </a:blip>
+          <a:srcRect/>
+          <a:stretch>
+            <a:fillRect/>
+          </a:stretch>
+        </p:blipFill>
+        <p:spPr bwMode="auto">
+          <a:xfrm>
+            <a:off x="175402" y="3974621"/>
+            <a:ext cx="5378571" cy="2073974"/>
+          </a:xfrm>
+          <a:prstGeom prst="rect">
+            <a:avLst/>
+          </a:prstGeom>
+          <a:noFill/>
+          <a:ln>
+            <a:noFill/>
+          </a:ln>
+        </p:spPr>
+      </p:pic>
+    </p:spTree>
+    <p:extLst>
+      <p:ext uri="{BB962C8B-B14F-4D97-AF65-F5344CB8AC3E}">
+        <p14:creationId xmlns:p14="http://schemas.microsoft.com/office/powerpoint/2010/main" val="1020997032"/>
+      </p:ext>
+    </p:extLst>
+  </p:cSld>
+  <p:clrMapOvr>
+    <a:masterClrMapping/>
+  </p:clrMapOvr>
+  <p:timing>
+    <p:tnLst>
+      <p:par>
+        <p:cTn id="1" dur="indefinite" restart="never" nodeType="tmRoot"/>
+      </p:par>
+    </p:tnLst>
+  </p:timing>
+</p:sld>
+</file>
+
+<file path=ppt/slides/slide25.xml><?xml version="1.0" encoding="utf-8"?>
+<p:sld xmlns:a="http://schemas.openxmlformats.org/drawingml/2006/main" xmlns:r="http://schemas.openxmlformats.org/officeDocument/2006/relationships" xmlns:p="http://schemas.openxmlformats.org/presentationml/2006/main">
+  <p:cSld>
+    <p:spTree>
+      <p:nvGrpSpPr>
+        <p:cNvPr id="1" name=""/>
+        <p:cNvGrpSpPr/>
+        <p:nvPr/>
+      </p:nvGrpSpPr>
+      <p:grpSpPr>
+        <a:xfrm>
+          <a:off x="0" y="0"/>
+          <a:ext cx="0" cy="0"/>
+          <a:chOff x="0" y="0"/>
+          <a:chExt cx="0" cy="0"/>
+        </a:xfrm>
+      </p:grpSpPr>
+      <p:sp>
+        <p:nvSpPr>
+          <p:cNvPr id="3" name="TextBox 2"/>
+          <p:cNvSpPr txBox="1"/>
+          <p:nvPr/>
+        </p:nvSpPr>
+        <p:spPr>
+          <a:xfrm>
+            <a:off x="2209800" y="6324600"/>
+            <a:ext cx="5638800" cy="369332"/>
+          </a:xfrm>
+          <a:prstGeom prst="rect">
+            <a:avLst/>
+          </a:prstGeom>
+          <a:noFill/>
+        </p:spPr>
+        <p:txBody>
+          <a:bodyPr wrap="square" rtlCol="0">
+            <a:spAutoFit/>
+          </a:bodyPr>
+          <a:lstStyle/>
+          <a:p>
+            <a:pPr algn="ctr"/>
+            <a:r>
+              <a:rPr lang="en-US" dirty="0" smtClean="0">
+                <a:latin typeface="+mj-lt"/>
+              </a:rPr>
+              <a:t>Screen Layout/Specification</a:t>
+            </a:r>
+            <a:endParaRPr lang="en-US" dirty="0">
+              <a:latin typeface="+mj-lt"/>
+            </a:endParaRPr>
+          </a:p>
+        </p:txBody>
+      </p:sp>
+      <p:pic>
+        <p:nvPicPr>
+          <p:cNvPr id="5" name="Picture 4" descr="C:\Users\student\Pictures\sysadd\SCREEN LAYPUT.jpg"/>
+          <p:cNvPicPr/>
+          <p:nvPr/>
+        </p:nvPicPr>
+        <p:blipFill rotWithShape="1">
+          <a:blip r:embed="rId2" cstate="print">
+            <a:extLst>
+              <a:ext uri="{28A0092B-C50C-407E-A947-70E740481C1C}">
+                <a14:useLocalDpi xmlns:a14="http://schemas.microsoft.com/office/drawing/2010/main" val="0"/>
+              </a:ext>
+            </a:extLst>
+          </a:blip>
+          <a:srcRect b="50633"/>
+          <a:stretch/>
+        </p:blipFill>
+        <p:spPr bwMode="auto">
+          <a:xfrm>
+            <a:off x="228600" y="533400"/>
+            <a:ext cx="4191000" cy="5029200"/>
+          </a:xfrm>
+          <a:prstGeom prst="rect">
+            <a:avLst/>
+          </a:prstGeom>
+          <a:noFill/>
+          <a:ln>
+            <a:noFill/>
+          </a:ln>
+        </p:spPr>
+      </p:pic>
+      <p:pic>
+        <p:nvPicPr>
+          <p:cNvPr id="6" name="Picture 5" descr="C:\Users\student\Pictures\sysadd\SCREEN LAYPUT.jpg"/>
+          <p:cNvPicPr/>
+          <p:nvPr/>
+        </p:nvPicPr>
+        <p:blipFill rotWithShape="1">
+          <a:blip r:embed="rId2" cstate="print">
+            <a:extLst>
+              <a:ext uri="{28A0092B-C50C-407E-A947-70E740481C1C}">
+                <a14:useLocalDpi xmlns:a14="http://schemas.microsoft.com/office/drawing/2010/main" val="0"/>
+              </a:ext>
+            </a:extLst>
+          </a:blip>
+          <a:srcRect t="49568"/>
+          <a:stretch/>
+        </p:blipFill>
+        <p:spPr bwMode="auto">
+          <a:xfrm>
+            <a:off x="4800600" y="545206"/>
+            <a:ext cx="4114800" cy="5017394"/>
+          </a:xfrm>
+          <a:prstGeom prst="rect">
+            <a:avLst/>
+          </a:prstGeom>
+          <a:noFill/>
+          <a:ln>
+            <a:noFill/>
+          </a:ln>
+        </p:spPr>
+      </p:pic>
+    </p:spTree>
+    <p:extLst>
+      <p:ext uri="{BB962C8B-B14F-4D97-AF65-F5344CB8AC3E}">
+        <p14:creationId xmlns:p14="http://schemas.microsoft.com/office/powerpoint/2010/main" val="2905094125"/>
+      </p:ext>
+    </p:extLst>
+  </p:cSld>
+  <p:clrMapOvr>
+    <a:masterClrMapping/>
+  </p:clrMapOvr>
+  <p:timing>
+    <p:tnLst>
+      <p:par>
+        <p:cTn id="1" dur="indefinite" restart="never" nodeType="tmRoot"/>
+      </p:par>
+    </p:tnLst>
+  </p:timing>
+</p:sld>
+</file>
+
+<file path=ppt/slides/slide26.xml><?xml version="1.0" encoding="utf-8"?>
+<p:sld xmlns:a="http://schemas.openxmlformats.org/drawingml/2006/main" xmlns:r="http://schemas.openxmlformats.org/officeDocument/2006/relationships" xmlns:p="http://schemas.openxmlformats.org/presentationml/2006/main">
+  <p:cSld>
+    <p:spTree>
+      <p:nvGrpSpPr>
+        <p:cNvPr id="1" name=""/>
+        <p:cNvGrpSpPr/>
+        <p:nvPr/>
+      </p:nvGrpSpPr>
+      <p:grpSpPr>
+        <a:xfrm>
+          <a:off x="0" y="0"/>
+          <a:ext cx="0" cy="0"/>
+          <a:chOff x="0" y="0"/>
+          <a:chExt cx="0" cy="0"/>
+        </a:xfrm>
+      </p:grpSpPr>
+      <p:sp>
+        <p:nvSpPr>
+          <p:cNvPr id="7" name="Title 2"/>
+          <p:cNvSpPr>
+            <a:spLocks noGrp="1"/>
+          </p:cNvSpPr>
+          <p:nvPr>
+            <p:ph type="title"/>
+          </p:nvPr>
+        </p:nvSpPr>
+        <p:spPr>
+          <a:xfrm>
+            <a:off x="381000" y="2209800"/>
+            <a:ext cx="8458200" cy="3581400"/>
+          </a:xfrm>
+        </p:spPr>
+        <p:txBody>
+          <a:bodyPr>
+            <a:normAutofit/>
+          </a:bodyPr>
+          <a:lstStyle/>
+          <a:p>
+            <a:pPr algn="ctr"/>
+            <a:r>
+              <a:rPr lang="en-US" sz="2400" i="0" dirty="0" smtClean="0"/>
+              <a:t/>
+            </a:r>
+            <a:br>
+              <a:rPr lang="en-US" sz="2400" i="0" dirty="0" smtClean="0"/>
+            </a:br>
+            <a:r>
+              <a:rPr lang="en-US" sz="2400" i="0" dirty="0" smtClean="0"/>
+              <a:t/>
+            </a:r>
+            <a:br>
+              <a:rPr lang="en-US" sz="2400" i="0" dirty="0" smtClean="0"/>
+            </a:br>
+            <a:r>
+              <a:rPr lang="en-US" sz="2400" i="0" dirty="0"/>
+              <a:t/>
+            </a:r>
+            <a:br>
+              <a:rPr lang="en-US" sz="2400" i="0" dirty="0"/>
+            </a:br>
+            <a:r>
+              <a:rPr lang="en-US" sz="2400" i="0" dirty="0" smtClean="0"/>
+              <a:t/>
+            </a:r>
+            <a:br>
+              <a:rPr lang="en-US" sz="2400" i="0" dirty="0" smtClean="0"/>
+            </a:br>
+            <a:r>
+              <a:rPr lang="en-US" dirty="0"/>
+              <a:t/>
+            </a:r>
+            <a:br>
+              <a:rPr lang="en-US" dirty="0"/>
+            </a:br>
+            <a:endParaRPr lang="en-US" dirty="0"/>
+          </a:p>
+        </p:txBody>
+      </p:sp>
+      <p:sp>
+        <p:nvSpPr>
           <p:cNvPr id="5" name="TextBox 4"/>
           <p:cNvSpPr txBox="1"/>
           <p:nvPr/>
@@ -7399,7 +7844,7 @@
 </p:sld>
 </file>
 
-<file path=ppt/slides/slide25.xml><?xml version="1.0" encoding="utf-8"?>
+<file path=ppt/slides/slide27.xml><?xml version="1.0" encoding="utf-8"?>
 <p:sld xmlns:a="http://schemas.openxmlformats.org/drawingml/2006/main" xmlns:r="http://schemas.openxmlformats.org/officeDocument/2006/relationships" xmlns:p="http://schemas.openxmlformats.org/presentationml/2006/main">
   <p:cSld>
     <p:spTree>
@@ -7954,7 +8399,7 @@
 </p:sld>
 </file>
 
-<file path=ppt/slides/slide26.xml><?xml version="1.0" encoding="utf-8"?>
+<file path=ppt/slides/slide28.xml><?xml version="1.0" encoding="utf-8"?>
 <p:sld xmlns:a="http://schemas.openxmlformats.org/drawingml/2006/main" xmlns:r="http://schemas.openxmlformats.org/officeDocument/2006/relationships" xmlns:p="http://schemas.openxmlformats.org/presentationml/2006/main">
   <p:cSld>
     <p:spTree>
@@ -8491,7 +8936,7 @@
 </p:sld>
 </file>
 
-<file path=ppt/slides/slide27.xml><?xml version="1.0" encoding="utf-8"?>
+<file path=ppt/slides/slide29.xml><?xml version="1.0" encoding="utf-8"?>
 <p:sld xmlns:a="http://schemas.openxmlformats.org/drawingml/2006/main" xmlns:r="http://schemas.openxmlformats.org/officeDocument/2006/relationships" xmlns:p="http://schemas.openxmlformats.org/presentationml/2006/main">
   <p:cSld>
     <p:spTree>
@@ -9022,346 +9467,6 @@
 </p:sld>
 </file>
 
-<file path=ppt/slides/slide28.xml><?xml version="1.0" encoding="utf-8"?>
-<p:sld xmlns:a="http://schemas.openxmlformats.org/drawingml/2006/main" xmlns:r="http://schemas.openxmlformats.org/officeDocument/2006/relationships" xmlns:p="http://schemas.openxmlformats.org/presentationml/2006/main">
-  <p:cSld>
-    <p:spTree>
-      <p:nvGrpSpPr>
-        <p:cNvPr id="1" name=""/>
-        <p:cNvGrpSpPr/>
-        <p:nvPr/>
-      </p:nvGrpSpPr>
-      <p:grpSpPr>
-        <a:xfrm>
-          <a:off x="0" y="0"/>
-          <a:ext cx="0" cy="0"/>
-          <a:chOff x="0" y="0"/>
-          <a:chExt cx="0" cy="0"/>
-        </a:xfrm>
-      </p:grpSpPr>
-      <p:sp>
-        <p:nvSpPr>
-          <p:cNvPr id="7" name="Title 2"/>
-          <p:cNvSpPr>
-            <a:spLocks noGrp="1"/>
-          </p:cNvSpPr>
-          <p:nvPr>
-            <p:ph type="title"/>
-          </p:nvPr>
-        </p:nvSpPr>
-        <p:spPr>
-          <a:xfrm>
-            <a:off x="381000" y="2209800"/>
-            <a:ext cx="8458200" cy="3581400"/>
-          </a:xfrm>
-        </p:spPr>
-        <p:txBody>
-          <a:bodyPr>
-            <a:normAutofit/>
-          </a:bodyPr>
-          <a:lstStyle/>
-          <a:p>
-            <a:pPr algn="ctr"/>
-            <a:r>
-              <a:rPr lang="en-US" sz="2400" i="0" dirty="0" smtClean="0"/>
-              <a:t/>
-            </a:r>
-            <a:br>
-              <a:rPr lang="en-US" sz="2400" i="0" dirty="0" smtClean="0"/>
-            </a:br>
-            <a:r>
-              <a:rPr lang="en-US" sz="2400" i="0" dirty="0" smtClean="0"/>
-              <a:t/>
-            </a:r>
-            <a:br>
-              <a:rPr lang="en-US" sz="2400" i="0" dirty="0" smtClean="0"/>
-            </a:br>
-            <a:r>
-              <a:rPr lang="en-US" sz="2400" i="0" dirty="0"/>
-              <a:t/>
-            </a:r>
-            <a:br>
-              <a:rPr lang="en-US" sz="2400" i="0" dirty="0"/>
-            </a:br>
-            <a:r>
-              <a:rPr lang="en-US" sz="2400" i="0" dirty="0" smtClean="0"/>
-              <a:t/>
-            </a:r>
-            <a:br>
-              <a:rPr lang="en-US" sz="2400" i="0" dirty="0" smtClean="0"/>
-            </a:br>
-            <a:r>
-              <a:rPr lang="en-US" dirty="0"/>
-              <a:t/>
-            </a:r>
-            <a:br>
-              <a:rPr lang="en-US" dirty="0"/>
-            </a:br>
-            <a:endParaRPr lang="en-US" dirty="0"/>
-          </a:p>
-        </p:txBody>
-      </p:sp>
-      <p:sp>
-        <p:nvSpPr>
-          <p:cNvPr id="3" name="TextBox 2"/>
-          <p:cNvSpPr txBox="1"/>
-          <p:nvPr/>
-        </p:nvSpPr>
-        <p:spPr>
-          <a:xfrm>
-            <a:off x="6858000" y="2895600"/>
-            <a:ext cx="1600200" cy="646331"/>
-          </a:xfrm>
-          <a:prstGeom prst="rect">
-            <a:avLst/>
-          </a:prstGeom>
-          <a:noFill/>
-        </p:spPr>
-        <p:txBody>
-          <a:bodyPr wrap="square" rtlCol="0">
-            <a:spAutoFit/>
-          </a:bodyPr>
-          <a:lstStyle/>
-          <a:p>
-            <a:pPr algn="ctr"/>
-            <a:r>
-              <a:rPr lang="en-US" dirty="0" smtClean="0">
-                <a:latin typeface="+mj-lt"/>
-              </a:rPr>
-              <a:t>Activity Diagram </a:t>
-            </a:r>
-            <a:endParaRPr lang="en-US" dirty="0">
-              <a:latin typeface="+mj-lt"/>
-            </a:endParaRPr>
-          </a:p>
-        </p:txBody>
-      </p:sp>
-      <p:pic>
-        <p:nvPicPr>
-          <p:cNvPr id="5" name="Picture 4" descr="C:\Users\Caryl Johanan\Downloads\activity_diagram_(9).jpg"/>
-          <p:cNvPicPr/>
-          <p:nvPr/>
-        </p:nvPicPr>
-        <p:blipFill rotWithShape="1">
-          <a:blip r:embed="rId2" cstate="print">
-            <a:extLst>
-              <a:ext uri="{28A0092B-C50C-407E-A947-70E740481C1C}">
-                <a14:useLocalDpi xmlns:a14="http://schemas.microsoft.com/office/drawing/2010/main" val="0"/>
-              </a:ext>
-            </a:extLst>
-          </a:blip>
-          <a:srcRect b="75038"/>
-          <a:stretch/>
-        </p:blipFill>
-        <p:spPr bwMode="auto">
-          <a:xfrm>
-            <a:off x="914400" y="1143000"/>
-            <a:ext cx="4989195" cy="4225925"/>
-          </a:xfrm>
-          <a:prstGeom prst="rect">
-            <a:avLst/>
-          </a:prstGeom>
-          <a:noFill/>
-          <a:ln>
-            <a:noFill/>
-          </a:ln>
-          <a:extLst>
-            <a:ext uri="{53640926-AAD7-44D8-BBD7-CCE9431645EC}">
-              <a14:shadowObscured xmlns:a14="http://schemas.microsoft.com/office/drawing/2010/main"/>
-            </a:ext>
-          </a:extLst>
-        </p:spPr>
-      </p:pic>
-    </p:spTree>
-    <p:extLst>
-      <p:ext uri="{BB962C8B-B14F-4D97-AF65-F5344CB8AC3E}">
-        <p14:creationId xmlns:p14="http://schemas.microsoft.com/office/powerpoint/2010/main" val="869757555"/>
-      </p:ext>
-    </p:extLst>
-  </p:cSld>
-  <p:clrMapOvr>
-    <a:masterClrMapping/>
-  </p:clrMapOvr>
-  <p:timing>
-    <p:tnLst>
-      <p:par>
-        <p:cTn id="1" dur="indefinite" restart="never" nodeType="tmRoot"/>
-      </p:par>
-    </p:tnLst>
-  </p:timing>
-</p:sld>
-</file>
-
-<file path=ppt/slides/slide29.xml><?xml version="1.0" encoding="utf-8"?>
-<p:sld xmlns:a="http://schemas.openxmlformats.org/drawingml/2006/main" xmlns:r="http://schemas.openxmlformats.org/officeDocument/2006/relationships" xmlns:p="http://schemas.openxmlformats.org/presentationml/2006/main">
-  <p:cSld>
-    <p:spTree>
-      <p:nvGrpSpPr>
-        <p:cNvPr id="1" name=""/>
-        <p:cNvGrpSpPr/>
-        <p:nvPr/>
-      </p:nvGrpSpPr>
-      <p:grpSpPr>
-        <a:xfrm>
-          <a:off x="0" y="0"/>
-          <a:ext cx="0" cy="0"/>
-          <a:chOff x="0" y="0"/>
-          <a:chExt cx="0" cy="0"/>
-        </a:xfrm>
-      </p:grpSpPr>
-      <p:sp>
-        <p:nvSpPr>
-          <p:cNvPr id="7" name="Title 2"/>
-          <p:cNvSpPr>
-            <a:spLocks noGrp="1"/>
-          </p:cNvSpPr>
-          <p:nvPr>
-            <p:ph type="title"/>
-          </p:nvPr>
-        </p:nvSpPr>
-        <p:spPr>
-          <a:xfrm>
-            <a:off x="381000" y="2209800"/>
-            <a:ext cx="8458200" cy="3581400"/>
-          </a:xfrm>
-        </p:spPr>
-        <p:txBody>
-          <a:bodyPr>
-            <a:normAutofit/>
-          </a:bodyPr>
-          <a:lstStyle/>
-          <a:p>
-            <a:pPr algn="ctr"/>
-            <a:r>
-              <a:rPr lang="en-US" sz="2400" i="0" dirty="0" smtClean="0"/>
-              <a:t/>
-            </a:r>
-            <a:br>
-              <a:rPr lang="en-US" sz="2400" i="0" dirty="0" smtClean="0"/>
-            </a:br>
-            <a:r>
-              <a:rPr lang="en-US" sz="2400" i="0" dirty="0" smtClean="0"/>
-              <a:t/>
-            </a:r>
-            <a:br>
-              <a:rPr lang="en-US" sz="2400" i="0" dirty="0" smtClean="0"/>
-            </a:br>
-            <a:r>
-              <a:rPr lang="en-US" sz="2400" i="0" dirty="0"/>
-              <a:t/>
-            </a:r>
-            <a:br>
-              <a:rPr lang="en-US" sz="2400" i="0" dirty="0"/>
-            </a:br>
-            <a:r>
-              <a:rPr lang="en-US" sz="2400" i="0" dirty="0" smtClean="0"/>
-              <a:t/>
-            </a:r>
-            <a:br>
-              <a:rPr lang="en-US" sz="2400" i="0" dirty="0" smtClean="0"/>
-            </a:br>
-            <a:r>
-              <a:rPr lang="en-US" dirty="0"/>
-              <a:t/>
-            </a:r>
-            <a:br>
-              <a:rPr lang="en-US" dirty="0"/>
-            </a:br>
-            <a:endParaRPr lang="en-US" dirty="0"/>
-          </a:p>
-        </p:txBody>
-      </p:sp>
-      <p:sp>
-        <p:nvSpPr>
-          <p:cNvPr id="3" name="TextBox 2"/>
-          <p:cNvSpPr txBox="1"/>
-          <p:nvPr/>
-        </p:nvSpPr>
-        <p:spPr>
-          <a:xfrm>
-            <a:off x="6858000" y="2895600"/>
-            <a:ext cx="1600200" cy="646331"/>
-          </a:xfrm>
-          <a:prstGeom prst="rect">
-            <a:avLst/>
-          </a:prstGeom>
-          <a:noFill/>
-        </p:spPr>
-        <p:txBody>
-          <a:bodyPr wrap="square" rtlCol="0">
-            <a:spAutoFit/>
-          </a:bodyPr>
-          <a:lstStyle/>
-          <a:p>
-            <a:pPr algn="ctr"/>
-            <a:r>
-              <a:rPr lang="en-US" dirty="0" smtClean="0">
-                <a:latin typeface="+mj-lt"/>
-              </a:rPr>
-              <a:t>Activity Diagram </a:t>
-            </a:r>
-            <a:endParaRPr lang="en-US" dirty="0">
-              <a:latin typeface="+mj-lt"/>
-            </a:endParaRPr>
-          </a:p>
-        </p:txBody>
-      </p:sp>
-      <p:pic>
-        <p:nvPicPr>
-          <p:cNvPr id="6" name="Picture 5" descr="C:\Users\Caryl Johanan\Downloads\activity_diagram_(9).jpg"/>
-          <p:cNvPicPr/>
-          <p:nvPr/>
-        </p:nvPicPr>
-        <p:blipFill rotWithShape="1">
-          <a:blip r:embed="rId2" cstate="print">
-            <a:extLst>
-              <a:ext uri="{28A0092B-C50C-407E-A947-70E740481C1C}">
-                <a14:useLocalDpi xmlns:a14="http://schemas.microsoft.com/office/drawing/2010/main" val="0"/>
-              </a:ext>
-            </a:extLst>
-          </a:blip>
-          <a:srcRect t="25112" b="28573"/>
-          <a:stretch/>
-        </p:blipFill>
-        <p:spPr bwMode="auto">
-          <a:xfrm>
-            <a:off x="838200" y="23004"/>
-            <a:ext cx="4724400" cy="6834996"/>
-          </a:xfrm>
-          <a:prstGeom prst="rect">
-            <a:avLst/>
-          </a:prstGeom>
-          <a:noFill/>
-          <a:ln>
-            <a:noFill/>
-          </a:ln>
-          <a:extLst>
-            <a:ext uri="{53640926-AAD7-44D8-BBD7-CCE9431645EC}">
-              <a14:shadowObscured xmlns:a14="http://schemas.microsoft.com/office/drawing/2010/main"/>
-            </a:ext>
-          </a:extLst>
-        </p:spPr>
-      </p:pic>
-    </p:spTree>
-    <p:extLst>
-      <p:ext uri="{BB962C8B-B14F-4D97-AF65-F5344CB8AC3E}">
-        <p14:creationId xmlns:p14="http://schemas.microsoft.com/office/powerpoint/2010/main" val="3237197690"/>
-      </p:ext>
-    </p:extLst>
-  </p:cSld>
-  <p:clrMapOvr>
-    <a:masterClrMapping/>
-  </p:clrMapOvr>
-  <p:timing>
-    <p:tnLst>
-      <p:par>
-        <p:cTn id="1" dur="indefinite" restart="never" nodeType="tmRoot"/>
-      </p:par>
-    </p:tnLst>
-  </p:timing>
-</p:sld>
-</file>
-
 <file path=ppt/slides/slide3.xml><?xml version="1.0" encoding="utf-8"?>
 <p:sld xmlns:a="http://schemas.openxmlformats.org/drawingml/2006/main" xmlns:r="http://schemas.openxmlformats.org/officeDocument/2006/relationships" xmlns:p="http://schemas.openxmlformats.org/presentationml/2006/main">
   <p:cSld>
@@ -9391,65 +9496,49 @@
         </p:nvSpPr>
         <p:spPr>
           <a:xfrm>
-            <a:off x="3733800" y="559678"/>
-            <a:ext cx="4686299" cy="5612522"/>
+            <a:off x="3733800" y="1178194"/>
+            <a:ext cx="4686299" cy="4393322"/>
           </a:xfrm>
         </p:spPr>
         <p:txBody>
           <a:bodyPr>
-            <a:normAutofit lnSpcReduction="10000"/>
+            <a:normAutofit/>
           </a:bodyPr>
           <a:lstStyle/>
           <a:p>
             <a:r>
-              <a:rPr lang="en-US" dirty="0"/>
-              <a:t>The purpose of this project is mainly to provide the </a:t>
-            </a:r>
-            <a:r>
               <a:rPr lang="en-US" dirty="0" smtClean="0"/>
-              <a:t>a </a:t>
-            </a:r>
-            <a:r>
-              <a:rPr lang="en-US" dirty="0"/>
-              <a:t>reservation system </a:t>
-            </a:r>
+              <a:t>Provide client a reservation system that will automate processes.</a:t>
+            </a:r>
+            <a:endParaRPr lang="en-US" dirty="0"/>
+          </a:p>
+          <a:p>
             <a:r>
               <a:rPr lang="en-US" dirty="0" smtClean="0"/>
-              <a:t>that </a:t>
-            </a:r>
-            <a:r>
-              <a:rPr lang="en-US" dirty="0"/>
-              <a:t>will automate most of the processes in their working environment. With manual work processes, many errors can occur that will waste time, lose efficiency, and possibly drop customer satisfaction rates which will, in return, reduce the amount of customers of the spa.</a:t>
-            </a:r>
-          </a:p>
-          <a:p>
-            <a:r>
-              <a:rPr lang="en-US" dirty="0"/>
-              <a:t>The reservation system </a:t>
-            </a:r>
+              <a:t>Prevent errors that result from manual work</a:t>
+            </a:r>
+          </a:p>
+          <a:p>
+            <a:endParaRPr lang="en-US" dirty="0"/>
+          </a:p>
+          <a:p>
             <a:r>
               <a:rPr lang="en-US" dirty="0" smtClean="0"/>
-              <a:t>will show the availability </a:t>
-            </a:r>
-            <a:r>
-              <a:rPr lang="en-US" dirty="0"/>
-              <a:t>of the spa's services and the available schedules </a:t>
-            </a:r>
+              <a:t>The reservation system:</a:t>
+            </a:r>
+          </a:p>
+          <a:p>
+            <a:pPr lvl="1"/>
             <a:r>
               <a:rPr lang="en-US" dirty="0" smtClean="0"/>
-              <a:t>. The </a:t>
-            </a:r>
-            <a:r>
-              <a:rPr lang="en-US" dirty="0"/>
-              <a:t>system </a:t>
-            </a:r>
+              <a:t>Shows availability of services and schedules</a:t>
+            </a:r>
+          </a:p>
+          <a:p>
+            <a:pPr lvl="1"/>
             <a:r>
               <a:rPr lang="en-US" dirty="0" smtClean="0"/>
-              <a:t>will have a </a:t>
-            </a:r>
-            <a:r>
-              <a:rPr lang="en-US" dirty="0"/>
-              <a:t>web interface for users who want to book an appointment but isn't a guest checked-in at the hotel. </a:t>
+              <a:t>Utilizes a web interface for customers who want to book online</a:t>
             </a:r>
           </a:p>
         </p:txBody>
@@ -9495,6 +9584,13 @@
             </a:r>
             <a:br>
               <a:rPr lang="en-US" sz="2400" i="0" dirty="0"/>
+            </a:br>
+            <a:r>
+              <a:rPr lang="en-US" sz="2400" i="0" dirty="0" smtClean="0"/>
+              <a:t/>
+            </a:r>
+            <a:br>
+              <a:rPr lang="en-US" sz="2400" i="0" dirty="0" smtClean="0"/>
             </a:br>
             <a:r>
               <a:rPr lang="en-US" dirty="0"/>
@@ -9659,13 +9755,13 @@
               </a:ext>
             </a:extLst>
           </a:blip>
-          <a:srcRect t="71276"/>
+          <a:srcRect b="75038"/>
           <a:stretch/>
         </p:blipFill>
         <p:spPr bwMode="auto">
           <a:xfrm>
-            <a:off x="990600" y="1045160"/>
-            <a:ext cx="4460240" cy="4347210"/>
+            <a:off x="914400" y="1143000"/>
+            <a:ext cx="4989195" cy="4225925"/>
           </a:xfrm>
           <a:prstGeom prst="rect">
             <a:avLst/>
@@ -9684,7 +9780,7 @@
     </p:spTree>
     <p:extLst>
       <p:ext uri="{BB962C8B-B14F-4D97-AF65-F5344CB8AC3E}">
-        <p14:creationId xmlns:p14="http://schemas.microsoft.com/office/powerpoint/2010/main" val="2518977969"/>
+        <p14:creationId xmlns:p14="http://schemas.microsoft.com/office/powerpoint/2010/main" val="869757555"/>
       </p:ext>
     </p:extLst>
   </p:cSld>
@@ -9788,8 +9884,8 @@
         </p:nvSpPr>
         <p:spPr>
           <a:xfrm>
-            <a:off x="2209800" y="6324600"/>
-            <a:ext cx="5638800" cy="369332"/>
+            <a:off x="6858000" y="2895600"/>
+            <a:ext cx="1600200" cy="646331"/>
           </a:xfrm>
           <a:prstGeom prst="rect">
             <a:avLst/>
@@ -9807,7 +9903,7 @@
               <a:rPr lang="en-US" dirty="0" smtClean="0">
                 <a:latin typeface="+mj-lt"/>
               </a:rPr>
-              <a:t>Sequence Diagram</a:t>
+              <a:t>Activity Diagram </a:t>
             </a:r>
             <a:endParaRPr lang="en-US" dirty="0">
               <a:latin typeface="+mj-lt"/>
@@ -9817,27 +9913,25 @@
       </p:sp>
       <p:pic>
         <p:nvPicPr>
-          <p:cNvPr id="5" name="Picture 4" descr="C:\Users\Caryl Johanan\Desktop\School\3RD YEAR\2nd Term\CSPROJ_MT_DIAG\SEQUENCE DIAGRAM.png"/>
+          <p:cNvPr id="6" name="Picture 5" descr="C:\Users\Caryl Johanan\Downloads\activity_diagram_(9).jpg"/>
           <p:cNvPicPr/>
           <p:nvPr/>
         </p:nvPicPr>
-        <p:blipFill>
-          <a:blip r:embed="rId2">
+        <p:blipFill rotWithShape="1">
+          <a:blip r:embed="rId2" cstate="print">
             <a:extLst>
               <a:ext uri="{28A0092B-C50C-407E-A947-70E740481C1C}">
                 <a14:useLocalDpi xmlns:a14="http://schemas.microsoft.com/office/drawing/2010/main" val="0"/>
               </a:ext>
             </a:extLst>
           </a:blip>
-          <a:srcRect/>
-          <a:stretch>
-            <a:fillRect/>
-          </a:stretch>
+          <a:srcRect t="25112" b="28573"/>
+          <a:stretch/>
         </p:blipFill>
         <p:spPr bwMode="auto">
           <a:xfrm>
-            <a:off x="1295400" y="0"/>
-            <a:ext cx="6553200" cy="6170762"/>
+            <a:off x="838200" y="23004"/>
+            <a:ext cx="4724400" cy="6834996"/>
           </a:xfrm>
           <a:prstGeom prst="rect">
             <a:avLst/>
@@ -9846,12 +9940,17 @@
           <a:ln>
             <a:noFill/>
           </a:ln>
+          <a:extLst>
+            <a:ext uri="{53640926-AAD7-44D8-BBD7-CCE9431645EC}">
+              <a14:shadowObscured xmlns:a14="http://schemas.microsoft.com/office/drawing/2010/main"/>
+            </a:ext>
+          </a:extLst>
         </p:spPr>
       </p:pic>
     </p:spTree>
     <p:extLst>
       <p:ext uri="{BB962C8B-B14F-4D97-AF65-F5344CB8AC3E}">
-        <p14:creationId xmlns:p14="http://schemas.microsoft.com/office/powerpoint/2010/main" val="1777442565"/>
+        <p14:creationId xmlns:p14="http://schemas.microsoft.com/office/powerpoint/2010/main" val="3237197690"/>
       </p:ext>
     </p:extLst>
   </p:cSld>
@@ -9955,8 +10054,8 @@
         </p:nvSpPr>
         <p:spPr>
           <a:xfrm>
-            <a:off x="2209800" y="6324600"/>
-            <a:ext cx="5638800" cy="369332"/>
+            <a:off x="6858000" y="2895600"/>
+            <a:ext cx="1600200" cy="646331"/>
           </a:xfrm>
           <a:prstGeom prst="rect">
             <a:avLst/>
@@ -9974,7 +10073,7 @@
               <a:rPr lang="en-US" dirty="0" smtClean="0">
                 <a:latin typeface="+mj-lt"/>
               </a:rPr>
-              <a:t>Interaction Overview Diagram</a:t>
+              <a:t>Activity Diagram </a:t>
             </a:r>
             <a:endParaRPr lang="en-US" dirty="0">
               <a:latin typeface="+mj-lt"/>
@@ -9984,27 +10083,25 @@
       </p:sp>
       <p:pic>
         <p:nvPicPr>
-          <p:cNvPr id="6" name="Picture 5" descr="C:\Users\Caryl Johanan\Downloads\Interaction_Overview.jpg"/>
+          <p:cNvPr id="5" name="Picture 4" descr="C:\Users\Caryl Johanan\Downloads\activity_diagram_(9).jpg"/>
           <p:cNvPicPr/>
           <p:nvPr/>
         </p:nvPicPr>
-        <p:blipFill>
-          <a:blip r:embed="rId2">
+        <p:blipFill rotWithShape="1">
+          <a:blip r:embed="rId2" cstate="print">
             <a:extLst>
               <a:ext uri="{28A0092B-C50C-407E-A947-70E740481C1C}">
                 <a14:useLocalDpi xmlns:a14="http://schemas.microsoft.com/office/drawing/2010/main" val="0"/>
               </a:ext>
             </a:extLst>
           </a:blip>
-          <a:srcRect/>
-          <a:stretch>
-            <a:fillRect/>
-          </a:stretch>
+          <a:srcRect t="71276"/>
+          <a:stretch/>
         </p:blipFill>
         <p:spPr bwMode="auto">
           <a:xfrm>
-            <a:off x="393940" y="381000"/>
-            <a:ext cx="8445260" cy="5467985"/>
+            <a:off x="990600" y="1045160"/>
+            <a:ext cx="4460240" cy="4347210"/>
           </a:xfrm>
           <a:prstGeom prst="rect">
             <a:avLst/>
@@ -10013,12 +10110,17 @@
           <a:ln>
             <a:noFill/>
           </a:ln>
+          <a:extLst>
+            <a:ext uri="{53640926-AAD7-44D8-BBD7-CCE9431645EC}">
+              <a14:shadowObscured xmlns:a14="http://schemas.microsoft.com/office/drawing/2010/main"/>
+            </a:ext>
+          </a:extLst>
         </p:spPr>
       </p:pic>
     </p:spTree>
     <p:extLst>
       <p:ext uri="{BB962C8B-B14F-4D97-AF65-F5344CB8AC3E}">
-        <p14:creationId xmlns:p14="http://schemas.microsoft.com/office/powerpoint/2010/main" val="2813575255"/>
+        <p14:creationId xmlns:p14="http://schemas.microsoft.com/office/powerpoint/2010/main" val="2518977969"/>
       </p:ext>
     </p:extLst>
   </p:cSld>
@@ -10141,7 +10243,7 @@
               <a:rPr lang="en-US" dirty="0" smtClean="0">
                 <a:latin typeface="+mj-lt"/>
               </a:rPr>
-              <a:t>State Machine Diagram</a:t>
+              <a:t>Sequence Diagram</a:t>
             </a:r>
             <a:endParaRPr lang="en-US" dirty="0">
               <a:latin typeface="+mj-lt"/>
@@ -10151,7 +10253,7 @@
       </p:sp>
       <p:pic>
         <p:nvPicPr>
-          <p:cNvPr id="5" name="Picture 4" descr="C:\Users\Caryl Johanan\Downloads\State_Machine.jpg"/>
+          <p:cNvPr id="5" name="Picture 4" descr="C:\Users\Caryl Johanan\Desktop\School\3RD YEAR\2nd Term\CSPROJ_MT_DIAG\SEQUENCE DIAGRAM.png"/>
           <p:cNvPicPr/>
           <p:nvPr/>
         </p:nvPicPr>
@@ -10170,8 +10272,8 @@
         </p:blipFill>
         <p:spPr bwMode="auto">
           <a:xfrm>
-            <a:off x="609600" y="1524000"/>
-            <a:ext cx="8001000" cy="3667760"/>
+            <a:off x="1295400" y="0"/>
+            <a:ext cx="6553200" cy="6170762"/>
           </a:xfrm>
           <a:prstGeom prst="rect">
             <a:avLst/>
@@ -10185,7 +10287,7 @@
     </p:spTree>
     <p:extLst>
       <p:ext uri="{BB962C8B-B14F-4D97-AF65-F5344CB8AC3E}">
-        <p14:creationId xmlns:p14="http://schemas.microsoft.com/office/powerpoint/2010/main" val="2676172334"/>
+        <p14:creationId xmlns:p14="http://schemas.microsoft.com/office/powerpoint/2010/main" val="1777442565"/>
       </p:ext>
     </p:extLst>
   </p:cSld>
@@ -10308,7 +10410,7 @@
               <a:rPr lang="en-US" dirty="0" smtClean="0">
                 <a:latin typeface="+mj-lt"/>
               </a:rPr>
-              <a:t>Composite Structure Diagram</a:t>
+              <a:t>Interaction Overview Diagram</a:t>
             </a:r>
             <a:endParaRPr lang="en-US" dirty="0">
               <a:latin typeface="+mj-lt"/>
@@ -10318,7 +10420,7 @@
       </p:sp>
       <p:pic>
         <p:nvPicPr>
-          <p:cNvPr id="6" name="Picture 5" descr="C:\Users\Caryl Johanan\Downloads\Composite_Structure_Diagram.jpg"/>
+          <p:cNvPr id="6" name="Picture 5" descr="C:\Users\Caryl Johanan\Downloads\Interaction_Overview.jpg"/>
           <p:cNvPicPr/>
           <p:nvPr/>
         </p:nvPicPr>
@@ -10337,8 +10439,8 @@
         </p:blipFill>
         <p:spPr bwMode="auto">
           <a:xfrm>
-            <a:off x="1524000" y="0"/>
-            <a:ext cx="6324600" cy="6075872"/>
+            <a:off x="393940" y="381000"/>
+            <a:ext cx="8445260" cy="5467985"/>
           </a:xfrm>
           <a:prstGeom prst="rect">
             <a:avLst/>
@@ -10352,7 +10454,7 @@
     </p:spTree>
     <p:extLst>
       <p:ext uri="{BB962C8B-B14F-4D97-AF65-F5344CB8AC3E}">
-        <p14:creationId xmlns:p14="http://schemas.microsoft.com/office/powerpoint/2010/main" val="3886225954"/>
+        <p14:creationId xmlns:p14="http://schemas.microsoft.com/office/powerpoint/2010/main" val="2813575255"/>
       </p:ext>
     </p:extLst>
   </p:cSld>
@@ -10475,7 +10577,7 @@
               <a:rPr lang="en-US" dirty="0" smtClean="0">
                 <a:latin typeface="+mj-lt"/>
               </a:rPr>
-              <a:t>Component Diagram</a:t>
+              <a:t>State Machine Diagram</a:t>
             </a:r>
             <a:endParaRPr lang="en-US" dirty="0">
               <a:latin typeface="+mj-lt"/>
@@ -10485,7 +10587,7 @@
       </p:sp>
       <p:pic>
         <p:nvPicPr>
-          <p:cNvPr id="5" name="Picture 4" descr="C:\Users\Caryl Johanan\Downloads\ComponentDiagram.png"/>
+          <p:cNvPr id="5" name="Picture 4" descr="C:\Users\Caryl Johanan\Downloads\State_Machine.jpg"/>
           <p:cNvPicPr/>
           <p:nvPr/>
         </p:nvPicPr>
@@ -10504,8 +10606,8 @@
         </p:blipFill>
         <p:spPr bwMode="auto">
           <a:xfrm>
-            <a:off x="381000" y="1371600"/>
-            <a:ext cx="8639355" cy="3657600"/>
+            <a:off x="609600" y="1524000"/>
+            <a:ext cx="8001000" cy="3667760"/>
           </a:xfrm>
           <a:prstGeom prst="rect">
             <a:avLst/>
@@ -10519,7 +10621,7 @@
     </p:spTree>
     <p:extLst>
       <p:ext uri="{BB962C8B-B14F-4D97-AF65-F5344CB8AC3E}">
-        <p14:creationId xmlns:p14="http://schemas.microsoft.com/office/powerpoint/2010/main" val="1239327403"/>
+        <p14:creationId xmlns:p14="http://schemas.microsoft.com/office/powerpoint/2010/main" val="2676172334"/>
       </p:ext>
     </p:extLst>
   </p:cSld>
@@ -10642,7 +10744,7 @@
               <a:rPr lang="en-US" dirty="0" smtClean="0">
                 <a:latin typeface="+mj-lt"/>
               </a:rPr>
-              <a:t>Package Diagram</a:t>
+              <a:t>Composite Structure Diagram</a:t>
             </a:r>
             <a:endParaRPr lang="en-US" dirty="0">
               <a:latin typeface="+mj-lt"/>
@@ -10652,7 +10754,7 @@
       </p:sp>
       <p:pic>
         <p:nvPicPr>
-          <p:cNvPr id="6" name="Picture 5" descr="C:\Users\Caryl Johanan\Downloads\Package_Diagram_Whole_(1) (1).jpg"/>
+          <p:cNvPr id="6" name="Picture 5" descr="C:\Users\Caryl Johanan\Downloads\Composite_Structure_Diagram.jpg"/>
           <p:cNvPicPr/>
           <p:nvPr/>
         </p:nvPicPr>
@@ -10671,8 +10773,8 @@
         </p:blipFill>
         <p:spPr bwMode="auto">
           <a:xfrm>
-            <a:off x="24442" y="1447800"/>
-            <a:ext cx="9119558" cy="3088005"/>
+            <a:off x="1524000" y="0"/>
+            <a:ext cx="6324600" cy="6075872"/>
           </a:xfrm>
           <a:prstGeom prst="rect">
             <a:avLst/>
@@ -10686,7 +10788,7 @@
     </p:spTree>
     <p:extLst>
       <p:ext uri="{BB962C8B-B14F-4D97-AF65-F5344CB8AC3E}">
-        <p14:creationId xmlns:p14="http://schemas.microsoft.com/office/powerpoint/2010/main" val="3539450770"/>
+        <p14:creationId xmlns:p14="http://schemas.microsoft.com/office/powerpoint/2010/main" val="3886225954"/>
       </p:ext>
     </p:extLst>
   </p:cSld>
@@ -10809,7 +10911,7 @@
               <a:rPr lang="en-US" dirty="0" smtClean="0">
                 <a:latin typeface="+mj-lt"/>
               </a:rPr>
-              <a:t>Timing Diagram</a:t>
+              <a:t>Component Diagram</a:t>
             </a:r>
             <a:endParaRPr lang="en-US" dirty="0">
               <a:latin typeface="+mj-lt"/>
@@ -10819,7 +10921,7 @@
       </p:sp>
       <p:pic>
         <p:nvPicPr>
-          <p:cNvPr id="8" name="Picture 7" descr="C:\Users\Caryl Johanan\Downloads\Untitled_Diagram_(2).jpg"/>
+          <p:cNvPr id="5" name="Picture 4" descr="C:\Users\Caryl Johanan\Downloads\ComponentDiagram.png"/>
           <p:cNvPicPr/>
           <p:nvPr/>
         </p:nvPicPr>
@@ -10838,8 +10940,8 @@
         </p:blipFill>
         <p:spPr bwMode="auto">
           <a:xfrm>
-            <a:off x="2057400" y="0"/>
-            <a:ext cx="5498465" cy="6162040"/>
+            <a:off x="381000" y="1371600"/>
+            <a:ext cx="8639355" cy="3657600"/>
           </a:xfrm>
           <a:prstGeom prst="rect">
             <a:avLst/>
@@ -10853,7 +10955,7 @@
     </p:spTree>
     <p:extLst>
       <p:ext uri="{BB962C8B-B14F-4D97-AF65-F5344CB8AC3E}">
-        <p14:creationId xmlns:p14="http://schemas.microsoft.com/office/powerpoint/2010/main" val="1735267720"/>
+        <p14:creationId xmlns:p14="http://schemas.microsoft.com/office/powerpoint/2010/main" val="1239327403"/>
       </p:ext>
     </p:extLst>
   </p:cSld>
@@ -10976,7 +11078,7 @@
               <a:rPr lang="en-US" dirty="0" smtClean="0">
                 <a:latin typeface="+mj-lt"/>
               </a:rPr>
-              <a:t>Deployment Diagram</a:t>
+              <a:t>Package Diagram</a:t>
             </a:r>
             <a:endParaRPr lang="en-US" dirty="0">
               <a:latin typeface="+mj-lt"/>
@@ -10986,7 +11088,7 @@
       </p:sp>
       <p:pic>
         <p:nvPicPr>
-          <p:cNvPr id="5" name="Picture 4" descr="C:\Users\Caryl Johanan\Downloads\Deployment_Diagram.jpg"/>
+          <p:cNvPr id="6" name="Picture 5" descr="C:\Users\Caryl Johanan\Downloads\Package_Diagram_Whole_(1) (1).jpg"/>
           <p:cNvPicPr/>
           <p:nvPr/>
         </p:nvPicPr>
@@ -11005,8 +11107,8 @@
         </p:blipFill>
         <p:spPr bwMode="auto">
           <a:xfrm>
-            <a:off x="76200" y="1647507"/>
-            <a:ext cx="8991600" cy="2772093"/>
+            <a:off x="24442" y="1447800"/>
+            <a:ext cx="9119558" cy="3088005"/>
           </a:xfrm>
           <a:prstGeom prst="rect">
             <a:avLst/>
@@ -11020,7 +11122,7 @@
     </p:spTree>
     <p:extLst>
       <p:ext uri="{BB962C8B-B14F-4D97-AF65-F5344CB8AC3E}">
-        <p14:creationId xmlns:p14="http://schemas.microsoft.com/office/powerpoint/2010/main" val="1029095801"/>
+        <p14:creationId xmlns:p14="http://schemas.microsoft.com/office/powerpoint/2010/main" val="3539450770"/>
       </p:ext>
     </p:extLst>
   </p:cSld>
@@ -11143,7 +11245,7 @@
               <a:rPr lang="en-US" dirty="0" smtClean="0">
                 <a:latin typeface="+mj-lt"/>
               </a:rPr>
-              <a:t>Communication Diagram</a:t>
+              <a:t>Timing Diagram</a:t>
             </a:r>
             <a:endParaRPr lang="en-US" dirty="0">
               <a:latin typeface="+mj-lt"/>
@@ -11153,7 +11255,7 @@
       </p:sp>
       <p:pic>
         <p:nvPicPr>
-          <p:cNvPr id="5" name="Picture 4" descr="C:\Users\Caryl Johanan\Downloads\SPA_COMMUNICATION_DIAGRAM_FINAL.jpg"/>
+          <p:cNvPr id="8" name="Picture 7" descr="C:\Users\Caryl Johanan\Downloads\Untitled_Diagram_(2).jpg"/>
           <p:cNvPicPr/>
           <p:nvPr/>
         </p:nvPicPr>
@@ -11172,8 +11274,8 @@
         </p:blipFill>
         <p:spPr bwMode="auto">
           <a:xfrm>
-            <a:off x="228600" y="609600"/>
-            <a:ext cx="8763000" cy="4874895"/>
+            <a:off x="2057400" y="0"/>
+            <a:ext cx="5498465" cy="6162040"/>
           </a:xfrm>
           <a:prstGeom prst="rect">
             <a:avLst/>
@@ -11187,7 +11289,7 @@
     </p:spTree>
     <p:extLst>
       <p:ext uri="{BB962C8B-B14F-4D97-AF65-F5344CB8AC3E}">
-        <p14:creationId xmlns:p14="http://schemas.microsoft.com/office/powerpoint/2010/main" val="3262449271"/>
+        <p14:creationId xmlns:p14="http://schemas.microsoft.com/office/powerpoint/2010/main" val="1735267720"/>
       </p:ext>
     </p:extLst>
   </p:cSld>
@@ -11239,7 +11341,7 @@
         </p:spPr>
         <p:txBody>
           <a:bodyPr>
-            <a:normAutofit fontScale="92500"/>
+            <a:normAutofit/>
           </a:bodyPr>
           <a:lstStyle/>
           <a:p>
@@ -11249,7 +11351,33 @@
             </a:r>
             <a:r>
               <a:rPr lang="en-US" dirty="0"/>
-              <a:t>To create and implement an efficient reservation system for the client that automates their work processes. The system's efficiency is measured through the reports generated as it shows how many bookings are made daily</a:t>
+              <a:t>To create and implement an efficient reservation system </a:t>
+            </a:r>
+            <a:r>
+              <a:rPr lang="en-US" dirty="0" smtClean="0"/>
+              <a:t>that will automate work </a:t>
+            </a:r>
+            <a:r>
+              <a:rPr lang="en-US" dirty="0"/>
+              <a:t>processes. </a:t>
+            </a:r>
+            <a:endParaRPr lang="en-US" dirty="0" smtClean="0"/>
+          </a:p>
+          <a:p>
+            <a:r>
+              <a:rPr lang="en-US" b="1" dirty="0" smtClean="0"/>
+              <a:t>Specific </a:t>
+            </a:r>
+            <a:r>
+              <a:rPr lang="en-US" b="1" dirty="0" smtClean="0"/>
+              <a:t>Objectives:</a:t>
+            </a:r>
+          </a:p>
+          <a:p>
+            <a:pPr lvl="1"/>
+            <a:r>
+              <a:rPr lang="en-US" dirty="0"/>
+              <a:t>To address the mistakes that occur from doing manual work processes</a:t>
             </a:r>
             <a:r>
               <a:rPr lang="en-US" dirty="0" smtClean="0"/>
@@ -11257,41 +11385,33 @@
             </a:r>
           </a:p>
           <a:p>
-            <a:r>
-              <a:rPr lang="en-US" b="1" dirty="0" smtClean="0"/>
-              <a:t>Specific Objectives:</a:t>
-            </a:r>
-          </a:p>
-          <a:p>
             <a:pPr lvl="1"/>
             <a:r>
+              <a:rPr lang="en-US" dirty="0" smtClean="0"/>
+              <a:t>Make booking more accessible through online booking</a:t>
+            </a:r>
+            <a:endParaRPr lang="en-US" dirty="0"/>
+          </a:p>
+          <a:p>
+            <a:pPr lvl="1"/>
+            <a:r>
               <a:rPr lang="en-US" dirty="0"/>
-              <a:t>To address the mistakes that occur from doing manual work processes</a:t>
+              <a:t>To reduce the amount of time </a:t>
             </a:r>
             <a:r>
               <a:rPr lang="en-US" dirty="0" smtClean="0"/>
-              <a:t>.</a:t>
+              <a:t> it takes to book. </a:t>
             </a:r>
           </a:p>
           <a:p>
             <a:pPr lvl="1"/>
             <a:r>
+              <a:rPr lang="en-US" dirty="0" smtClean="0"/>
+              <a:t>To </a:t>
+            </a:r>
+            <a:r>
               <a:rPr lang="en-US" dirty="0"/>
-              <a:t>To eliminate instances of conflict in booking appointments.</a:t>
-            </a:r>
-          </a:p>
-          <a:p>
-            <a:pPr lvl="1"/>
-            <a:r>
-              <a:rPr lang="en-US" dirty="0"/>
-              <a:t>To reduce the amount of time and resources needed in the booking process.</a:t>
-            </a:r>
-          </a:p>
-          <a:p>
-            <a:pPr lvl="1"/>
-            <a:r>
-              <a:rPr lang="en-US" dirty="0"/>
-              <a:t>To generate a report that would show spa trends that shows how many bookings are made per day, what is the most demanded service, </a:t>
+              <a:t>generate a report that would show spa trends that shows how many bookings are made per day, what is the most demanded service, </a:t>
             </a:r>
             <a:br>
               <a:rPr lang="en-US" dirty="0"/>
@@ -11348,6 +11468,13 @@
             </a:r>
             <a:br>
               <a:rPr lang="en-US" sz="2400" i="0" dirty="0"/>
+            </a:br>
+            <a:r>
+              <a:rPr lang="en-US" sz="2400" i="0" dirty="0" smtClean="0"/>
+              <a:t/>
+            </a:r>
+            <a:br>
+              <a:rPr lang="en-US" sz="2400" i="0" dirty="0" smtClean="0"/>
             </a:br>
             <a:r>
               <a:rPr lang="en-US" sz="2400" i="0" dirty="0" smtClean="0"/>
@@ -11472,6 +11599,340 @@
       </p:sp>
       <p:sp>
         <p:nvSpPr>
+          <p:cNvPr id="3" name="TextBox 2"/>
+          <p:cNvSpPr txBox="1"/>
+          <p:nvPr/>
+        </p:nvSpPr>
+        <p:spPr>
+          <a:xfrm>
+            <a:off x="2209800" y="6324600"/>
+            <a:ext cx="5638800" cy="369332"/>
+          </a:xfrm>
+          <a:prstGeom prst="rect">
+            <a:avLst/>
+          </a:prstGeom>
+          <a:noFill/>
+        </p:spPr>
+        <p:txBody>
+          <a:bodyPr wrap="square" rtlCol="0">
+            <a:spAutoFit/>
+          </a:bodyPr>
+          <a:lstStyle/>
+          <a:p>
+            <a:pPr algn="ctr"/>
+            <a:r>
+              <a:rPr lang="en-US" dirty="0" smtClean="0">
+                <a:latin typeface="+mj-lt"/>
+              </a:rPr>
+              <a:t>Deployment Diagram</a:t>
+            </a:r>
+            <a:endParaRPr lang="en-US" dirty="0">
+              <a:latin typeface="+mj-lt"/>
+            </a:endParaRPr>
+          </a:p>
+        </p:txBody>
+      </p:sp>
+      <p:pic>
+        <p:nvPicPr>
+          <p:cNvPr id="5" name="Picture 4" descr="C:\Users\Caryl Johanan\Downloads\Deployment_Diagram.jpg"/>
+          <p:cNvPicPr/>
+          <p:nvPr/>
+        </p:nvPicPr>
+        <p:blipFill>
+          <a:blip r:embed="rId2">
+            <a:extLst>
+              <a:ext uri="{28A0092B-C50C-407E-A947-70E740481C1C}">
+                <a14:useLocalDpi xmlns:a14="http://schemas.microsoft.com/office/drawing/2010/main" val="0"/>
+              </a:ext>
+            </a:extLst>
+          </a:blip>
+          <a:srcRect/>
+          <a:stretch>
+            <a:fillRect/>
+          </a:stretch>
+        </p:blipFill>
+        <p:spPr bwMode="auto">
+          <a:xfrm>
+            <a:off x="76200" y="1647507"/>
+            <a:ext cx="8991600" cy="2772093"/>
+          </a:xfrm>
+          <a:prstGeom prst="rect">
+            <a:avLst/>
+          </a:prstGeom>
+          <a:noFill/>
+          <a:ln>
+            <a:noFill/>
+          </a:ln>
+        </p:spPr>
+      </p:pic>
+    </p:spTree>
+    <p:extLst>
+      <p:ext uri="{BB962C8B-B14F-4D97-AF65-F5344CB8AC3E}">
+        <p14:creationId xmlns:p14="http://schemas.microsoft.com/office/powerpoint/2010/main" val="1029095801"/>
+      </p:ext>
+    </p:extLst>
+  </p:cSld>
+  <p:clrMapOvr>
+    <a:masterClrMapping/>
+  </p:clrMapOvr>
+  <p:timing>
+    <p:tnLst>
+      <p:par>
+        <p:cTn id="1" dur="indefinite" restart="never" nodeType="tmRoot"/>
+      </p:par>
+    </p:tnLst>
+  </p:timing>
+</p:sld>
+</file>
+
+<file path=ppt/slides/slide41.xml><?xml version="1.0" encoding="utf-8"?>
+<p:sld xmlns:a="http://schemas.openxmlformats.org/drawingml/2006/main" xmlns:r="http://schemas.openxmlformats.org/officeDocument/2006/relationships" xmlns:p="http://schemas.openxmlformats.org/presentationml/2006/main">
+  <p:cSld>
+    <p:spTree>
+      <p:nvGrpSpPr>
+        <p:cNvPr id="1" name=""/>
+        <p:cNvGrpSpPr/>
+        <p:nvPr/>
+      </p:nvGrpSpPr>
+      <p:grpSpPr>
+        <a:xfrm>
+          <a:off x="0" y="0"/>
+          <a:ext cx="0" cy="0"/>
+          <a:chOff x="0" y="0"/>
+          <a:chExt cx="0" cy="0"/>
+        </a:xfrm>
+      </p:grpSpPr>
+      <p:sp>
+        <p:nvSpPr>
+          <p:cNvPr id="7" name="Title 2"/>
+          <p:cNvSpPr>
+            <a:spLocks noGrp="1"/>
+          </p:cNvSpPr>
+          <p:nvPr>
+            <p:ph type="title"/>
+          </p:nvPr>
+        </p:nvSpPr>
+        <p:spPr>
+          <a:xfrm>
+            <a:off x="381000" y="2209800"/>
+            <a:ext cx="8458200" cy="3581400"/>
+          </a:xfrm>
+        </p:spPr>
+        <p:txBody>
+          <a:bodyPr>
+            <a:normAutofit/>
+          </a:bodyPr>
+          <a:lstStyle/>
+          <a:p>
+            <a:pPr algn="ctr"/>
+            <a:r>
+              <a:rPr lang="en-US" sz="2400" i="0" dirty="0" smtClean="0"/>
+              <a:t/>
+            </a:r>
+            <a:br>
+              <a:rPr lang="en-US" sz="2400" i="0" dirty="0" smtClean="0"/>
+            </a:br>
+            <a:r>
+              <a:rPr lang="en-US" sz="2400" i="0" dirty="0" smtClean="0"/>
+              <a:t/>
+            </a:r>
+            <a:br>
+              <a:rPr lang="en-US" sz="2400" i="0" dirty="0" smtClean="0"/>
+            </a:br>
+            <a:r>
+              <a:rPr lang="en-US" sz="2400" i="0" dirty="0"/>
+              <a:t/>
+            </a:r>
+            <a:br>
+              <a:rPr lang="en-US" sz="2400" i="0" dirty="0"/>
+            </a:br>
+            <a:r>
+              <a:rPr lang="en-US" sz="2400" i="0" dirty="0" smtClean="0"/>
+              <a:t/>
+            </a:r>
+            <a:br>
+              <a:rPr lang="en-US" sz="2400" i="0" dirty="0" smtClean="0"/>
+            </a:br>
+            <a:r>
+              <a:rPr lang="en-US" dirty="0"/>
+              <a:t/>
+            </a:r>
+            <a:br>
+              <a:rPr lang="en-US" dirty="0"/>
+            </a:br>
+            <a:endParaRPr lang="en-US" dirty="0"/>
+          </a:p>
+        </p:txBody>
+      </p:sp>
+      <p:sp>
+        <p:nvSpPr>
+          <p:cNvPr id="3" name="TextBox 2"/>
+          <p:cNvSpPr txBox="1"/>
+          <p:nvPr/>
+        </p:nvSpPr>
+        <p:spPr>
+          <a:xfrm>
+            <a:off x="2209800" y="6324600"/>
+            <a:ext cx="5638800" cy="369332"/>
+          </a:xfrm>
+          <a:prstGeom prst="rect">
+            <a:avLst/>
+          </a:prstGeom>
+          <a:noFill/>
+        </p:spPr>
+        <p:txBody>
+          <a:bodyPr wrap="square" rtlCol="0">
+            <a:spAutoFit/>
+          </a:bodyPr>
+          <a:lstStyle/>
+          <a:p>
+            <a:pPr algn="ctr"/>
+            <a:r>
+              <a:rPr lang="en-US" dirty="0" smtClean="0">
+                <a:latin typeface="+mj-lt"/>
+              </a:rPr>
+              <a:t>Communication Diagram</a:t>
+            </a:r>
+            <a:endParaRPr lang="en-US" dirty="0">
+              <a:latin typeface="+mj-lt"/>
+            </a:endParaRPr>
+          </a:p>
+        </p:txBody>
+      </p:sp>
+      <p:pic>
+        <p:nvPicPr>
+          <p:cNvPr id="5" name="Picture 4" descr="C:\Users\Caryl Johanan\Downloads\SPA_COMMUNICATION_DIAGRAM_FINAL.jpg"/>
+          <p:cNvPicPr/>
+          <p:nvPr/>
+        </p:nvPicPr>
+        <p:blipFill>
+          <a:blip r:embed="rId2">
+            <a:extLst>
+              <a:ext uri="{28A0092B-C50C-407E-A947-70E740481C1C}">
+                <a14:useLocalDpi xmlns:a14="http://schemas.microsoft.com/office/drawing/2010/main" val="0"/>
+              </a:ext>
+            </a:extLst>
+          </a:blip>
+          <a:srcRect/>
+          <a:stretch>
+            <a:fillRect/>
+          </a:stretch>
+        </p:blipFill>
+        <p:spPr bwMode="auto">
+          <a:xfrm>
+            <a:off x="228600" y="609600"/>
+            <a:ext cx="8763000" cy="4874895"/>
+          </a:xfrm>
+          <a:prstGeom prst="rect">
+            <a:avLst/>
+          </a:prstGeom>
+          <a:noFill/>
+          <a:ln>
+            <a:noFill/>
+          </a:ln>
+        </p:spPr>
+      </p:pic>
+    </p:spTree>
+    <p:extLst>
+      <p:ext uri="{BB962C8B-B14F-4D97-AF65-F5344CB8AC3E}">
+        <p14:creationId xmlns:p14="http://schemas.microsoft.com/office/powerpoint/2010/main" val="3262449271"/>
+      </p:ext>
+    </p:extLst>
+  </p:cSld>
+  <p:clrMapOvr>
+    <a:masterClrMapping/>
+  </p:clrMapOvr>
+  <p:timing>
+    <p:tnLst>
+      <p:par>
+        <p:cTn id="1" dur="indefinite" restart="never" nodeType="tmRoot"/>
+      </p:par>
+    </p:tnLst>
+  </p:timing>
+</p:sld>
+</file>
+
+<file path=ppt/slides/slide42.xml><?xml version="1.0" encoding="utf-8"?>
+<p:sld xmlns:a="http://schemas.openxmlformats.org/drawingml/2006/main" xmlns:r="http://schemas.openxmlformats.org/officeDocument/2006/relationships" xmlns:p="http://schemas.openxmlformats.org/presentationml/2006/main">
+  <p:cSld>
+    <p:spTree>
+      <p:nvGrpSpPr>
+        <p:cNvPr id="1" name=""/>
+        <p:cNvGrpSpPr/>
+        <p:nvPr/>
+      </p:nvGrpSpPr>
+      <p:grpSpPr>
+        <a:xfrm>
+          <a:off x="0" y="0"/>
+          <a:ext cx="0" cy="0"/>
+          <a:chOff x="0" y="0"/>
+          <a:chExt cx="0" cy="0"/>
+        </a:xfrm>
+      </p:grpSpPr>
+      <p:sp>
+        <p:nvSpPr>
+          <p:cNvPr id="7" name="Title 2"/>
+          <p:cNvSpPr>
+            <a:spLocks noGrp="1"/>
+          </p:cNvSpPr>
+          <p:nvPr>
+            <p:ph type="title"/>
+          </p:nvPr>
+        </p:nvSpPr>
+        <p:spPr>
+          <a:xfrm>
+            <a:off x="381000" y="2209800"/>
+            <a:ext cx="8458200" cy="3581400"/>
+          </a:xfrm>
+        </p:spPr>
+        <p:txBody>
+          <a:bodyPr>
+            <a:normAutofit/>
+          </a:bodyPr>
+          <a:lstStyle/>
+          <a:p>
+            <a:pPr algn="ctr"/>
+            <a:r>
+              <a:rPr lang="en-US" sz="2400" i="0" dirty="0" smtClean="0"/>
+              <a:t/>
+            </a:r>
+            <a:br>
+              <a:rPr lang="en-US" sz="2400" i="0" dirty="0" smtClean="0"/>
+            </a:br>
+            <a:r>
+              <a:rPr lang="en-US" sz="2400" i="0" dirty="0" smtClean="0"/>
+              <a:t/>
+            </a:r>
+            <a:br>
+              <a:rPr lang="en-US" sz="2400" i="0" dirty="0" smtClean="0"/>
+            </a:br>
+            <a:r>
+              <a:rPr lang="en-US" sz="2400" i="0" dirty="0"/>
+              <a:t/>
+            </a:r>
+            <a:br>
+              <a:rPr lang="en-US" sz="2400" i="0" dirty="0"/>
+            </a:br>
+            <a:r>
+              <a:rPr lang="en-US" sz="2400" i="0" dirty="0" smtClean="0"/>
+              <a:t/>
+            </a:r>
+            <a:br>
+              <a:rPr lang="en-US" sz="2400" i="0" dirty="0" smtClean="0"/>
+            </a:br>
+            <a:r>
+              <a:rPr lang="en-US" dirty="0"/>
+              <a:t/>
+            </a:r>
+            <a:br>
+              <a:rPr lang="en-US" dirty="0"/>
+            </a:br>
+            <a:endParaRPr lang="en-US" dirty="0"/>
+          </a:p>
+        </p:txBody>
+      </p:sp>
+      <p:sp>
+        <p:nvSpPr>
           <p:cNvPr id="8" name="Text Placeholder 4"/>
           <p:cNvSpPr>
             <a:spLocks noGrp="1"/>
@@ -11482,8 +11943,8 @@
         </p:nvSpPr>
         <p:spPr>
           <a:xfrm>
-            <a:off x="381000" y="210355"/>
-            <a:ext cx="8458200" cy="762000"/>
+            <a:off x="104236" y="6172200"/>
+            <a:ext cx="8734964" cy="762000"/>
           </a:xfrm>
         </p:spPr>
         <p:txBody>
@@ -11514,14 +11975,14 @@
           <p:nvPr>
             <p:extLst>
               <p:ext uri="{D42A27DB-BD31-4B8C-83A1-F6EECF244321}">
-                <p14:modId xmlns:p14="http://schemas.microsoft.com/office/powerpoint/2010/main" val="1929868965"/>
+                <p14:modId xmlns:p14="http://schemas.microsoft.com/office/powerpoint/2010/main" val="138187835"/>
               </p:ext>
             </p:extLst>
           </p:nvPr>
         </p:nvGraphicFramePr>
         <p:xfrm>
-          <a:off x="381000" y="838200"/>
-          <a:ext cx="8191500" cy="5189865"/>
+          <a:off x="237586" y="152400"/>
+          <a:ext cx="8449214" cy="5791200"/>
         </p:xfrm>
         <a:graphic>
           <a:graphicData uri="http://schemas.openxmlformats.org/drawingml/2006/table">
@@ -11530,11 +11991,11 @@
                 <a:tableStyleId>{073A0DAA-6AF3-43AB-8588-CEC1D06C72B9}</a:tableStyleId>
               </a:tblPr>
               <a:tblGrid>
-                <a:gridCol w="2729916"/>
-                <a:gridCol w="2730792"/>
-                <a:gridCol w="2730792"/>
+                <a:gridCol w="2815802"/>
+                <a:gridCol w="2816706"/>
+                <a:gridCol w="2816706"/>
               </a:tblGrid>
-              <a:tr h="314021">
+              <a:tr h="278695">
                 <a:tc>
                   <a:txBody>
                     <a:bodyPr/>
@@ -11632,7 +12093,7 @@
                   <a:tcPr marL="54131" marR="54131" marT="0" marB="0" anchor="ctr"/>
                 </a:tc>
               </a:tr>
-              <a:tr h="1345061">
+              <a:tr h="1387894">
                 <a:tc>
                   <a:txBody>
                     <a:bodyPr/>
@@ -11682,12 +12143,12 @@
                         </a:spcAft>
                       </a:pPr>
                       <a:r>
-                        <a:rPr lang="en-US" sz="1200">
+                        <a:rPr lang="en-US" sz="1200" dirty="0">
                           <a:effectLst/>
                         </a:rPr>
                         <a:t>All processes in the Asmara Spa is manual. In line with this, a lot of errors could occur. (e.g. lost appointments, wrong dates written on appointments)</a:t>
                       </a:r>
-                      <a:endParaRPr lang="en-US" sz="1200">
+                      <a:endParaRPr lang="en-US" sz="1200" dirty="0">
                         <a:effectLst/>
                         <a:latin typeface="Calibri" panose="020F0502020204030204" pitchFamily="34" charset="0"/>
                         <a:ea typeface="Calibri" panose="020F0502020204030204" pitchFamily="34" charset="0"/>
@@ -11730,7 +12191,7 @@
                   <a:tcPr marL="54131" marR="54131" marT="0" marB="0" anchor="ctr"/>
                 </a:tc>
               </a:tr>
-              <a:tr h="1008795">
+              <a:tr h="920702">
                 <a:tc>
                   <a:txBody>
                     <a:bodyPr/>
@@ -11828,7 +12289,7 @@
                   <a:tcPr marL="54131" marR="54131" marT="0" marB="0" anchor="ctr"/>
                 </a:tc>
               </a:tr>
-              <a:tr h="1008795">
+              <a:tr h="920702">
                 <a:tc>
                   <a:txBody>
                     <a:bodyPr/>
@@ -11846,12 +12307,12 @@
                         </a:spcAft>
                       </a:pPr>
                       <a:r>
-                        <a:rPr lang="en-US" sz="1200">
+                        <a:rPr lang="en-US" sz="1200" dirty="0">
                           <a:effectLst/>
                         </a:rPr>
                         <a:t>To reduce the amount of time and resources needed in the booking process</a:t>
                       </a:r>
-                      <a:endParaRPr lang="en-US" sz="1200">
+                      <a:endParaRPr lang="en-US" sz="1200" dirty="0">
                         <a:effectLst/>
                         <a:latin typeface="Calibri" panose="020F0502020204030204" pitchFamily="34" charset="0"/>
                         <a:ea typeface="Calibri" panose="020F0502020204030204" pitchFamily="34" charset="0"/>
@@ -11878,12 +12339,12 @@
                         </a:spcAft>
                       </a:pPr>
                       <a:r>
-                        <a:rPr lang="en-US" sz="1200">
+                        <a:rPr lang="en-US" sz="1200" dirty="0">
                           <a:effectLst/>
                         </a:rPr>
                         <a:t>In a manual work process, with errors occurring , a lot of time could be wasted fixing mistakes and it would require several people to do a certain task</a:t>
                       </a:r>
-                      <a:endParaRPr lang="en-US" sz="1200">
+                      <a:endParaRPr lang="en-US" sz="1200" dirty="0">
                         <a:effectLst/>
                         <a:latin typeface="Calibri" panose="020F0502020204030204" pitchFamily="34" charset="0"/>
                         <a:ea typeface="Calibri" panose="020F0502020204030204" pitchFamily="34" charset="0"/>
@@ -11926,7 +12387,114 @@
                   <a:tcPr marL="54131" marR="54131" marT="0" marB="0" anchor="ctr"/>
                 </a:tc>
               </a:tr>
-              <a:tr h="1513193">
+              <a:tr h="895313">
+                <a:tc>
+                  <a:txBody>
+                    <a:bodyPr/>
+                    <a:lstStyle/>
+                    <a:p>
+                      <a:pPr marL="0" marR="0">
+                        <a:lnSpc>
+                          <a:spcPct val="115000"/>
+                        </a:lnSpc>
+                        <a:spcBef>
+                          <a:spcPts val="0"/>
+                        </a:spcBef>
+                        <a:spcAft>
+                          <a:spcPts val="1000"/>
+                        </a:spcAft>
+                      </a:pPr>
+                      <a:r>
+                        <a:rPr lang="en-US" sz="1200" b="1" dirty="0">
+                          <a:effectLst/>
+                          <a:latin typeface="+mn-lt"/>
+                          <a:ea typeface="Calibri" panose="020F0502020204030204" pitchFamily="34" charset="0"/>
+                          <a:cs typeface="Times New Roman" panose="02020603050405020304" pitchFamily="18" charset="0"/>
+                        </a:rPr>
+                        <a:t>To convert the spa’s work environment into a paperless office</a:t>
+                      </a:r>
+                      <a:endParaRPr lang="en-US" sz="1100" dirty="0">
+                        <a:effectLst/>
+                        <a:latin typeface="+mn-lt"/>
+                        <a:ea typeface="Calibri" panose="020F0502020204030204" pitchFamily="34" charset="0"/>
+                        <a:cs typeface="Times New Roman" panose="02020603050405020304" pitchFamily="18" charset="0"/>
+                      </a:endParaRPr>
+                    </a:p>
+                  </a:txBody>
+                  <a:tcPr marL="68580" marR="68580" marT="0" marB="0"/>
+                </a:tc>
+                <a:tc>
+                  <a:txBody>
+                    <a:bodyPr/>
+                    <a:lstStyle/>
+                    <a:p>
+                      <a:pPr marL="0" marR="0">
+                        <a:lnSpc>
+                          <a:spcPct val="115000"/>
+                        </a:lnSpc>
+                        <a:spcBef>
+                          <a:spcPts val="0"/>
+                        </a:spcBef>
+                        <a:spcAft>
+                          <a:spcPts val="1000"/>
+                        </a:spcAft>
+                      </a:pPr>
+                      <a:r>
+                        <a:rPr lang="en-US" sz="1200" b="0" dirty="0">
+                          <a:effectLst/>
+                          <a:latin typeface="+mn-lt"/>
+                          <a:ea typeface="Calibri" panose="020F0502020204030204" pitchFamily="34" charset="0"/>
+                          <a:cs typeface="Times New Roman" panose="02020603050405020304" pitchFamily="18" charset="0"/>
+                        </a:rPr>
+                        <a:t>Since every booking is manually done, it is assumed that they are currently logged into a log book or slips are compiled into a folder.</a:t>
+                      </a:r>
+                      <a:endParaRPr lang="en-US" sz="1100" b="0" dirty="0">
+                        <a:effectLst/>
+                        <a:latin typeface="+mn-lt"/>
+                        <a:ea typeface="Calibri" panose="020F0502020204030204" pitchFamily="34" charset="0"/>
+                        <a:cs typeface="Times New Roman" panose="02020603050405020304" pitchFamily="18" charset="0"/>
+                      </a:endParaRPr>
+                    </a:p>
+                  </a:txBody>
+                  <a:tcPr marL="68580" marR="68580" marT="0" marB="0"/>
+                </a:tc>
+                <a:tc>
+                  <a:txBody>
+                    <a:bodyPr/>
+                    <a:lstStyle/>
+                    <a:p>
+                      <a:pPr marL="0" marR="0">
+                        <a:lnSpc>
+                          <a:spcPct val="115000"/>
+                        </a:lnSpc>
+                        <a:spcBef>
+                          <a:spcPts val="0"/>
+                        </a:spcBef>
+                        <a:spcAft>
+                          <a:spcPts val="1000"/>
+                        </a:spcAft>
+                      </a:pPr>
+                      <a:r>
+                        <a:rPr lang="en-US" sz="1200" b="0" dirty="0">
+                          <a:effectLst/>
+                          <a:latin typeface="+mn-lt"/>
+                          <a:ea typeface="Calibri" panose="020F0502020204030204" pitchFamily="34" charset="0"/>
+                          <a:cs typeface="Times New Roman" panose="02020603050405020304" pitchFamily="18" charset="0"/>
+                        </a:rPr>
+                        <a:t>With the use of the system, the use of paper will gradually lessen.</a:t>
+                      </a:r>
+                      <a:endParaRPr lang="en-US" sz="1100" b="0" dirty="0">
+                        <a:effectLst/>
+                        <a:latin typeface="+mn-lt"/>
+                        <a:ea typeface="Calibri" panose="020F0502020204030204" pitchFamily="34" charset="0"/>
+                        <a:cs typeface="Times New Roman" panose="02020603050405020304" pitchFamily="18" charset="0"/>
+                      </a:endParaRPr>
+                    </a:p>
+                  </a:txBody>
+                  <a:tcPr marL="68580" marR="68580" marT="0" marB="0"/>
+                </a:tc>
+              </a:tr>
+              <a:tr h="1387894">
                 <a:tc>
                   <a:txBody>
                     <a:bodyPr/>
@@ -12077,19 +12645,35 @@
         </p:nvSpPr>
         <p:spPr>
           <a:xfrm>
-            <a:off x="3657600" y="228600"/>
-            <a:ext cx="4686299" cy="6248400"/>
+            <a:off x="3657600" y="685800"/>
+            <a:ext cx="4686299" cy="5791200"/>
           </a:xfrm>
         </p:spPr>
         <p:txBody>
           <a:bodyPr>
-            <a:normAutofit fontScale="92500" lnSpcReduction="10000"/>
+            <a:normAutofit lnSpcReduction="10000"/>
           </a:bodyPr>
           <a:lstStyle/>
           <a:p>
             <a:r>
               <a:rPr lang="en-US" sz="1800" dirty="0"/>
-              <a:t>The proposed system will be handling reservation requests from hotel guests, walk-in customers, and online submissions. </a:t>
+              <a:t>The proposed system will be handling reservation requests from </a:t>
+            </a:r>
+            <a:r>
+              <a:rPr lang="en-US" sz="1800" dirty="0" smtClean="0"/>
+              <a:t>walk-in customers and </a:t>
+            </a:r>
+            <a:r>
+              <a:rPr lang="en-US" sz="1800" dirty="0"/>
+              <a:t>online </a:t>
+            </a:r>
+            <a:r>
+              <a:rPr lang="en-US" sz="1800" dirty="0" smtClean="0"/>
+              <a:t>submissions</a:t>
+            </a:r>
+            <a:r>
+              <a:rPr lang="en-US" sz="1800" dirty="0"/>
+              <a:t>.</a:t>
             </a:r>
             <a:endParaRPr lang="en-US" sz="1800" dirty="0" smtClean="0"/>
           </a:p>
@@ -12118,82 +12702,23 @@
             </a:r>
             <a:r>
               <a:rPr lang="en-US" sz="1800" dirty="0" smtClean="0"/>
-              <a:t>to.</a:t>
-            </a:r>
-          </a:p>
-          <a:p>
+              <a:t>to</a:t>
+            </a:r>
             <a:r>
               <a:rPr lang="en-US" sz="1800" dirty="0" smtClean="0"/>
-              <a:t>This </a:t>
-            </a:r>
+              <a:t>.</a:t>
+            </a:r>
+          </a:p>
+          <a:p>
             <a:r>
               <a:rPr lang="en-US" sz="1800" dirty="0"/>
-              <a:t>system </a:t>
+              <a:t>The system will inform each customer of how much their reservation costs and keeps track of the status of their balance. Transactions will have to be made at the spa itself, not at the hotel whether they are checked in or not</a:t>
             </a:r>
             <a:r>
               <a:rPr lang="en-US" sz="1800" dirty="0" smtClean="0"/>
-              <a:t>doesn’t </a:t>
-            </a:r>
-            <a:r>
-              <a:rPr lang="en-US" sz="1800" dirty="0"/>
-              <a:t>cover payment </a:t>
-            </a:r>
-            <a:r>
-              <a:rPr lang="en-US" sz="1800" dirty="0" smtClean="0"/>
-              <a:t>transactions.</a:t>
-            </a:r>
-          </a:p>
-          <a:p>
-            <a:r>
-              <a:rPr lang="en-US" sz="1800" dirty="0"/>
-              <a:t>D</a:t>
-            </a:r>
-            <a:r>
-              <a:rPr lang="en-US" sz="1800" dirty="0" smtClean="0"/>
-              <a:t>oesn't </a:t>
-            </a:r>
-            <a:r>
-              <a:rPr lang="en-US" sz="1800" dirty="0"/>
-              <a:t>cover the staff's attendance as it is handled by the HR department. </a:t>
-            </a:r>
-            <a:endParaRPr lang="en-US" sz="1800" dirty="0" smtClean="0"/>
-          </a:p>
-          <a:p>
-            <a:r>
-              <a:rPr lang="en-US" sz="1800" dirty="0" smtClean="0"/>
-              <a:t>Assumptions: </a:t>
-            </a:r>
-          </a:p>
-          <a:p>
-            <a:pPr lvl="1"/>
-            <a:r>
-              <a:rPr lang="en-US" sz="1600" dirty="0" smtClean="0"/>
-              <a:t>Price of </a:t>
-            </a:r>
-            <a:r>
-              <a:rPr lang="en-US" sz="1600" dirty="0"/>
-              <a:t>the service will depend on the service's </a:t>
-            </a:r>
-            <a:r>
-              <a:rPr lang="en-US" sz="1600" dirty="0" smtClean="0"/>
-              <a:t>duration.</a:t>
-            </a:r>
-          </a:p>
-          <a:p>
-            <a:pPr lvl="1"/>
-            <a:r>
-              <a:rPr lang="en-US" sz="1600" dirty="0" smtClean="0"/>
-              <a:t>Staff </a:t>
-            </a:r>
-            <a:r>
-              <a:rPr lang="en-US" sz="1600" dirty="0"/>
-              <a:t>members are well-rounded and has their own fixed schedule to provide the services</a:t>
-            </a:r>
-            <a:r>
-              <a:rPr lang="en-US" sz="1600" dirty="0" smtClean="0"/>
               <a:t>.</a:t>
             </a:r>
-            <a:endParaRPr lang="en-US" sz="1600" dirty="0"/>
+            <a:endParaRPr lang="en-US" sz="1800" dirty="0"/>
           </a:p>
         </p:txBody>
       </p:sp>
@@ -12300,6 +12825,324 @@
       </p:grpSpPr>
       <p:sp>
         <p:nvSpPr>
+          <p:cNvPr id="3" name="Content Placeholder 2"/>
+          <p:cNvSpPr>
+            <a:spLocks noGrp="1"/>
+          </p:cNvSpPr>
+          <p:nvPr>
+            <p:ph idx="1"/>
+          </p:nvPr>
+        </p:nvSpPr>
+        <p:spPr>
+          <a:xfrm>
+            <a:off x="3733800" y="1524000"/>
+            <a:ext cx="4686299" cy="3581400"/>
+          </a:xfrm>
+        </p:spPr>
+        <p:txBody>
+          <a:bodyPr>
+            <a:normAutofit/>
+          </a:bodyPr>
+          <a:lstStyle/>
+          <a:p>
+            <a:pPr lvl="0"/>
+            <a:r>
+              <a:rPr lang="en-US" sz="1800" dirty="0"/>
+              <a:t>For the payment option to be fully functional, the client may have to pay a certain fee to enable it.</a:t>
+            </a:r>
+          </a:p>
+          <a:p>
+            <a:pPr lvl="0"/>
+            <a:r>
+              <a:rPr lang="en-US" sz="1800" dirty="0"/>
+              <a:t>An SMS feature is supposed to be added to the system to notify users when their booking time is near. Unfortunately, this feature also requires a certain fee for it to be enabled.</a:t>
+            </a:r>
+          </a:p>
+          <a:p>
+            <a:pPr lvl="0"/>
+            <a:r>
+              <a:rPr lang="en-US" sz="1800" dirty="0"/>
+              <a:t>Monitoring of the spa assistants’ attendance is not included in the features of this system</a:t>
+            </a:r>
+            <a:r>
+              <a:rPr lang="en-US" sz="1800" dirty="0" smtClean="0"/>
+              <a:t>.</a:t>
+            </a:r>
+            <a:endParaRPr lang="en-US" sz="1800" dirty="0"/>
+          </a:p>
+        </p:txBody>
+      </p:sp>
+      <p:sp>
+        <p:nvSpPr>
+          <p:cNvPr id="6" name="Title 2"/>
+          <p:cNvSpPr>
+            <a:spLocks noGrp="1"/>
+          </p:cNvSpPr>
+          <p:nvPr>
+            <p:ph type="title"/>
+          </p:nvPr>
+        </p:nvSpPr>
+        <p:spPr>
+          <a:xfrm>
+            <a:off x="304800" y="685800"/>
+            <a:ext cx="2875430" cy="4952492"/>
+          </a:xfrm>
+        </p:spPr>
+        <p:txBody>
+          <a:bodyPr/>
+          <a:lstStyle/>
+          <a:p>
+            <a:pPr algn="ctr"/>
+            <a:r>
+              <a:rPr lang="en-US" sz="2400" i="0" dirty="0" smtClean="0"/>
+              <a:t>INTRODUCTION</a:t>
+            </a:r>
+            <a:br>
+              <a:rPr lang="en-US" sz="2400" i="0" dirty="0" smtClean="0"/>
+            </a:br>
+            <a:r>
+              <a:rPr lang="en-US" sz="2400" i="0" dirty="0" smtClean="0"/>
+              <a:t/>
+            </a:r>
+            <a:br>
+              <a:rPr lang="en-US" sz="2400" i="0" dirty="0" smtClean="0"/>
+            </a:br>
+            <a:r>
+              <a:rPr lang="en-US" sz="2400" i="0" dirty="0"/>
+              <a:t/>
+            </a:r>
+            <a:br>
+              <a:rPr lang="en-US" sz="2400" i="0" dirty="0"/>
+            </a:br>
+            <a:r>
+              <a:rPr lang="en-US" sz="2400" i="0" dirty="0" smtClean="0"/>
+              <a:t/>
+            </a:r>
+            <a:br>
+              <a:rPr lang="en-US" sz="2400" i="0" dirty="0" smtClean="0"/>
+            </a:br>
+            <a:r>
+              <a:rPr lang="en-US" dirty="0"/>
+              <a:t/>
+            </a:r>
+            <a:br>
+              <a:rPr lang="en-US" dirty="0"/>
+            </a:br>
+            <a:r>
+              <a:rPr lang="en-US" dirty="0" smtClean="0"/>
+              <a:t>Scope and Limitations</a:t>
+            </a:r>
+            <a:endParaRPr lang="en-US" dirty="0"/>
+          </a:p>
+        </p:txBody>
+      </p:sp>
+    </p:spTree>
+    <p:extLst>
+      <p:ext uri="{BB962C8B-B14F-4D97-AF65-F5344CB8AC3E}">
+        <p14:creationId xmlns:p14="http://schemas.microsoft.com/office/powerpoint/2010/main" val="3728957489"/>
+      </p:ext>
+    </p:extLst>
+  </p:cSld>
+  <p:clrMapOvr>
+    <a:masterClrMapping/>
+  </p:clrMapOvr>
+  <p:timing>
+    <p:tnLst>
+      <p:par>
+        <p:cTn id="1" dur="indefinite" restart="never" nodeType="tmRoot"/>
+      </p:par>
+    </p:tnLst>
+  </p:timing>
+</p:sld>
+</file>
+
+<file path=ppt/slides/slide7.xml><?xml version="1.0" encoding="utf-8"?>
+<p:sld xmlns:a="http://schemas.openxmlformats.org/drawingml/2006/main" xmlns:r="http://schemas.openxmlformats.org/officeDocument/2006/relationships" xmlns:p="http://schemas.openxmlformats.org/presentationml/2006/main">
+  <p:cSld>
+    <p:spTree>
+      <p:nvGrpSpPr>
+        <p:cNvPr id="1" name=""/>
+        <p:cNvGrpSpPr/>
+        <p:nvPr/>
+      </p:nvGrpSpPr>
+      <p:grpSpPr>
+        <a:xfrm>
+          <a:off x="0" y="0"/>
+          <a:ext cx="0" cy="0"/>
+          <a:chOff x="0" y="0"/>
+          <a:chExt cx="0" cy="0"/>
+        </a:xfrm>
+      </p:grpSpPr>
+      <p:sp>
+        <p:nvSpPr>
+          <p:cNvPr id="3" name="Content Placeholder 2"/>
+          <p:cNvSpPr>
+            <a:spLocks noGrp="1"/>
+          </p:cNvSpPr>
+          <p:nvPr>
+            <p:ph idx="1"/>
+          </p:nvPr>
+        </p:nvSpPr>
+        <p:spPr>
+          <a:xfrm>
+            <a:off x="3886200" y="1104646"/>
+            <a:ext cx="4686299" cy="4114800"/>
+          </a:xfrm>
+        </p:spPr>
+        <p:txBody>
+          <a:bodyPr>
+            <a:normAutofit/>
+          </a:bodyPr>
+          <a:lstStyle/>
+          <a:p>
+            <a:pPr lvl="1">
+              <a:buFont typeface="Arial" panose="020B0604020202020204" pitchFamily="34" charset="0"/>
+              <a:buChar char="•"/>
+            </a:pPr>
+            <a:r>
+              <a:rPr lang="en-US" dirty="0"/>
+              <a:t>The pricing for the services offered by the spa is dependent on the service’s duration itself.</a:t>
+            </a:r>
+          </a:p>
+          <a:p>
+            <a:pPr lvl="1">
+              <a:buFont typeface="Arial" panose="020B0604020202020204" pitchFamily="34" charset="0"/>
+              <a:buChar char="•"/>
+            </a:pPr>
+            <a:r>
+              <a:rPr lang="en-US" dirty="0"/>
+              <a:t>The spa’s attendants are well-rounded and has their fixed schedule to provide any requested services by the customers.</a:t>
+            </a:r>
+          </a:p>
+          <a:p>
+            <a:pPr lvl="1">
+              <a:buFont typeface="Arial" panose="020B0604020202020204" pitchFamily="34" charset="0"/>
+              <a:buChar char="•"/>
+            </a:pPr>
+            <a:r>
+              <a:rPr lang="en-US" dirty="0"/>
+              <a:t>The spa’s receptionist and the marketing department head are the administrators of the system. Both of them will have access to the bookings.</a:t>
+            </a:r>
+          </a:p>
+          <a:p>
+            <a:pPr lvl="1">
+              <a:buFont typeface="Arial" panose="020B0604020202020204" pitchFamily="34" charset="0"/>
+              <a:buChar char="•"/>
+            </a:pPr>
+            <a:endParaRPr lang="en-US" dirty="0"/>
+          </a:p>
+        </p:txBody>
+      </p:sp>
+      <p:sp>
+        <p:nvSpPr>
+          <p:cNvPr id="6" name="Title 2"/>
+          <p:cNvSpPr>
+            <a:spLocks noGrp="1"/>
+          </p:cNvSpPr>
+          <p:nvPr>
+            <p:ph type="title"/>
+          </p:nvPr>
+        </p:nvSpPr>
+        <p:spPr>
+          <a:xfrm>
+            <a:off x="304800" y="685800"/>
+            <a:ext cx="3048000" cy="4952492"/>
+          </a:xfrm>
+        </p:spPr>
+        <p:txBody>
+          <a:bodyPr/>
+          <a:lstStyle/>
+          <a:p>
+            <a:pPr algn="ctr"/>
+            <a:r>
+              <a:rPr lang="en-US" sz="2400" i="0" dirty="0" smtClean="0"/>
+              <a:t>INTRODUCTION</a:t>
+            </a:r>
+            <a:br>
+              <a:rPr lang="en-US" sz="2400" i="0" dirty="0" smtClean="0"/>
+            </a:br>
+            <a:r>
+              <a:rPr lang="en-US" sz="2400" i="0" dirty="0" smtClean="0"/>
+              <a:t/>
+            </a:r>
+            <a:br>
+              <a:rPr lang="en-US" sz="2400" i="0" dirty="0" smtClean="0"/>
+            </a:br>
+            <a:r>
+              <a:rPr lang="en-US" sz="2400" i="0" dirty="0"/>
+              <a:t/>
+            </a:r>
+            <a:br>
+              <a:rPr lang="en-US" sz="2400" i="0" dirty="0"/>
+            </a:br>
+            <a:r>
+              <a:rPr lang="en-US" sz="2400" i="0" dirty="0" smtClean="0"/>
+              <a:t/>
+            </a:r>
+            <a:br>
+              <a:rPr lang="en-US" sz="2400" i="0" dirty="0" smtClean="0"/>
+            </a:br>
+            <a:r>
+              <a:rPr lang="en-US" sz="2400" i="0" dirty="0" smtClean="0"/>
+              <a:t/>
+            </a:r>
+            <a:br>
+              <a:rPr lang="en-US" sz="2400" i="0" dirty="0" smtClean="0"/>
+            </a:br>
+            <a:r>
+              <a:rPr lang="en-US" dirty="0"/>
+              <a:t/>
+            </a:r>
+            <a:br>
+              <a:rPr lang="en-US" dirty="0"/>
+            </a:br>
+            <a:r>
+              <a:rPr lang="en-US" dirty="0" smtClean="0"/>
+              <a:t>Assumptions</a:t>
+            </a:r>
+            <a:endParaRPr lang="en-US" dirty="0"/>
+          </a:p>
+        </p:txBody>
+      </p:sp>
+    </p:spTree>
+    <p:extLst>
+      <p:ext uri="{BB962C8B-B14F-4D97-AF65-F5344CB8AC3E}">
+        <p14:creationId xmlns:p14="http://schemas.microsoft.com/office/powerpoint/2010/main" val="2576217239"/>
+      </p:ext>
+    </p:extLst>
+  </p:cSld>
+  <p:clrMapOvr>
+    <a:masterClrMapping/>
+  </p:clrMapOvr>
+  <p:timing>
+    <p:tnLst>
+      <p:par>
+        <p:cTn id="1" dur="indefinite" restart="never" nodeType="tmRoot"/>
+      </p:par>
+    </p:tnLst>
+  </p:timing>
+</p:sld>
+</file>
+
+<file path=ppt/slides/slide8.xml><?xml version="1.0" encoding="utf-8"?>
+<p:sld xmlns:a="http://schemas.openxmlformats.org/drawingml/2006/main" xmlns:r="http://schemas.openxmlformats.org/officeDocument/2006/relationships" xmlns:p="http://schemas.openxmlformats.org/presentationml/2006/main">
+  <p:cSld>
+    <p:spTree>
+      <p:nvGrpSpPr>
+        <p:cNvPr id="1" name=""/>
+        <p:cNvGrpSpPr/>
+        <p:nvPr/>
+      </p:nvGrpSpPr>
+      <p:grpSpPr>
+        <a:xfrm>
+          <a:off x="0" y="0"/>
+          <a:ext cx="0" cy="0"/>
+          <a:chOff x="0" y="0"/>
+          <a:chExt cx="0" cy="0"/>
+        </a:xfrm>
+      </p:grpSpPr>
+      <p:sp>
+        <p:nvSpPr>
           <p:cNvPr id="5" name="Title 4"/>
           <p:cNvSpPr>
             <a:spLocks noGrp="1"/>
@@ -12346,14 +13189,14 @@
             <p:ph idx="1"/>
             <p:extLst>
               <p:ext uri="{D42A27DB-BD31-4B8C-83A1-F6EECF244321}">
-                <p14:modId xmlns:p14="http://schemas.microsoft.com/office/powerpoint/2010/main" val="1211408004"/>
+                <p14:modId xmlns:p14="http://schemas.microsoft.com/office/powerpoint/2010/main" val="3329718133"/>
               </p:ext>
             </p:extLst>
           </p:nvPr>
         </p:nvGraphicFramePr>
         <p:xfrm>
           <a:off x="218535" y="888121"/>
-          <a:ext cx="8620665" cy="5207878"/>
+          <a:ext cx="8163464" cy="5207878"/>
         </p:xfrm>
         <a:graphic>
           <a:graphicData uri="http://schemas.openxmlformats.org/drawingml/2006/table">
@@ -12362,12 +13205,10 @@
                 <a:tableStyleId>{073A0DAA-6AF3-43AB-8588-CEC1D06C72B9}</a:tableStyleId>
               </a:tblPr>
               <a:tblGrid>
-                <a:gridCol w="1441080"/>
-                <a:gridCol w="1432781"/>
-                <a:gridCol w="1441080"/>
-                <a:gridCol w="1433704"/>
-                <a:gridCol w="1435549"/>
-                <a:gridCol w="1436471"/>
+                <a:gridCol w="2048402"/>
+                <a:gridCol w="2036605"/>
+                <a:gridCol w="2037917"/>
+                <a:gridCol w="2040540"/>
               </a:tblGrid>
               <a:tr h="887268">
                 <a:tc>
@@ -12451,44 +13292,12 @@
                         </a:spcAft>
                       </a:pPr>
                       <a:r>
-                        <a:rPr lang="en-US" sz="1500">
-                          <a:effectLst/>
-                        </a:rPr>
-                        <a:t>Employee Management</a:t>
-                      </a:r>
-                      <a:endParaRPr lang="en-US" sz="1500">
-                        <a:effectLst/>
-                        <a:latin typeface="Calibri" panose="020F0502020204030204" pitchFamily="34" charset="0"/>
-                        <a:ea typeface="Calibri" panose="020F0502020204030204" pitchFamily="34" charset="0"/>
-                        <a:cs typeface="Times New Roman" panose="02020603050405020304" pitchFamily="18" charset="0"/>
-                      </a:endParaRPr>
-                    </a:p>
-                  </a:txBody>
-                  <a:tcPr marL="54131" marR="54131" marT="0" marB="0" anchor="ctr"/>
-                </a:tc>
-                <a:tc>
-                  <a:txBody>
-                    <a:bodyPr/>
-                    <a:lstStyle/>
-                    <a:p>
-                      <a:pPr marL="0" marR="0" algn="ctr">
-                        <a:lnSpc>
-                          <a:spcPct val="115000"/>
-                        </a:lnSpc>
-                        <a:spcBef>
-                          <a:spcPts val="0"/>
-                        </a:spcBef>
-                        <a:spcAft>
-                          <a:spcPts val="500"/>
-                        </a:spcAft>
-                      </a:pPr>
-                      <a:r>
-                        <a:rPr lang="en-US" sz="1500">
+                        <a:rPr lang="en-US" sz="1500" dirty="0">
                           <a:effectLst/>
                         </a:rPr>
                         <a:t>Customer Database</a:t>
                       </a:r>
-                      <a:endParaRPr lang="en-US" sz="1500">
+                      <a:endParaRPr lang="en-US" sz="1500" dirty="0">
                         <a:effectLst/>
                         <a:latin typeface="Calibri" panose="020F0502020204030204" pitchFamily="34" charset="0"/>
                         <a:ea typeface="Calibri" panose="020F0502020204030204" pitchFamily="34" charset="0"/>
@@ -12519,38 +13328,6 @@
                           <a:effectLst/>
                         </a:rPr>
                         <a:t>Generates Reports and Analytics</a:t>
-                      </a:r>
-                      <a:endParaRPr lang="en-US" sz="1500">
-                        <a:effectLst/>
-                        <a:latin typeface="Calibri" panose="020F0502020204030204" pitchFamily="34" charset="0"/>
-                        <a:ea typeface="Calibri" panose="020F0502020204030204" pitchFamily="34" charset="0"/>
-                        <a:cs typeface="Times New Roman" panose="02020603050405020304" pitchFamily="18" charset="0"/>
-                      </a:endParaRPr>
-                    </a:p>
-                  </a:txBody>
-                  <a:tcPr marL="54131" marR="54131" marT="0" marB="0" anchor="ctr"/>
-                </a:tc>
-                <a:tc>
-                  <a:txBody>
-                    <a:bodyPr/>
-                    <a:lstStyle/>
-                    <a:p>
-                      <a:pPr marL="0" marR="0" algn="ctr">
-                        <a:lnSpc>
-                          <a:spcPct val="115000"/>
-                        </a:lnSpc>
-                        <a:spcBef>
-                          <a:spcPts val="0"/>
-                        </a:spcBef>
-                        <a:spcAft>
-                          <a:spcPts val="120"/>
-                        </a:spcAft>
-                      </a:pPr>
-                      <a:r>
-                        <a:rPr lang="en-US" sz="1500">
-                          <a:effectLst/>
-                        </a:rPr>
-                        <a:t>Integration into Hotel Systems</a:t>
                       </a:r>
                       <a:endParaRPr lang="en-US" sz="1500">
                         <a:effectLst/>
@@ -12635,39 +13412,6 @@
                     <a:p>
                       <a:pPr marL="0" marR="0" algn="ctr">
                         <a:lnSpc>
-                          <a:spcPct val="115000"/>
-                        </a:lnSpc>
-                        <a:spcBef>
-                          <a:spcPts val="0"/>
-                        </a:spcBef>
-                        <a:spcAft>
-                          <a:spcPts val="1000"/>
-                        </a:spcAft>
-                      </a:pPr>
-                      <a:r>
-                        <a:rPr lang="en-US" sz="1500">
-                          <a:effectLst/>
-                          <a:sym typeface="Wingdings" panose="05000000000000000000" pitchFamily="2" charset="2"/>
-                        </a:rPr>
-                        <a:t></a:t>
-                      </a:r>
-                      <a:endParaRPr lang="en-US" sz="1500">
-                        <a:effectLst/>
-                        <a:latin typeface="Calibri" panose="020F0502020204030204" pitchFamily="34" charset="0"/>
-                        <a:ea typeface="Calibri" panose="020F0502020204030204" pitchFamily="34" charset="0"/>
-                        <a:cs typeface="Times New Roman" panose="02020603050405020304" pitchFamily="18" charset="0"/>
-                      </a:endParaRPr>
-                    </a:p>
-                  </a:txBody>
-                  <a:tcPr marL="54131" marR="54131" marT="0" marB="0" anchor="ctr"/>
-                </a:tc>
-                <a:tc>
-                  <a:txBody>
-                    <a:bodyPr/>
-                    <a:lstStyle/>
-                    <a:p>
-                      <a:pPr marL="0" marR="0" algn="ctr">
-                        <a:lnSpc>
                           <a:spcPct val="150000"/>
                         </a:lnSpc>
                         <a:spcBef>
@@ -12716,38 +13460,6 @@
                           <a:sym typeface="Wingdings" panose="05000000000000000000" pitchFamily="2" charset="2"/>
                         </a:rPr>
                         <a:t></a:t>
-                      </a:r>
-                      <a:endParaRPr lang="en-US" sz="1500">
-                        <a:effectLst/>
-                        <a:latin typeface="Calibri" panose="020F0502020204030204" pitchFamily="34" charset="0"/>
-                        <a:ea typeface="Calibri" panose="020F0502020204030204" pitchFamily="34" charset="0"/>
-                        <a:cs typeface="Times New Roman" panose="02020603050405020304" pitchFamily="18" charset="0"/>
-                      </a:endParaRPr>
-                    </a:p>
-                  </a:txBody>
-                  <a:tcPr marL="54131" marR="54131" marT="0" marB="0" anchor="ctr"/>
-                </a:tc>
-                <a:tc>
-                  <a:txBody>
-                    <a:bodyPr/>
-                    <a:lstStyle/>
-                    <a:p>
-                      <a:pPr marL="0" marR="0" algn="ctr">
-                        <a:lnSpc>
-                          <a:spcPct val="150000"/>
-                        </a:lnSpc>
-                        <a:spcBef>
-                          <a:spcPts val="0"/>
-                        </a:spcBef>
-                        <a:spcAft>
-                          <a:spcPts val="120"/>
-                        </a:spcAft>
-                      </a:pPr>
-                      <a:r>
-                        <a:rPr lang="en-US" sz="1500">
-                          <a:effectLst/>
-                        </a:rPr>
-                        <a:t> </a:t>
                       </a:r>
                       <a:endParaRPr lang="en-US" sz="1500">
                         <a:effectLst/>
@@ -12832,39 +13544,6 @@
                     <a:p>
                       <a:pPr marL="0" marR="0" algn="ctr">
                         <a:lnSpc>
-                          <a:spcPct val="115000"/>
-                        </a:lnSpc>
-                        <a:spcBef>
-                          <a:spcPts val="0"/>
-                        </a:spcBef>
-                        <a:spcAft>
-                          <a:spcPts val="1000"/>
-                        </a:spcAft>
-                      </a:pPr>
-                      <a:r>
-                        <a:rPr lang="en-US" sz="1500">
-                          <a:effectLst/>
-                          <a:sym typeface="Wingdings" panose="05000000000000000000" pitchFamily="2" charset="2"/>
-                        </a:rPr>
-                        <a:t></a:t>
-                      </a:r>
-                      <a:endParaRPr lang="en-US" sz="1500">
-                        <a:effectLst/>
-                        <a:latin typeface="Calibri" panose="020F0502020204030204" pitchFamily="34" charset="0"/>
-                        <a:ea typeface="Calibri" panose="020F0502020204030204" pitchFamily="34" charset="0"/>
-                        <a:cs typeface="Times New Roman" panose="02020603050405020304" pitchFamily="18" charset="0"/>
-                      </a:endParaRPr>
-                    </a:p>
-                  </a:txBody>
-                  <a:tcPr marL="54131" marR="54131" marT="0" marB="0" anchor="ctr"/>
-                </a:tc>
-                <a:tc>
-                  <a:txBody>
-                    <a:bodyPr/>
-                    <a:lstStyle/>
-                    <a:p>
-                      <a:pPr marL="0" marR="0" algn="ctr">
-                        <a:lnSpc>
                           <a:spcPct val="150000"/>
                         </a:lnSpc>
                         <a:spcBef>
@@ -12912,38 +13591,6 @@
                           <a:sym typeface="Wingdings" panose="05000000000000000000" pitchFamily="2" charset="2"/>
                         </a:rPr>
                         <a:t></a:t>
-                      </a:r>
-                      <a:endParaRPr lang="en-US" sz="1500">
-                        <a:effectLst/>
-                        <a:latin typeface="Calibri" panose="020F0502020204030204" pitchFamily="34" charset="0"/>
-                        <a:ea typeface="Calibri" panose="020F0502020204030204" pitchFamily="34" charset="0"/>
-                        <a:cs typeface="Times New Roman" panose="02020603050405020304" pitchFamily="18" charset="0"/>
-                      </a:endParaRPr>
-                    </a:p>
-                  </a:txBody>
-                  <a:tcPr marL="54131" marR="54131" marT="0" marB="0" anchor="ctr"/>
-                </a:tc>
-                <a:tc>
-                  <a:txBody>
-                    <a:bodyPr/>
-                    <a:lstStyle/>
-                    <a:p>
-                      <a:pPr marL="0" marR="0" algn="ctr">
-                        <a:lnSpc>
-                          <a:spcPct val="150000"/>
-                        </a:lnSpc>
-                        <a:spcBef>
-                          <a:spcPts val="0"/>
-                        </a:spcBef>
-                        <a:spcAft>
-                          <a:spcPts val="120"/>
-                        </a:spcAft>
-                      </a:pPr>
-                      <a:r>
-                        <a:rPr lang="en-US" sz="1500">
-                          <a:effectLst/>
-                        </a:rPr>
-                        <a:t> </a:t>
                       </a:r>
                       <a:endParaRPr lang="en-US" sz="1500">
                         <a:effectLst/>
@@ -13061,38 +13708,6 @@
                     <a:p>
                       <a:pPr marL="0" marR="0" algn="ctr">
                         <a:lnSpc>
-                          <a:spcPct val="150000"/>
-                        </a:lnSpc>
-                        <a:spcBef>
-                          <a:spcPts val="0"/>
-                        </a:spcBef>
-                        <a:spcAft>
-                          <a:spcPts val="120"/>
-                        </a:spcAft>
-                      </a:pPr>
-                      <a:r>
-                        <a:rPr lang="en-US" sz="1500">
-                          <a:effectLst/>
-                        </a:rPr>
-                        <a:t> </a:t>
-                      </a:r>
-                      <a:endParaRPr lang="en-US" sz="1500">
-                        <a:effectLst/>
-                        <a:latin typeface="Calibri" panose="020F0502020204030204" pitchFamily="34" charset="0"/>
-                        <a:ea typeface="Calibri" panose="020F0502020204030204" pitchFamily="34" charset="0"/>
-                        <a:cs typeface="Times New Roman" panose="02020603050405020304" pitchFamily="18" charset="0"/>
-                      </a:endParaRPr>
-                    </a:p>
-                  </a:txBody>
-                  <a:tcPr marL="54131" marR="54131" marT="0" marB="0" anchor="ctr"/>
-                </a:tc>
-                <a:tc>
-                  <a:txBody>
-                    <a:bodyPr/>
-                    <a:lstStyle/>
-                    <a:p>
-                      <a:pPr marL="0" marR="0" algn="ctr">
-                        <a:lnSpc>
                           <a:spcPct val="115000"/>
                         </a:lnSpc>
                         <a:spcBef>
@@ -13108,38 +13723,6 @@
                           <a:sym typeface="Wingdings" panose="05000000000000000000" pitchFamily="2" charset="2"/>
                         </a:rPr>
                         <a:t></a:t>
-                      </a:r>
-                      <a:endParaRPr lang="en-US" sz="1500">
-                        <a:effectLst/>
-                        <a:latin typeface="Calibri" panose="020F0502020204030204" pitchFamily="34" charset="0"/>
-                        <a:ea typeface="Calibri" panose="020F0502020204030204" pitchFamily="34" charset="0"/>
-                        <a:cs typeface="Times New Roman" panose="02020603050405020304" pitchFamily="18" charset="0"/>
-                      </a:endParaRPr>
-                    </a:p>
-                  </a:txBody>
-                  <a:tcPr marL="54131" marR="54131" marT="0" marB="0" anchor="ctr"/>
-                </a:tc>
-                <a:tc>
-                  <a:txBody>
-                    <a:bodyPr/>
-                    <a:lstStyle/>
-                    <a:p>
-                      <a:pPr marL="0" marR="0" algn="ctr">
-                        <a:lnSpc>
-                          <a:spcPct val="150000"/>
-                        </a:lnSpc>
-                        <a:spcBef>
-                          <a:spcPts val="0"/>
-                        </a:spcBef>
-                        <a:spcAft>
-                          <a:spcPts val="120"/>
-                        </a:spcAft>
-                      </a:pPr>
-                      <a:r>
-                        <a:rPr lang="en-US" sz="1500">
-                          <a:effectLst/>
-                        </a:rPr>
-                        <a:t> </a:t>
                       </a:r>
                       <a:endParaRPr lang="en-US" sz="1500">
                         <a:effectLst/>
@@ -13174,39 +13757,6 @@
                           <a:effectLst/>
                         </a:rPr>
                         <a:t>Mindbody Spa System</a:t>
-                      </a:r>
-                      <a:endParaRPr lang="en-US" sz="1500">
-                        <a:effectLst/>
-                        <a:latin typeface="Calibri" panose="020F0502020204030204" pitchFamily="34" charset="0"/>
-                        <a:ea typeface="Calibri" panose="020F0502020204030204" pitchFamily="34" charset="0"/>
-                        <a:cs typeface="Times New Roman" panose="02020603050405020304" pitchFamily="18" charset="0"/>
-                      </a:endParaRPr>
-                    </a:p>
-                  </a:txBody>
-                  <a:tcPr marL="54131" marR="54131" marT="0" marB="0" anchor="ctr"/>
-                </a:tc>
-                <a:tc>
-                  <a:txBody>
-                    <a:bodyPr/>
-                    <a:lstStyle/>
-                    <a:p>
-                      <a:pPr marL="0" marR="0" algn="ctr">
-                        <a:lnSpc>
-                          <a:spcPct val="115000"/>
-                        </a:lnSpc>
-                        <a:spcBef>
-                          <a:spcPts val="0"/>
-                        </a:spcBef>
-                        <a:spcAft>
-                          <a:spcPts val="1000"/>
-                        </a:spcAft>
-                      </a:pPr>
-                      <a:r>
-                        <a:rPr lang="en-US" sz="1500">
-                          <a:effectLst/>
-                          <a:sym typeface="Wingdings" panose="05000000000000000000" pitchFamily="2" charset="2"/>
-                        </a:rPr>
-                        <a:t></a:t>
                       </a:r>
                       <a:endParaRPr lang="en-US" sz="1500">
                         <a:effectLst/>
@@ -13317,38 +13867,6 @@
                   </a:txBody>
                   <a:tcPr marL="54131" marR="54131" marT="0" marB="0" anchor="ctr"/>
                 </a:tc>
-                <a:tc>
-                  <a:txBody>
-                    <a:bodyPr/>
-                    <a:lstStyle/>
-                    <a:p>
-                      <a:pPr marL="0" marR="0" algn="ctr">
-                        <a:lnSpc>
-                          <a:spcPct val="150000"/>
-                        </a:lnSpc>
-                        <a:spcBef>
-                          <a:spcPts val="0"/>
-                        </a:spcBef>
-                        <a:spcAft>
-                          <a:spcPts val="120"/>
-                        </a:spcAft>
-                      </a:pPr>
-                      <a:r>
-                        <a:rPr lang="en-US" sz="1500">
-                          <a:effectLst/>
-                        </a:rPr>
-                        <a:t> </a:t>
-                      </a:r>
-                      <a:endParaRPr lang="en-US" sz="1500">
-                        <a:effectLst/>
-                        <a:latin typeface="Calibri" panose="020F0502020204030204" pitchFamily="34" charset="0"/>
-                        <a:ea typeface="Calibri" panose="020F0502020204030204" pitchFamily="34" charset="0"/>
-                        <a:cs typeface="Times New Roman" panose="02020603050405020304" pitchFamily="18" charset="0"/>
-                      </a:endParaRPr>
-                    </a:p>
-                  </a:txBody>
-                  <a:tcPr marL="54131" marR="54131" marT="0" marB="0" anchor="ctr"/>
-                </a:tc>
               </a:tr>
               <a:tr h="385768">
                 <a:tc>
@@ -13372,39 +13890,6 @@
                           <a:effectLst/>
                         </a:rPr>
                         <a:t>Salonlite</a:t>
-                      </a:r>
-                      <a:endParaRPr lang="en-US" sz="1500">
-                        <a:effectLst/>
-                        <a:latin typeface="Calibri" panose="020F0502020204030204" pitchFamily="34" charset="0"/>
-                        <a:ea typeface="Calibri" panose="020F0502020204030204" pitchFamily="34" charset="0"/>
-                        <a:cs typeface="Times New Roman" panose="02020603050405020304" pitchFamily="18" charset="0"/>
-                      </a:endParaRPr>
-                    </a:p>
-                  </a:txBody>
-                  <a:tcPr marL="54131" marR="54131" marT="0" marB="0" anchor="ctr"/>
-                </a:tc>
-                <a:tc>
-                  <a:txBody>
-                    <a:bodyPr/>
-                    <a:lstStyle/>
-                    <a:p>
-                      <a:pPr marL="0" marR="0" algn="ctr">
-                        <a:lnSpc>
-                          <a:spcPct val="115000"/>
-                        </a:lnSpc>
-                        <a:spcBef>
-                          <a:spcPts val="0"/>
-                        </a:spcBef>
-                        <a:spcAft>
-                          <a:spcPts val="1000"/>
-                        </a:spcAft>
-                      </a:pPr>
-                      <a:r>
-                        <a:rPr lang="en-US" sz="1500">
-                          <a:effectLst/>
-                          <a:sym typeface="Wingdings" panose="05000000000000000000" pitchFamily="2" charset="2"/>
-                        </a:rPr>
-                        <a:t></a:t>
                       </a:r>
                       <a:endParaRPr lang="en-US" sz="1500">
                         <a:effectLst/>
@@ -13515,38 +14000,6 @@
                   </a:txBody>
                   <a:tcPr marL="54131" marR="54131" marT="0" marB="0" anchor="ctr"/>
                 </a:tc>
-                <a:tc>
-                  <a:txBody>
-                    <a:bodyPr/>
-                    <a:lstStyle/>
-                    <a:p>
-                      <a:pPr marL="0" marR="0" algn="ctr">
-                        <a:lnSpc>
-                          <a:spcPct val="150000"/>
-                        </a:lnSpc>
-                        <a:spcBef>
-                          <a:spcPts val="0"/>
-                        </a:spcBef>
-                        <a:spcAft>
-                          <a:spcPts val="120"/>
-                        </a:spcAft>
-                      </a:pPr>
-                      <a:r>
-                        <a:rPr lang="en-US" sz="1500">
-                          <a:effectLst/>
-                        </a:rPr>
-                        <a:t> </a:t>
-                      </a:r>
-                      <a:endParaRPr lang="en-US" sz="1500">
-                        <a:effectLst/>
-                        <a:latin typeface="Calibri" panose="020F0502020204030204" pitchFamily="34" charset="0"/>
-                        <a:ea typeface="Calibri" panose="020F0502020204030204" pitchFamily="34" charset="0"/>
-                        <a:cs typeface="Times New Roman" panose="02020603050405020304" pitchFamily="18" charset="0"/>
-                      </a:endParaRPr>
-                    </a:p>
-                  </a:txBody>
-                  <a:tcPr marL="54131" marR="54131" marT="0" marB="0" anchor="ctr"/>
-                </a:tc>
               </a:tr>
               <a:tr h="1183024">
                 <a:tc>
@@ -13570,39 +14023,6 @@
                           <a:effectLst/>
                         </a:rPr>
                         <a:t>Springer-Miller Systems: SpaSoft</a:t>
-                      </a:r>
-                      <a:endParaRPr lang="en-US" sz="1500">
-                        <a:effectLst/>
-                        <a:latin typeface="Calibri" panose="020F0502020204030204" pitchFamily="34" charset="0"/>
-                        <a:ea typeface="Calibri" panose="020F0502020204030204" pitchFamily="34" charset="0"/>
-                        <a:cs typeface="Times New Roman" panose="02020603050405020304" pitchFamily="18" charset="0"/>
-                      </a:endParaRPr>
-                    </a:p>
-                  </a:txBody>
-                  <a:tcPr marL="54131" marR="54131" marT="0" marB="0" anchor="ctr"/>
-                </a:tc>
-                <a:tc>
-                  <a:txBody>
-                    <a:bodyPr/>
-                    <a:lstStyle/>
-                    <a:p>
-                      <a:pPr marL="0" marR="0" algn="ctr">
-                        <a:lnSpc>
-                          <a:spcPct val="115000"/>
-                        </a:lnSpc>
-                        <a:spcBef>
-                          <a:spcPts val="0"/>
-                        </a:spcBef>
-                        <a:spcAft>
-                          <a:spcPts val="1000"/>
-                        </a:spcAft>
-                      </a:pPr>
-                      <a:r>
-                        <a:rPr lang="en-US" sz="1500">
-                          <a:effectLst/>
-                          <a:sym typeface="Wingdings" panose="05000000000000000000" pitchFamily="2" charset="2"/>
-                        </a:rPr>
-                        <a:t></a:t>
                       </a:r>
                       <a:endParaRPr lang="en-US" sz="1500">
                         <a:effectLst/>
@@ -13697,39 +14117,6 @@
                         </a:spcAft>
                       </a:pPr>
                       <a:r>
-                        <a:rPr lang="en-US" sz="1500">
-                          <a:effectLst/>
-                          <a:sym typeface="Wingdings" panose="05000000000000000000" pitchFamily="2" charset="2"/>
-                        </a:rPr>
-                        <a:t></a:t>
-                      </a:r>
-                      <a:endParaRPr lang="en-US" sz="1500">
-                        <a:effectLst/>
-                        <a:latin typeface="Calibri" panose="020F0502020204030204" pitchFamily="34" charset="0"/>
-                        <a:ea typeface="Calibri" panose="020F0502020204030204" pitchFamily="34" charset="0"/>
-                        <a:cs typeface="Times New Roman" panose="02020603050405020304" pitchFamily="18" charset="0"/>
-                      </a:endParaRPr>
-                    </a:p>
-                  </a:txBody>
-                  <a:tcPr marL="54131" marR="54131" marT="0" marB="0" anchor="ctr"/>
-                </a:tc>
-                <a:tc>
-                  <a:txBody>
-                    <a:bodyPr/>
-                    <a:lstStyle/>
-                    <a:p>
-                      <a:pPr marL="0" marR="0" algn="ctr">
-                        <a:lnSpc>
-                          <a:spcPct val="150000"/>
-                        </a:lnSpc>
-                        <a:spcBef>
-                          <a:spcPts val="0"/>
-                        </a:spcBef>
-                        <a:spcAft>
-                          <a:spcPts val="120"/>
-                        </a:spcAft>
-                      </a:pPr>
-                      <a:r>
                         <a:rPr lang="en-US" sz="1500" dirty="0">
                           <a:effectLst/>
                           <a:sym typeface="Wingdings" panose="05000000000000000000" pitchFamily="2" charset="2"/>
@@ -13798,7 +14185,7 @@
             <a:pPr algn="ctr"/>
             <a:r>
               <a:rPr lang="en-US" sz="2400" i="0" dirty="0" smtClean="0"/>
-              <a:t>Common Features</a:t>
+              <a:t>Features to be Adapted from Related Systems</a:t>
             </a:r>
             <a:endParaRPr lang="en-US" sz="2400" i="0" dirty="0"/>
           </a:p>
@@ -13808,419 +14195,6 @@
     <p:extLst>
       <p:ext uri="{BB962C8B-B14F-4D97-AF65-F5344CB8AC3E}">
         <p14:creationId xmlns:p14="http://schemas.microsoft.com/office/powerpoint/2010/main" val="3789468822"/>
-      </p:ext>
-    </p:extLst>
-  </p:cSld>
-  <p:clrMapOvr>
-    <a:masterClrMapping/>
-  </p:clrMapOvr>
-  <p:timing>
-    <p:tnLst>
-      <p:par>
-        <p:cTn id="1" dur="indefinite" restart="never" nodeType="tmRoot"/>
-      </p:par>
-    </p:tnLst>
-  </p:timing>
-</p:sld>
-</file>
-
-<file path=ppt/slides/slide7.xml><?xml version="1.0" encoding="utf-8"?>
-<p:sld xmlns:a="http://schemas.openxmlformats.org/drawingml/2006/main" xmlns:r="http://schemas.openxmlformats.org/officeDocument/2006/relationships" xmlns:p="http://schemas.openxmlformats.org/presentationml/2006/main">
-  <p:cSld>
-    <p:spTree>
-      <p:nvGrpSpPr>
-        <p:cNvPr id="1" name=""/>
-        <p:cNvGrpSpPr/>
-        <p:nvPr/>
-      </p:nvGrpSpPr>
-      <p:grpSpPr>
-        <a:xfrm>
-          <a:off x="0" y="0"/>
-          <a:ext cx="0" cy="0"/>
-          <a:chOff x="0" y="0"/>
-          <a:chExt cx="0" cy="0"/>
-        </a:xfrm>
-      </p:grpSpPr>
-      <p:sp>
-        <p:nvSpPr>
-          <p:cNvPr id="3" name="Content Placeholder 2"/>
-          <p:cNvSpPr>
-            <a:spLocks noGrp="1"/>
-          </p:cNvSpPr>
-          <p:nvPr>
-            <p:ph idx="1"/>
-          </p:nvPr>
-        </p:nvSpPr>
-        <p:spPr>
-          <a:xfrm>
-            <a:off x="3657600" y="971550"/>
-            <a:ext cx="5151012" cy="4533900"/>
-          </a:xfrm>
-        </p:spPr>
-        <p:txBody>
-          <a:bodyPr>
-            <a:noAutofit/>
-          </a:bodyPr>
-          <a:lstStyle/>
-          <a:p>
-            <a:pPr marL="0" indent="0">
-              <a:buNone/>
-            </a:pPr>
-            <a:endParaRPr lang="en-US" sz="1600" dirty="0"/>
-          </a:p>
-          <a:p>
-            <a:pPr lvl="0"/>
-            <a:r>
-              <a:rPr lang="en-US" sz="1600" b="1" dirty="0" smtClean="0"/>
-              <a:t>Customer Database (</a:t>
-            </a:r>
-            <a:r>
-              <a:rPr lang="en-US" sz="1600" b="1" dirty="0" err="1" smtClean="0"/>
-              <a:t>Zensoft</a:t>
-            </a:r>
-            <a:r>
-              <a:rPr lang="en-US" sz="1600" b="1" dirty="0" smtClean="0"/>
-              <a:t>)</a:t>
-            </a:r>
-            <a:r>
-              <a:rPr lang="en-US" sz="1600" b="1" dirty="0"/>
-              <a:t>	</a:t>
-            </a:r>
-            <a:endParaRPr lang="en-US" sz="1600" dirty="0"/>
-          </a:p>
-          <a:p>
-            <a:pPr lvl="1"/>
-            <a:r>
-              <a:rPr lang="en-US" sz="1600" dirty="0" smtClean="0"/>
-              <a:t>Storing of guest profiles, identifying new and returning customers.</a:t>
-            </a:r>
-            <a:endParaRPr lang="en-US" sz="1600" dirty="0"/>
-          </a:p>
-          <a:p>
-            <a:pPr lvl="0"/>
-            <a:r>
-              <a:rPr lang="en-US" sz="1600" b="1" dirty="0" smtClean="0"/>
-              <a:t>Integration into Hotel Systems (Springer-Miller)</a:t>
-            </a:r>
-          </a:p>
-          <a:p>
-            <a:pPr lvl="1"/>
-            <a:r>
-              <a:rPr lang="en-US" sz="1600" dirty="0">
-                <a:solidFill>
-                  <a:schemeClr val="tx1"/>
-                </a:solidFill>
-              </a:rPr>
-              <a:t>Obtain the guests checked-in at the hotel and their information for an easier system flow</a:t>
-            </a:r>
-            <a:r>
-              <a:rPr lang="en-US" sz="1600" dirty="0" smtClean="0">
-                <a:solidFill>
-                  <a:schemeClr val="tx1"/>
-                </a:solidFill>
-              </a:rPr>
-              <a:t>.</a:t>
-            </a:r>
-            <a:endParaRPr lang="en-US" sz="1600" dirty="0"/>
-          </a:p>
-          <a:p>
-            <a:pPr lvl="0"/>
-            <a:r>
-              <a:rPr lang="en-US" sz="1600" b="1" dirty="0"/>
-              <a:t>Online Booking (Salonlite)</a:t>
-            </a:r>
-            <a:endParaRPr lang="en-US" sz="1600" dirty="0"/>
-          </a:p>
-          <a:p>
-            <a:pPr lvl="1"/>
-            <a:r>
-              <a:rPr lang="en-US" sz="1600" dirty="0"/>
-              <a:t>The system is constantly running 24/7 for it to be able to still accept reservations during off-hours.</a:t>
-            </a:r>
-          </a:p>
-          <a:p>
-            <a:pPr lvl="0"/>
-            <a:r>
-              <a:rPr lang="en-US" sz="1600" b="1" dirty="0"/>
-              <a:t>Reports (All systems)</a:t>
-            </a:r>
-            <a:endParaRPr lang="en-US" sz="1600" dirty="0"/>
-          </a:p>
-          <a:p>
-            <a:pPr lvl="1"/>
-            <a:r>
-              <a:rPr lang="en-US" sz="1600" dirty="0"/>
-              <a:t>Daily reports which shows the trends on that certain day</a:t>
-            </a:r>
-            <a:r>
-              <a:rPr lang="en-US" sz="1600" dirty="0" smtClean="0"/>
-              <a:t>.</a:t>
-            </a:r>
-            <a:endParaRPr lang="en-US" sz="1600" dirty="0"/>
-          </a:p>
-        </p:txBody>
-      </p:sp>
-      <p:sp>
-        <p:nvSpPr>
-          <p:cNvPr id="4" name="Title 4"/>
-          <p:cNvSpPr txBox="1">
-            <a:spLocks/>
-          </p:cNvSpPr>
-          <p:nvPr/>
-        </p:nvSpPr>
-        <p:spPr>
-          <a:xfrm>
-            <a:off x="152400" y="381000"/>
-            <a:ext cx="3131713" cy="5715000"/>
-          </a:xfrm>
-          <a:prstGeom prst="rect">
-            <a:avLst/>
-          </a:prstGeom>
-        </p:spPr>
-        <p:txBody>
-          <a:bodyPr vert="horz" lIns="91440" tIns="45720" rIns="91440" bIns="45720" rtlCol="0" anchor="t">
-            <a:normAutofit/>
-          </a:bodyPr>
-          <a:lstStyle>
-            <a:lvl1pPr algn="r" defTabSz="685800" rtl="0" eaLnBrk="1" latinLnBrk="0" hangingPunct="1">
-              <a:lnSpc>
-                <a:spcPct val="90000"/>
-              </a:lnSpc>
-              <a:spcBef>
-                <a:spcPct val="0"/>
-              </a:spcBef>
-              <a:buNone/>
-              <a:defRPr sz="3800" b="0" i="1" kern="1200" baseline="0">
-                <a:solidFill>
-                  <a:schemeClr val="tx1">
-                    <a:lumMod val="85000"/>
-                    <a:lumOff val="15000"/>
-                  </a:schemeClr>
-                </a:solidFill>
-                <a:latin typeface="+mj-lt"/>
-                <a:ea typeface="+mj-ea"/>
-                <a:cs typeface="+mj-cs"/>
-              </a:defRPr>
-            </a:lvl1pPr>
-          </a:lstStyle>
-          <a:p>
-            <a:pPr algn="ctr"/>
-            <a:r>
-              <a:rPr lang="en-US" sz="2200" i="0" dirty="0" smtClean="0"/>
-              <a:t>REVIEW OF RELATED LITERATURE</a:t>
-            </a:r>
-            <a:br>
-              <a:rPr lang="en-US" sz="2200" i="0" dirty="0" smtClean="0"/>
-            </a:br>
-            <a:r>
-              <a:rPr lang="en-US" sz="2200" i="0" dirty="0" smtClean="0"/>
-              <a:t>/SYSTEMS</a:t>
-            </a:r>
-            <a:r>
-              <a:rPr lang="en-US" sz="2400" i="0" dirty="0" smtClean="0"/>
-              <a:t/>
-            </a:r>
-            <a:br>
-              <a:rPr lang="en-US" sz="2400" i="0" dirty="0" smtClean="0"/>
-            </a:br>
-            <a:r>
-              <a:rPr lang="en-US" sz="2400" i="0" dirty="0" smtClean="0"/>
-              <a:t/>
-            </a:r>
-            <a:br>
-              <a:rPr lang="en-US" sz="2400" i="0" dirty="0" smtClean="0"/>
-            </a:br>
-            <a:r>
-              <a:rPr lang="en-US" sz="2400" i="0" dirty="0" smtClean="0"/>
-              <a:t/>
-            </a:r>
-            <a:br>
-              <a:rPr lang="en-US" sz="2400" i="0" dirty="0" smtClean="0"/>
-            </a:br>
-            <a:r>
-              <a:rPr lang="en-US" sz="2400" i="0" dirty="0" smtClean="0"/>
-              <a:t/>
-            </a:r>
-            <a:br>
-              <a:rPr lang="en-US" sz="2400" i="0" dirty="0" smtClean="0"/>
-            </a:br>
-            <a:r>
-              <a:rPr lang="en-US" sz="3400" dirty="0" smtClean="0"/>
-              <a:t>Features to be Adapted</a:t>
-            </a:r>
-            <a:endParaRPr lang="en-US" sz="3400" i="0" dirty="0"/>
-          </a:p>
-        </p:txBody>
-      </p:sp>
-    </p:spTree>
-    <p:extLst>
-      <p:ext uri="{BB962C8B-B14F-4D97-AF65-F5344CB8AC3E}">
-        <p14:creationId xmlns:p14="http://schemas.microsoft.com/office/powerpoint/2010/main" val="2809997882"/>
-      </p:ext>
-    </p:extLst>
-  </p:cSld>
-  <p:clrMapOvr>
-    <a:masterClrMapping/>
-  </p:clrMapOvr>
-  <p:timing>
-    <p:tnLst>
-      <p:par>
-        <p:cTn id="1" dur="indefinite" restart="never" nodeType="tmRoot"/>
-      </p:par>
-    </p:tnLst>
-  </p:timing>
-</p:sld>
-</file>
-
-<file path=ppt/slides/slide8.xml><?xml version="1.0" encoding="utf-8"?>
-<p:sld xmlns:a="http://schemas.openxmlformats.org/drawingml/2006/main" xmlns:r="http://schemas.openxmlformats.org/officeDocument/2006/relationships" xmlns:p="http://schemas.openxmlformats.org/presentationml/2006/main">
-  <p:cSld>
-    <p:spTree>
-      <p:nvGrpSpPr>
-        <p:cNvPr id="1" name=""/>
-        <p:cNvGrpSpPr/>
-        <p:nvPr/>
-      </p:nvGrpSpPr>
-      <p:grpSpPr>
-        <a:xfrm>
-          <a:off x="0" y="0"/>
-          <a:ext cx="0" cy="0"/>
-          <a:chOff x="0" y="0"/>
-          <a:chExt cx="0" cy="0"/>
-        </a:xfrm>
-      </p:grpSpPr>
-      <p:sp>
-        <p:nvSpPr>
-          <p:cNvPr id="3" name="Content Placeholder 2"/>
-          <p:cNvSpPr>
-            <a:spLocks noGrp="1"/>
-          </p:cNvSpPr>
-          <p:nvPr>
-            <p:ph idx="1"/>
-          </p:nvPr>
-        </p:nvSpPr>
-        <p:spPr>
-          <a:xfrm>
-            <a:off x="3810000" y="1219200"/>
-            <a:ext cx="4914899" cy="4038600"/>
-          </a:xfrm>
-        </p:spPr>
-        <p:txBody>
-          <a:bodyPr>
-            <a:noAutofit/>
-          </a:bodyPr>
-          <a:lstStyle/>
-          <a:p>
-            <a:r>
-              <a:rPr lang="en-US" dirty="0"/>
-              <a:t>The program is built purely in the platform </a:t>
-            </a:r>
-            <a:r>
-              <a:rPr lang="en-US" dirty="0" err="1"/>
-              <a:t>Yii</a:t>
-            </a:r>
-            <a:r>
-              <a:rPr lang="en-US" dirty="0"/>
-              <a:t> 2, an open source PHP framework. The database is built on MySQL</a:t>
-            </a:r>
-            <a:r>
-              <a:rPr lang="en-US" dirty="0" smtClean="0"/>
-              <a:t>.</a:t>
-            </a:r>
-            <a:br>
-              <a:rPr lang="en-US" dirty="0" smtClean="0"/>
-            </a:br>
-            <a:endParaRPr lang="en-US" dirty="0"/>
-          </a:p>
-          <a:p>
-            <a:pPr lvl="2"/>
-            <a:r>
-              <a:rPr lang="en-US" sz="2000" b="1" dirty="0"/>
-              <a:t>PHP - </a:t>
-            </a:r>
-            <a:r>
-              <a:rPr lang="en-US" sz="2000" dirty="0"/>
-              <a:t>is a server-side scripting language designed primarily for web development but also used as a general-purpose programming language.</a:t>
-            </a:r>
-          </a:p>
-          <a:p>
-            <a:pPr marL="0" indent="0">
-              <a:buNone/>
-            </a:pPr>
-            <a:endParaRPr lang="en-US" dirty="0"/>
-          </a:p>
-        </p:txBody>
-      </p:sp>
-      <p:sp>
-        <p:nvSpPr>
-          <p:cNvPr id="5" name="Title 4"/>
-          <p:cNvSpPr>
-            <a:spLocks noGrp="1"/>
-          </p:cNvSpPr>
-          <p:nvPr>
-            <p:ph type="title"/>
-          </p:nvPr>
-        </p:nvSpPr>
-        <p:spPr>
-          <a:xfrm>
-            <a:off x="152400" y="762254"/>
-            <a:ext cx="3429000" cy="4952492"/>
-          </a:xfrm>
-        </p:spPr>
-        <p:txBody>
-          <a:bodyPr>
-            <a:normAutofit/>
-          </a:bodyPr>
-          <a:lstStyle/>
-          <a:p>
-            <a:pPr algn="ctr"/>
-            <a:r>
-              <a:rPr lang="en-US" sz="2400" i="0" dirty="0" smtClean="0"/>
-              <a:t>TECHNICAL BACKGROUND</a:t>
-            </a:r>
-            <a:br>
-              <a:rPr lang="en-US" sz="2400" i="0" dirty="0" smtClean="0"/>
-            </a:br>
-            <a:r>
-              <a:rPr lang="en-US" sz="2400" i="0" dirty="0"/>
-              <a:t/>
-            </a:r>
-            <a:br>
-              <a:rPr lang="en-US" sz="2400" i="0" dirty="0"/>
-            </a:br>
-            <a:r>
-              <a:rPr lang="en-US" sz="2400" i="0" dirty="0" smtClean="0"/>
-              <a:t/>
-            </a:r>
-            <a:br>
-              <a:rPr lang="en-US" sz="2400" i="0" dirty="0" smtClean="0"/>
-            </a:br>
-            <a:r>
-              <a:rPr lang="en-US" sz="2400" i="0" dirty="0" smtClean="0"/>
-              <a:t/>
-            </a:r>
-            <a:br>
-              <a:rPr lang="en-US" sz="2400" i="0" dirty="0" smtClean="0"/>
-            </a:br>
-            <a:r>
-              <a:rPr lang="en-US" sz="2400" i="0" dirty="0" smtClean="0"/>
-              <a:t/>
-            </a:r>
-            <a:br>
-              <a:rPr lang="en-US" sz="2400" i="0" dirty="0" smtClean="0"/>
-            </a:br>
-            <a:r>
-              <a:rPr lang="en-US" sz="3400" dirty="0" smtClean="0"/>
-              <a:t>Programming Language</a:t>
-            </a:r>
-            <a:endParaRPr lang="en-US" sz="3400" i="0" dirty="0"/>
-          </a:p>
-        </p:txBody>
-      </p:sp>
-    </p:spTree>
-    <p:extLst>
-      <p:ext uri="{BB962C8B-B14F-4D97-AF65-F5344CB8AC3E}">
-        <p14:creationId xmlns:p14="http://schemas.microsoft.com/office/powerpoint/2010/main" val="2268545530"/>
       </p:ext>
     </p:extLst>
   </p:cSld>
@@ -14266,8 +14240,8 @@
         </p:nvSpPr>
         <p:spPr>
           <a:xfrm>
-            <a:off x="3657600" y="381000"/>
-            <a:ext cx="5219699" cy="6096000"/>
+            <a:off x="3657600" y="609600"/>
+            <a:ext cx="5151012" cy="5486400"/>
           </a:xfrm>
         </p:spPr>
         <p:txBody>
@@ -14276,183 +14250,142 @@
           </a:bodyPr>
           <a:lstStyle/>
           <a:p>
-            <a:r>
-              <a:rPr lang="fil-PH" sz="1800" b="1" dirty="0" smtClean="0"/>
-              <a:t>Hardware Requirements</a:t>
-            </a:r>
-            <a:endParaRPr lang="en-US" sz="1800" dirty="0"/>
-          </a:p>
-          <a:p>
-            <a:pPr lvl="2"/>
-            <a:r>
-              <a:rPr lang="en-US" b="1" dirty="0"/>
-              <a:t>CPU – </a:t>
-            </a:r>
-            <a:r>
-              <a:rPr lang="en-US" dirty="0"/>
-              <a:t>Intel Pentium Core 2 Duo</a:t>
-            </a:r>
-          </a:p>
-          <a:p>
-            <a:pPr lvl="2"/>
-            <a:r>
-              <a:rPr lang="en-US" b="1" dirty="0"/>
-              <a:t>Disk Space </a:t>
-            </a:r>
-            <a:r>
-              <a:rPr lang="en-US" dirty="0"/>
-              <a:t>– 1 GB</a:t>
-            </a:r>
-          </a:p>
-          <a:p>
-            <a:pPr lvl="2"/>
-            <a:r>
-              <a:rPr lang="en-US" b="1" dirty="0"/>
-              <a:t>RAM – </a:t>
-            </a:r>
-            <a:r>
-              <a:rPr lang="en-US" dirty="0"/>
-              <a:t>1 </a:t>
-            </a:r>
-            <a:r>
-              <a:rPr lang="en-US" dirty="0" smtClean="0"/>
-              <a:t>GB</a:t>
-            </a:r>
-          </a:p>
-          <a:p>
-            <a:pPr marL="859536" lvl="2" indent="0">
+            <a:pPr marL="0" indent="0">
               <a:buNone/>
             </a:pPr>
-            <a:r>
-              <a:rPr lang="fil-PH" b="1" dirty="0"/>
-              <a:t> </a:t>
-            </a:r>
-            <a:endParaRPr lang="en-US" dirty="0"/>
-          </a:p>
-          <a:p>
-            <a:r>
-              <a:rPr lang="fil-PH" sz="1800" b="1" dirty="0"/>
-              <a:t>Software Requirements</a:t>
+            <a:endParaRPr lang="en-US" sz="1600" dirty="0"/>
+          </a:p>
+          <a:p>
+            <a:pPr lvl="0"/>
+            <a:r>
+              <a:rPr lang="en-US" sz="1800" b="1" dirty="0" smtClean="0"/>
+              <a:t>Customer </a:t>
+            </a:r>
+            <a:r>
+              <a:rPr lang="en-US" sz="1800" b="1" dirty="0" smtClean="0"/>
+              <a:t>Database</a:t>
+            </a:r>
+            <a:r>
+              <a:rPr lang="en-US" sz="1800" b="1" dirty="0"/>
+              <a:t>	</a:t>
             </a:r>
             <a:endParaRPr lang="en-US" sz="1800" dirty="0"/>
           </a:p>
           <a:p>
-            <a:pPr lvl="2"/>
-            <a:r>
-              <a:rPr lang="en-US" b="1" dirty="0"/>
-              <a:t>Web Service</a:t>
-            </a:r>
-            <a:r>
-              <a:rPr lang="en-US" dirty="0"/>
-              <a:t> – Nginx Server or Apache Server</a:t>
-            </a:r>
-          </a:p>
-          <a:p>
-            <a:pPr lvl="2"/>
-            <a:r>
-              <a:rPr lang="en-US" b="1" dirty="0"/>
-              <a:t>Database Server -  </a:t>
-            </a:r>
-            <a:r>
-              <a:rPr lang="en-US" dirty="0"/>
-              <a:t>MySQL</a:t>
-            </a:r>
-          </a:p>
-          <a:p>
-            <a:pPr lvl="2"/>
-            <a:r>
-              <a:rPr lang="en-US" b="1" dirty="0"/>
-              <a:t>Browser – </a:t>
-            </a:r>
-            <a:r>
-              <a:rPr lang="en-US" dirty="0"/>
-              <a:t>Internet Explorer, Microsoft Edge, Mozilla Firefox, Google Chrome or Safari</a:t>
-            </a:r>
-          </a:p>
-          <a:p>
-            <a:pPr lvl="2"/>
-            <a:r>
-              <a:rPr lang="en-US" b="1" dirty="0"/>
-              <a:t>Operating System –</a:t>
-            </a:r>
-            <a:r>
-              <a:rPr lang="en-US" dirty="0"/>
-              <a:t> Windows, Linux or MAC </a:t>
-            </a:r>
+            <a:pPr lvl="1"/>
             <a:r>
               <a:rPr lang="en-US" dirty="0" smtClean="0"/>
-              <a:t>OSX</a:t>
-            </a:r>
-          </a:p>
-          <a:p>
-            <a:pPr lvl="2"/>
-            <a:endParaRPr lang="en-US" dirty="0"/>
-          </a:p>
-          <a:p>
-            <a:r>
-              <a:rPr lang="fil-PH" sz="1800" b="1" dirty="0" smtClean="0"/>
-              <a:t>Human </a:t>
-            </a:r>
-            <a:r>
-              <a:rPr lang="fil-PH" sz="1800" b="1" dirty="0"/>
-              <a:t>Resource Requirements</a:t>
-            </a:r>
-            <a:endParaRPr lang="en-US" sz="1800" dirty="0"/>
-          </a:p>
-          <a:p>
-            <a:pPr lvl="2"/>
-            <a:r>
-              <a:rPr lang="en-US" b="1" dirty="0"/>
-              <a:t>Receptionist</a:t>
-            </a:r>
-            <a:r>
-              <a:rPr lang="en-US" dirty="0"/>
-              <a:t> - will be the one to use the system in the front desk</a:t>
+              <a:t>Storing of guest profiles, identifying new and returning customers</a:t>
             </a:r>
             <a:r>
               <a:rPr lang="en-US" dirty="0" smtClean="0"/>
               <a:t>.</a:t>
             </a:r>
-            <a:endParaRPr lang="en-US" sz="1400" dirty="0"/>
-          </a:p>
-        </p:txBody>
-      </p:sp>
-      <p:sp>
-        <p:nvSpPr>
-          <p:cNvPr id="5" name="Title 4"/>
-          <p:cNvSpPr>
-            <a:spLocks noGrp="1"/>
+            <a:r>
+              <a:rPr lang="en-US" dirty="0" smtClean="0">
+                <a:solidFill>
+                  <a:schemeClr val="tx1"/>
+                </a:solidFill>
+              </a:rPr>
+              <a:t>.</a:t>
+            </a:r>
+            <a:endParaRPr lang="en-US" dirty="0"/>
+          </a:p>
+          <a:p>
+            <a:pPr lvl="0"/>
+            <a:r>
+              <a:rPr lang="en-US" sz="1800" b="1" dirty="0"/>
+              <a:t>Online Booking </a:t>
+            </a:r>
+            <a:endParaRPr lang="en-US" sz="1800" dirty="0"/>
+          </a:p>
+          <a:p>
+            <a:pPr lvl="1"/>
+            <a:r>
+              <a:rPr lang="en-US" dirty="0"/>
+              <a:t>The system is constantly running 24/7 for it to be able to still accept reservations during off-hours. In case of power interruptions, the back-up plan is for the spa to revert to the manual process.</a:t>
+            </a:r>
+          </a:p>
+          <a:p>
+            <a:pPr lvl="0"/>
+            <a:r>
+              <a:rPr lang="en-US" sz="1800" b="1" dirty="0" smtClean="0"/>
+              <a:t>Reports</a:t>
+            </a:r>
+            <a:endParaRPr lang="en-US" sz="1800" dirty="0"/>
+          </a:p>
+          <a:p>
+            <a:pPr lvl="1"/>
+            <a:r>
+              <a:rPr lang="en-US" dirty="0"/>
+              <a:t>Daily reports which shows the trends on that certain day</a:t>
+            </a:r>
+            <a:r>
+              <a:rPr lang="en-US" dirty="0" smtClean="0"/>
+              <a:t>.</a:t>
+            </a:r>
+            <a:endParaRPr lang="en-US" dirty="0"/>
+          </a:p>
+        </p:txBody>
+      </p:sp>
+      <p:sp>
+        <p:nvSpPr>
+          <p:cNvPr id="4" name="Title 4"/>
+          <p:cNvSpPr txBox="1">
+            <a:spLocks/>
           </p:cNvSpPr>
-          <p:nvPr>
-            <p:ph type="title"/>
-          </p:nvPr>
+          <p:nvPr/>
         </p:nvSpPr>
         <p:spPr>
           <a:xfrm>
-            <a:off x="0" y="533400"/>
-            <a:ext cx="3429000" cy="4952492"/>
-          </a:xfrm>
-        </p:spPr>
-        <p:txBody>
-          <a:bodyPr>
+            <a:off x="152400" y="381000"/>
+            <a:ext cx="3131713" cy="5715000"/>
+          </a:xfrm>
+          <a:prstGeom prst="rect">
+            <a:avLst/>
+          </a:prstGeom>
+        </p:spPr>
+        <p:txBody>
+          <a:bodyPr vert="horz" lIns="91440" tIns="45720" rIns="91440" bIns="45720" rtlCol="0" anchor="t">
             <a:normAutofit/>
           </a:bodyPr>
-          <a:lstStyle/>
+          <a:lstStyle>
+            <a:lvl1pPr algn="r" defTabSz="685800" rtl="0" eaLnBrk="1" latinLnBrk="0" hangingPunct="1">
+              <a:lnSpc>
+                <a:spcPct val="90000"/>
+              </a:lnSpc>
+              <a:spcBef>
+                <a:spcPct val="0"/>
+              </a:spcBef>
+              <a:buNone/>
+              <a:defRPr sz="3800" b="0" i="1" kern="1200" baseline="0">
+                <a:solidFill>
+                  <a:schemeClr val="tx1">
+                    <a:lumMod val="85000"/>
+                    <a:lumOff val="15000"/>
+                  </a:schemeClr>
+                </a:solidFill>
+                <a:latin typeface="+mj-lt"/>
+                <a:ea typeface="+mj-ea"/>
+                <a:cs typeface="+mj-cs"/>
+              </a:defRPr>
+            </a:lvl1pPr>
+          </a:lstStyle>
           <a:p>
             <a:pPr algn="ctr"/>
             <a:r>
-              <a:rPr lang="en-US" sz="2400" i="0" dirty="0" smtClean="0"/>
-              <a:t>TECHNICAL BACKGROUND</a:t>
-            </a:r>
-            <a:br>
-              <a:rPr lang="en-US" sz="2400" i="0" dirty="0" smtClean="0"/>
-            </a:br>
-            <a:r>
-              <a:rPr lang="en-US" sz="2400" i="0" dirty="0"/>
-              <a:t/>
-            </a:r>
-            <a:br>
-              <a:rPr lang="en-US" sz="2400" i="0" dirty="0"/>
+              <a:rPr lang="en-US" sz="2000" i="0" dirty="0" smtClean="0"/>
+              <a:t>REVIEW OF RELATED LITERATURE</a:t>
+            </a:r>
+            <a:br>
+              <a:rPr lang="en-US" sz="2000" i="0" dirty="0" smtClean="0"/>
+            </a:br>
+            <a:r>
+              <a:rPr lang="en-US" sz="2000" i="0" dirty="0" smtClean="0"/>
+              <a:t>/SYSTEMS</a:t>
+            </a:r>
+            <a:br>
+              <a:rPr lang="en-US" sz="2000" i="0" dirty="0" smtClean="0"/>
             </a:br>
             <a:r>
               <a:rPr lang="en-US" sz="2400" i="0" dirty="0" smtClean="0"/>
@@ -14477,7 +14410,15 @@
             </a:br>
             <a:r>
               <a:rPr lang="en-US" sz="3400" dirty="0" smtClean="0"/>
-              <a:t>Resource Requirements</a:t>
+              <a:t>Features </a:t>
+            </a:r>
+            <a:r>
+              <a:rPr lang="en-US" sz="3400" dirty="0" smtClean="0"/>
+              <a:t>of the Proposed Syste</a:t>
+            </a:r>
+            <a:r>
+              <a:rPr lang="en-US" sz="3400" dirty="0"/>
+              <a:t>m</a:t>
             </a:r>
             <a:endParaRPr lang="en-US" sz="3400" i="0" dirty="0"/>
           </a:p>
@@ -14486,7 +14427,7 @@
     </p:spTree>
     <p:extLst>
       <p:ext uri="{BB962C8B-B14F-4D97-AF65-F5344CB8AC3E}">
-        <p14:creationId xmlns:p14="http://schemas.microsoft.com/office/powerpoint/2010/main" val="3918560631"/>
+        <p14:creationId xmlns:p14="http://schemas.microsoft.com/office/powerpoint/2010/main" val="2809997882"/>
       </p:ext>
     </p:extLst>
   </p:cSld>
